--- a/8bit_design/CPU.pptx
+++ b/8bit_design/CPU.pptx
@@ -7,6 +7,8 @@
   <p:sldIdLst>
     <p:sldId id="256" r:id="rId2"/>
     <p:sldId id="257" r:id="rId3"/>
+    <p:sldId id="258" r:id="rId4"/>
+    <p:sldId id="260" r:id="rId5"/>
   </p:sldIdLst>
   <p:sldSz cx="12192000" cy="6858000"/>
   <p:notesSz cx="6858000" cy="9144000"/>
@@ -260,7 +262,7 @@
           <a:p>
             <a:fld id="{3DA55360-DDDC-4346-A6FA-426842ECECBE}" type="datetimeFigureOut">
               <a:rPr kumimoji="1" lang="zh-CN" altLang="en-US" smtClean="0"/>
-              <a:t>2024/1/27</a:t>
+              <a:t>2024/2/3</a:t>
             </a:fld>
             <a:endParaRPr kumimoji="1" lang="zh-CN" altLang="en-US"/>
           </a:p>
@@ -458,7 +460,7 @@
           <a:p>
             <a:fld id="{3DA55360-DDDC-4346-A6FA-426842ECECBE}" type="datetimeFigureOut">
               <a:rPr kumimoji="1" lang="zh-CN" altLang="en-US" smtClean="0"/>
-              <a:t>2024/1/27</a:t>
+              <a:t>2024/2/3</a:t>
             </a:fld>
             <a:endParaRPr kumimoji="1" lang="zh-CN" altLang="en-US"/>
           </a:p>
@@ -666,7 +668,7 @@
           <a:p>
             <a:fld id="{3DA55360-DDDC-4346-A6FA-426842ECECBE}" type="datetimeFigureOut">
               <a:rPr kumimoji="1" lang="zh-CN" altLang="en-US" smtClean="0"/>
-              <a:t>2024/1/27</a:t>
+              <a:t>2024/2/3</a:t>
             </a:fld>
             <a:endParaRPr kumimoji="1" lang="zh-CN" altLang="en-US"/>
           </a:p>
@@ -864,7 +866,7 @@
           <a:p>
             <a:fld id="{3DA55360-DDDC-4346-A6FA-426842ECECBE}" type="datetimeFigureOut">
               <a:rPr kumimoji="1" lang="zh-CN" altLang="en-US" smtClean="0"/>
-              <a:t>2024/1/27</a:t>
+              <a:t>2024/2/3</a:t>
             </a:fld>
             <a:endParaRPr kumimoji="1" lang="zh-CN" altLang="en-US"/>
           </a:p>
@@ -1139,7 +1141,7 @@
           <a:p>
             <a:fld id="{3DA55360-DDDC-4346-A6FA-426842ECECBE}" type="datetimeFigureOut">
               <a:rPr kumimoji="1" lang="zh-CN" altLang="en-US" smtClean="0"/>
-              <a:t>2024/1/27</a:t>
+              <a:t>2024/2/3</a:t>
             </a:fld>
             <a:endParaRPr kumimoji="1" lang="zh-CN" altLang="en-US"/>
           </a:p>
@@ -1404,7 +1406,7 @@
           <a:p>
             <a:fld id="{3DA55360-DDDC-4346-A6FA-426842ECECBE}" type="datetimeFigureOut">
               <a:rPr kumimoji="1" lang="zh-CN" altLang="en-US" smtClean="0"/>
-              <a:t>2024/1/27</a:t>
+              <a:t>2024/2/3</a:t>
             </a:fld>
             <a:endParaRPr kumimoji="1" lang="zh-CN" altLang="en-US"/>
           </a:p>
@@ -1816,7 +1818,7 @@
           <a:p>
             <a:fld id="{3DA55360-DDDC-4346-A6FA-426842ECECBE}" type="datetimeFigureOut">
               <a:rPr kumimoji="1" lang="zh-CN" altLang="en-US" smtClean="0"/>
-              <a:t>2024/1/27</a:t>
+              <a:t>2024/2/3</a:t>
             </a:fld>
             <a:endParaRPr kumimoji="1" lang="zh-CN" altLang="en-US"/>
           </a:p>
@@ -1957,7 +1959,7 @@
           <a:p>
             <a:fld id="{3DA55360-DDDC-4346-A6FA-426842ECECBE}" type="datetimeFigureOut">
               <a:rPr kumimoji="1" lang="zh-CN" altLang="en-US" smtClean="0"/>
-              <a:t>2024/1/27</a:t>
+              <a:t>2024/2/3</a:t>
             </a:fld>
             <a:endParaRPr kumimoji="1" lang="zh-CN" altLang="en-US"/>
           </a:p>
@@ -2070,7 +2072,7 @@
           <a:p>
             <a:fld id="{3DA55360-DDDC-4346-A6FA-426842ECECBE}" type="datetimeFigureOut">
               <a:rPr kumimoji="1" lang="zh-CN" altLang="en-US" smtClean="0"/>
-              <a:t>2024/1/27</a:t>
+              <a:t>2024/2/3</a:t>
             </a:fld>
             <a:endParaRPr kumimoji="1" lang="zh-CN" altLang="en-US"/>
           </a:p>
@@ -2381,7 +2383,7 @@
           <a:p>
             <a:fld id="{3DA55360-DDDC-4346-A6FA-426842ECECBE}" type="datetimeFigureOut">
               <a:rPr kumimoji="1" lang="zh-CN" altLang="en-US" smtClean="0"/>
-              <a:t>2024/1/27</a:t>
+              <a:t>2024/2/3</a:t>
             </a:fld>
             <a:endParaRPr kumimoji="1" lang="zh-CN" altLang="en-US"/>
           </a:p>
@@ -2669,7 +2671,7 @@
           <a:p>
             <a:fld id="{3DA55360-DDDC-4346-A6FA-426842ECECBE}" type="datetimeFigureOut">
               <a:rPr kumimoji="1" lang="zh-CN" altLang="en-US" smtClean="0"/>
-              <a:t>2024/1/27</a:t>
+              <a:t>2024/2/3</a:t>
             </a:fld>
             <a:endParaRPr kumimoji="1" lang="zh-CN" altLang="en-US"/>
           </a:p>
@@ -2910,7 +2912,7 @@
           <a:p>
             <a:fld id="{3DA55360-DDDC-4346-A6FA-426842ECECBE}" type="datetimeFigureOut">
               <a:rPr kumimoji="1" lang="zh-CN" altLang="en-US" smtClean="0"/>
-              <a:t>2024/1/27</a:t>
+              <a:t>2024/2/3</a:t>
             </a:fld>
             <a:endParaRPr kumimoji="1" lang="zh-CN" altLang="en-US"/>
           </a:p>
@@ -7972,10 +7974,3483 @@
           </a:p>
         </p:txBody>
       </p:sp>
+      <p:sp>
+        <p:nvSpPr>
+          <p:cNvPr id="18" name="TextBox 17">
+            <a:extLst>
+              <a:ext uri="{FF2B5EF4-FFF2-40B4-BE49-F238E27FC236}">
+                <a16:creationId xmlns:a16="http://schemas.microsoft.com/office/drawing/2014/main" id="{ECF70C42-CA3F-609E-7CF2-F93AB0DE04BB}"/>
+              </a:ext>
+            </a:extLst>
+          </p:cNvPr>
+          <p:cNvSpPr txBox="1"/>
+          <p:nvPr/>
+        </p:nvSpPr>
+        <p:spPr>
+          <a:xfrm>
+            <a:off x="2841456" y="4210850"/>
+            <a:ext cx="2031325" cy="369332"/>
+          </a:xfrm>
+          <a:prstGeom prst="rect">
+            <a:avLst/>
+          </a:prstGeom>
+          <a:noFill/>
+        </p:spPr>
+        <p:txBody>
+          <a:bodyPr wrap="none" rtlCol="0">
+            <a:spAutoFit/>
+          </a:bodyPr>
+          <a:lstStyle/>
+          <a:p>
+            <a:r>
+              <a:rPr lang="en-CN" dirty="0"/>
+              <a:t>原方案</a:t>
+            </a:r>
+            <a:r>
+              <a:rPr lang="zh-CN" altLang="en-US" dirty="0"/>
+              <a:t>（未使用）</a:t>
+            </a:r>
+            <a:endParaRPr lang="en-CN" dirty="0"/>
+          </a:p>
+        </p:txBody>
+      </p:sp>
     </p:spTree>
     <p:extLst>
       <p:ext uri="{BB962C8B-B14F-4D97-AF65-F5344CB8AC3E}">
         <p14:creationId xmlns:p14="http://schemas.microsoft.com/office/powerpoint/2010/main" val="3302031342"/>
+      </p:ext>
+    </p:extLst>
+  </p:cSld>
+  <p:clrMapOvr>
+    <a:masterClrMapping/>
+  </p:clrMapOvr>
+</p:sld>
+</file>
+
+<file path=ppt/slides/slide3.xml><?xml version="1.0" encoding="utf-8"?>
+<p:sld xmlns:a="http://schemas.openxmlformats.org/drawingml/2006/main" xmlns:r="http://schemas.openxmlformats.org/officeDocument/2006/relationships" xmlns:p="http://schemas.openxmlformats.org/presentationml/2006/main">
+  <p:cSld>
+    <p:spTree>
+      <p:nvGrpSpPr>
+        <p:cNvPr id="1" name="">
+          <a:extLst>
+            <a:ext uri="{FF2B5EF4-FFF2-40B4-BE49-F238E27FC236}">
+              <a16:creationId xmlns:a16="http://schemas.microsoft.com/office/drawing/2014/main" id="{2C3AFB3C-04D4-9CAF-F5DE-C66D78F75C22}"/>
+            </a:ext>
+          </a:extLst>
+        </p:cNvPr>
+        <p:cNvGrpSpPr/>
+        <p:nvPr/>
+      </p:nvGrpSpPr>
+      <p:grpSpPr>
+        <a:xfrm>
+          <a:off x="0" y="0"/>
+          <a:ext cx="0" cy="0"/>
+          <a:chOff x="0" y="0"/>
+          <a:chExt cx="0" cy="0"/>
+        </a:xfrm>
+      </p:grpSpPr>
+      <p:sp>
+        <p:nvSpPr>
+          <p:cNvPr id="4" name="半闭框 3">
+            <a:extLst>
+              <a:ext uri="{FF2B5EF4-FFF2-40B4-BE49-F238E27FC236}">
+                <a16:creationId xmlns:a16="http://schemas.microsoft.com/office/drawing/2014/main" id="{4125BC87-769A-9D93-3B7F-CCEA8016EC21}"/>
+              </a:ext>
+            </a:extLst>
+          </p:cNvPr>
+          <p:cNvSpPr/>
+          <p:nvPr/>
+        </p:nvSpPr>
+        <p:spPr>
+          <a:xfrm rot="8100000">
+            <a:off x="7587730" y="2372807"/>
+            <a:ext cx="1368656" cy="1368656"/>
+          </a:xfrm>
+          <a:prstGeom prst="halfFrame">
+            <a:avLst>
+              <a:gd name="adj1" fmla="val 36223"/>
+              <a:gd name="adj2" fmla="val 35637"/>
+            </a:avLst>
+          </a:prstGeom>
+        </p:spPr>
+        <p:style>
+          <a:lnRef idx="2">
+            <a:schemeClr val="accent3">
+              <a:shade val="15000"/>
+            </a:schemeClr>
+          </a:lnRef>
+          <a:fillRef idx="1">
+            <a:schemeClr val="accent3"/>
+          </a:fillRef>
+          <a:effectRef idx="0">
+            <a:schemeClr val="accent3"/>
+          </a:effectRef>
+          <a:fontRef idx="minor">
+            <a:schemeClr val="lt1"/>
+          </a:fontRef>
+        </p:style>
+        <p:txBody>
+          <a:bodyPr rtlCol="0" anchor="ctr"/>
+          <a:lstStyle/>
+          <a:p>
+            <a:pPr algn="ctr"/>
+            <a:endParaRPr kumimoji="1" lang="zh-CN" altLang="en-US" sz="1600" dirty="0">
+              <a:solidFill>
+                <a:schemeClr val="tx1"/>
+              </a:solidFill>
+            </a:endParaRPr>
+          </a:p>
+        </p:txBody>
+      </p:sp>
+      <p:sp>
+        <p:nvSpPr>
+          <p:cNvPr id="6" name="圆角矩形 5">
+            <a:extLst>
+              <a:ext uri="{FF2B5EF4-FFF2-40B4-BE49-F238E27FC236}">
+                <a16:creationId xmlns:a16="http://schemas.microsoft.com/office/drawing/2014/main" id="{F738E408-AA51-D4EB-1C2A-F330B9307E92}"/>
+              </a:ext>
+            </a:extLst>
+          </p:cNvPr>
+          <p:cNvSpPr/>
+          <p:nvPr/>
+        </p:nvSpPr>
+        <p:spPr>
+          <a:xfrm>
+            <a:off x="251086" y="1252342"/>
+            <a:ext cx="859768" cy="545759"/>
+          </a:xfrm>
+          <a:prstGeom prst="roundRect">
+            <a:avLst/>
+          </a:prstGeom>
+          <a:solidFill>
+            <a:schemeClr val="accent1">
+              <a:lumMod val="50000"/>
+            </a:schemeClr>
+          </a:solidFill>
+        </p:spPr>
+        <p:style>
+          <a:lnRef idx="2">
+            <a:schemeClr val="accent5">
+              <a:shade val="15000"/>
+            </a:schemeClr>
+          </a:lnRef>
+          <a:fillRef idx="1">
+            <a:schemeClr val="accent5"/>
+          </a:fillRef>
+          <a:effectRef idx="0">
+            <a:schemeClr val="accent5"/>
+          </a:effectRef>
+          <a:fontRef idx="minor">
+            <a:schemeClr val="lt1"/>
+          </a:fontRef>
+        </p:style>
+        <p:txBody>
+          <a:bodyPr rtlCol="0" anchor="ctr"/>
+          <a:lstStyle/>
+          <a:p>
+            <a:pPr algn="ctr"/>
+            <a:r>
+              <a:rPr kumimoji="1" lang="en-US" altLang="zh-CN" sz="1400" dirty="0"/>
+              <a:t>PC</a:t>
+            </a:r>
+          </a:p>
+          <a:p>
+            <a:pPr algn="ctr"/>
+            <a:r>
+              <a:rPr kumimoji="1" lang="en-US" altLang="zh-CN" sz="1400" dirty="0"/>
+              <a:t>Register</a:t>
+            </a:r>
+            <a:endParaRPr kumimoji="1" lang="zh-CN" altLang="en-US" sz="1400" dirty="0"/>
+          </a:p>
+        </p:txBody>
+      </p:sp>
+      <p:sp>
+        <p:nvSpPr>
+          <p:cNvPr id="7" name="圆角矩形 6">
+            <a:extLst>
+              <a:ext uri="{FF2B5EF4-FFF2-40B4-BE49-F238E27FC236}">
+                <a16:creationId xmlns:a16="http://schemas.microsoft.com/office/drawing/2014/main" id="{2C2CE2D5-D9D6-B8F1-ED60-C0567FE7E554}"/>
+              </a:ext>
+            </a:extLst>
+          </p:cNvPr>
+          <p:cNvSpPr/>
+          <p:nvPr/>
+        </p:nvSpPr>
+        <p:spPr>
+          <a:xfrm>
+            <a:off x="1516055" y="422644"/>
+            <a:ext cx="1202250" cy="1494903"/>
+          </a:xfrm>
+          <a:prstGeom prst="roundRect">
+            <a:avLst/>
+          </a:prstGeom>
+        </p:spPr>
+        <p:style>
+          <a:lnRef idx="1">
+            <a:schemeClr val="accent4"/>
+          </a:lnRef>
+          <a:fillRef idx="2">
+            <a:schemeClr val="accent4"/>
+          </a:fillRef>
+          <a:effectRef idx="1">
+            <a:schemeClr val="accent4"/>
+          </a:effectRef>
+          <a:fontRef idx="minor">
+            <a:schemeClr val="dk1"/>
+          </a:fontRef>
+        </p:style>
+        <p:txBody>
+          <a:bodyPr rtlCol="0" anchor="ctr"/>
+          <a:lstStyle/>
+          <a:p>
+            <a:pPr algn="ctr"/>
+            <a:r>
+              <a:rPr kumimoji="1" lang="en-US" altLang="zh-CN" sz="1600" dirty="0"/>
+              <a:t>ROM</a:t>
+            </a:r>
+            <a:endParaRPr kumimoji="1" lang="zh-CN" altLang="en-US" sz="1600" dirty="0"/>
+          </a:p>
+        </p:txBody>
+      </p:sp>
+      <p:sp>
+        <p:nvSpPr>
+          <p:cNvPr id="8" name="圆角矩形 7">
+            <a:extLst>
+              <a:ext uri="{FF2B5EF4-FFF2-40B4-BE49-F238E27FC236}">
+                <a16:creationId xmlns:a16="http://schemas.microsoft.com/office/drawing/2014/main" id="{826455C0-ACDB-68AB-EB87-F5C945848110}"/>
+              </a:ext>
+            </a:extLst>
+          </p:cNvPr>
+          <p:cNvSpPr/>
+          <p:nvPr/>
+        </p:nvSpPr>
+        <p:spPr>
+          <a:xfrm>
+            <a:off x="3450313" y="342745"/>
+            <a:ext cx="1099426" cy="727678"/>
+          </a:xfrm>
+          <a:prstGeom prst="roundRect">
+            <a:avLst/>
+          </a:prstGeom>
+          <a:solidFill>
+            <a:schemeClr val="accent1">
+              <a:lumMod val="75000"/>
+            </a:schemeClr>
+          </a:solidFill>
+        </p:spPr>
+        <p:style>
+          <a:lnRef idx="2">
+            <a:schemeClr val="accent5">
+              <a:shade val="15000"/>
+            </a:schemeClr>
+          </a:lnRef>
+          <a:fillRef idx="1">
+            <a:schemeClr val="accent5"/>
+          </a:fillRef>
+          <a:effectRef idx="0">
+            <a:schemeClr val="accent5"/>
+          </a:effectRef>
+          <a:fontRef idx="minor">
+            <a:schemeClr val="lt1"/>
+          </a:fontRef>
+        </p:style>
+        <p:txBody>
+          <a:bodyPr rtlCol="0" anchor="ctr"/>
+          <a:lstStyle/>
+          <a:p>
+            <a:pPr algn="ctr"/>
+            <a:r>
+              <a:rPr kumimoji="1" lang="en-US" altLang="zh-CN" sz="1400" dirty="0"/>
+              <a:t>Instruction</a:t>
+            </a:r>
+          </a:p>
+          <a:p>
+            <a:pPr algn="ctr"/>
+            <a:r>
+              <a:rPr kumimoji="1" lang="en-US" altLang="zh-CN" sz="1400" dirty="0"/>
+              <a:t>Register</a:t>
+            </a:r>
+            <a:endParaRPr kumimoji="1" lang="zh-CN" altLang="en-US" sz="1400" dirty="0"/>
+          </a:p>
+        </p:txBody>
+      </p:sp>
+      <p:sp>
+        <p:nvSpPr>
+          <p:cNvPr id="9" name="圆角矩形 8">
+            <a:extLst>
+              <a:ext uri="{FF2B5EF4-FFF2-40B4-BE49-F238E27FC236}">
+                <a16:creationId xmlns:a16="http://schemas.microsoft.com/office/drawing/2014/main" id="{360FF5D9-6CBC-5D13-804C-4521D35F2193}"/>
+              </a:ext>
+            </a:extLst>
+          </p:cNvPr>
+          <p:cNvSpPr/>
+          <p:nvPr/>
+        </p:nvSpPr>
+        <p:spPr>
+          <a:xfrm>
+            <a:off x="5912828" y="1976385"/>
+            <a:ext cx="1110500" cy="506211"/>
+          </a:xfrm>
+          <a:prstGeom prst="roundRect">
+            <a:avLst/>
+          </a:prstGeom>
+        </p:spPr>
+        <p:style>
+          <a:lnRef idx="1">
+            <a:schemeClr val="accent4"/>
+          </a:lnRef>
+          <a:fillRef idx="2">
+            <a:schemeClr val="accent4"/>
+          </a:fillRef>
+          <a:effectRef idx="1">
+            <a:schemeClr val="accent4"/>
+          </a:effectRef>
+          <a:fontRef idx="minor">
+            <a:schemeClr val="dk1"/>
+          </a:fontRef>
+        </p:style>
+        <p:txBody>
+          <a:bodyPr rtlCol="0" anchor="ctr"/>
+          <a:lstStyle/>
+          <a:p>
+            <a:pPr algn="ctr"/>
+            <a:r>
+              <a:rPr kumimoji="1" lang="en-US" altLang="zh-CN" sz="1600" dirty="0"/>
+              <a:t>A Register</a:t>
+            </a:r>
+            <a:endParaRPr kumimoji="1" lang="zh-CN" altLang="en-US" sz="1600" dirty="0"/>
+          </a:p>
+        </p:txBody>
+      </p:sp>
+      <p:sp>
+        <p:nvSpPr>
+          <p:cNvPr id="10" name="圆角矩形 9">
+            <a:extLst>
+              <a:ext uri="{FF2B5EF4-FFF2-40B4-BE49-F238E27FC236}">
+                <a16:creationId xmlns:a16="http://schemas.microsoft.com/office/drawing/2014/main" id="{FB12AB1E-DEF0-3106-941F-7518293D41BA}"/>
+              </a:ext>
+            </a:extLst>
+          </p:cNvPr>
+          <p:cNvSpPr/>
+          <p:nvPr/>
+        </p:nvSpPr>
+        <p:spPr>
+          <a:xfrm>
+            <a:off x="5912828" y="2663682"/>
+            <a:ext cx="1110500" cy="506211"/>
+          </a:xfrm>
+          <a:prstGeom prst="roundRect">
+            <a:avLst/>
+          </a:prstGeom>
+        </p:spPr>
+        <p:style>
+          <a:lnRef idx="1">
+            <a:schemeClr val="accent4"/>
+          </a:lnRef>
+          <a:fillRef idx="2">
+            <a:schemeClr val="accent4"/>
+          </a:fillRef>
+          <a:effectRef idx="1">
+            <a:schemeClr val="accent4"/>
+          </a:effectRef>
+          <a:fontRef idx="minor">
+            <a:schemeClr val="dk1"/>
+          </a:fontRef>
+        </p:style>
+        <p:txBody>
+          <a:bodyPr rtlCol="0" anchor="ctr"/>
+          <a:lstStyle/>
+          <a:p>
+            <a:pPr algn="ctr"/>
+            <a:r>
+              <a:rPr kumimoji="1" lang="en-US" altLang="zh-CN" sz="1600" dirty="0"/>
+              <a:t>B Register</a:t>
+            </a:r>
+            <a:endParaRPr kumimoji="1" lang="zh-CN" altLang="en-US" sz="1600" dirty="0"/>
+          </a:p>
+        </p:txBody>
+      </p:sp>
+      <p:sp>
+        <p:nvSpPr>
+          <p:cNvPr id="12" name="圆角矩形 11">
+            <a:extLst>
+              <a:ext uri="{FF2B5EF4-FFF2-40B4-BE49-F238E27FC236}">
+                <a16:creationId xmlns:a16="http://schemas.microsoft.com/office/drawing/2014/main" id="{19D17A43-C5B5-745E-0448-629CF095A484}"/>
+              </a:ext>
+            </a:extLst>
+          </p:cNvPr>
+          <p:cNvSpPr/>
+          <p:nvPr/>
+        </p:nvSpPr>
+        <p:spPr>
+          <a:xfrm>
+            <a:off x="5912356" y="3532064"/>
+            <a:ext cx="1110366" cy="1388912"/>
+          </a:xfrm>
+          <a:prstGeom prst="roundRect">
+            <a:avLst/>
+          </a:prstGeom>
+        </p:spPr>
+        <p:style>
+          <a:lnRef idx="1">
+            <a:schemeClr val="accent4"/>
+          </a:lnRef>
+          <a:fillRef idx="2">
+            <a:schemeClr val="accent4"/>
+          </a:fillRef>
+          <a:effectRef idx="1">
+            <a:schemeClr val="accent4"/>
+          </a:effectRef>
+          <a:fontRef idx="minor">
+            <a:schemeClr val="dk1"/>
+          </a:fontRef>
+        </p:style>
+        <p:txBody>
+          <a:bodyPr rtlCol="0" anchor="ctr"/>
+          <a:lstStyle/>
+          <a:p>
+            <a:pPr algn="ctr"/>
+            <a:r>
+              <a:rPr kumimoji="1" lang="en-US" altLang="zh-CN" sz="1600" dirty="0"/>
+              <a:t>RAM</a:t>
+            </a:r>
+            <a:endParaRPr kumimoji="1" lang="zh-CN" altLang="en-US" sz="1600" dirty="0"/>
+          </a:p>
+        </p:txBody>
+      </p:sp>
+      <p:sp>
+        <p:nvSpPr>
+          <p:cNvPr id="13" name="圆角矩形 12">
+            <a:extLst>
+              <a:ext uri="{FF2B5EF4-FFF2-40B4-BE49-F238E27FC236}">
+                <a16:creationId xmlns:a16="http://schemas.microsoft.com/office/drawing/2014/main" id="{6EE53DEE-72A2-9B68-A74F-9A7451E0F309}"/>
+              </a:ext>
+            </a:extLst>
+          </p:cNvPr>
+          <p:cNvSpPr/>
+          <p:nvPr/>
+        </p:nvSpPr>
+        <p:spPr>
+          <a:xfrm>
+            <a:off x="10112762" y="1184100"/>
+            <a:ext cx="2013490" cy="727678"/>
+          </a:xfrm>
+          <a:prstGeom prst="roundRect">
+            <a:avLst/>
+          </a:prstGeom>
+          <a:solidFill>
+            <a:schemeClr val="accent1">
+              <a:lumMod val="60000"/>
+              <a:lumOff val="40000"/>
+            </a:schemeClr>
+          </a:solidFill>
+        </p:spPr>
+        <p:style>
+          <a:lnRef idx="2">
+            <a:schemeClr val="accent1">
+              <a:shade val="15000"/>
+            </a:schemeClr>
+          </a:lnRef>
+          <a:fillRef idx="1">
+            <a:schemeClr val="accent1"/>
+          </a:fillRef>
+          <a:effectRef idx="0">
+            <a:schemeClr val="accent1"/>
+          </a:effectRef>
+          <a:fontRef idx="minor">
+            <a:schemeClr val="lt1"/>
+          </a:fontRef>
+        </p:style>
+        <p:txBody>
+          <a:bodyPr rtlCol="0" anchor="ctr"/>
+          <a:lstStyle/>
+          <a:p>
+            <a:pPr algn="ctr"/>
+            <a:r>
+              <a:rPr kumimoji="1" lang="en-US" altLang="zh-CN" sz="1600" dirty="0" err="1"/>
+              <a:t>Write_Enable_Delay</a:t>
+            </a:r>
+            <a:endParaRPr kumimoji="1" lang="en-US" altLang="zh-CN" sz="1600" dirty="0"/>
+          </a:p>
+          <a:p>
+            <a:pPr algn="ctr"/>
+            <a:r>
+              <a:rPr kumimoji="1" lang="en-US" altLang="zh-CN" sz="1600" dirty="0"/>
+              <a:t>Register</a:t>
+            </a:r>
+            <a:endParaRPr kumimoji="1" lang="zh-CN" altLang="en-US" sz="1600" dirty="0"/>
+          </a:p>
+        </p:txBody>
+      </p:sp>
+      <p:sp>
+        <p:nvSpPr>
+          <p:cNvPr id="14" name="圆角矩形 13">
+            <a:extLst>
+              <a:ext uri="{FF2B5EF4-FFF2-40B4-BE49-F238E27FC236}">
+                <a16:creationId xmlns:a16="http://schemas.microsoft.com/office/drawing/2014/main" id="{EAE53ABB-1072-C104-50C6-20AC373F940A}"/>
+              </a:ext>
+            </a:extLst>
+          </p:cNvPr>
+          <p:cNvSpPr/>
+          <p:nvPr/>
+        </p:nvSpPr>
+        <p:spPr>
+          <a:xfrm>
+            <a:off x="6042726" y="1075766"/>
+            <a:ext cx="995672" cy="727678"/>
+          </a:xfrm>
+          <a:prstGeom prst="roundRect">
+            <a:avLst/>
+          </a:prstGeom>
+        </p:spPr>
+        <p:style>
+          <a:lnRef idx="2">
+            <a:schemeClr val="accent1">
+              <a:shade val="15000"/>
+            </a:schemeClr>
+          </a:lnRef>
+          <a:fillRef idx="1">
+            <a:schemeClr val="accent1"/>
+          </a:fillRef>
+          <a:effectRef idx="0">
+            <a:schemeClr val="accent1"/>
+          </a:effectRef>
+          <a:fontRef idx="minor">
+            <a:schemeClr val="lt1"/>
+          </a:fontRef>
+        </p:style>
+        <p:txBody>
+          <a:bodyPr rtlCol="0" anchor="ctr"/>
+          <a:lstStyle/>
+          <a:p>
+            <a:pPr algn="ctr"/>
+            <a:r>
+              <a:rPr kumimoji="1" lang="en-US" altLang="zh-CN" sz="1400" dirty="0"/>
+              <a:t>Opcode</a:t>
+            </a:r>
+          </a:p>
+          <a:p>
+            <a:pPr algn="ctr"/>
+            <a:r>
+              <a:rPr kumimoji="1" lang="en-US" altLang="zh-CN" sz="1400" dirty="0"/>
+              <a:t>Register</a:t>
+            </a:r>
+            <a:endParaRPr kumimoji="1" lang="zh-CN" altLang="en-US" sz="1400" dirty="0"/>
+          </a:p>
+        </p:txBody>
+      </p:sp>
+      <p:sp>
+        <p:nvSpPr>
+          <p:cNvPr id="15" name="圆角矩形 14">
+            <a:extLst>
+              <a:ext uri="{FF2B5EF4-FFF2-40B4-BE49-F238E27FC236}">
+                <a16:creationId xmlns:a16="http://schemas.microsoft.com/office/drawing/2014/main" id="{B9D857E9-24D5-DCE8-D368-D1D35A70E51E}"/>
+              </a:ext>
+            </a:extLst>
+          </p:cNvPr>
+          <p:cNvSpPr/>
+          <p:nvPr/>
+        </p:nvSpPr>
+        <p:spPr>
+          <a:xfrm>
+            <a:off x="3198663" y="2600761"/>
+            <a:ext cx="974744" cy="727678"/>
+          </a:xfrm>
+          <a:prstGeom prst="roundRect">
+            <a:avLst/>
+          </a:prstGeom>
+          <a:solidFill>
+            <a:schemeClr val="accent1">
+              <a:lumMod val="60000"/>
+              <a:lumOff val="40000"/>
+            </a:schemeClr>
+          </a:solidFill>
+        </p:spPr>
+        <p:style>
+          <a:lnRef idx="2">
+            <a:schemeClr val="accent5">
+              <a:shade val="15000"/>
+            </a:schemeClr>
+          </a:lnRef>
+          <a:fillRef idx="1">
+            <a:schemeClr val="accent5"/>
+          </a:fillRef>
+          <a:effectRef idx="0">
+            <a:schemeClr val="accent5"/>
+          </a:effectRef>
+          <a:fontRef idx="minor">
+            <a:schemeClr val="lt1"/>
+          </a:fontRef>
+        </p:style>
+        <p:txBody>
+          <a:bodyPr rtlCol="0" anchor="ctr"/>
+          <a:lstStyle/>
+          <a:p>
+            <a:pPr algn="ctr"/>
+            <a:r>
+              <a:rPr kumimoji="1" lang="en-US" altLang="zh-CN" sz="1600" dirty="0"/>
+              <a:t>Ctrl</a:t>
+            </a:r>
+          </a:p>
+          <a:p>
+            <a:pPr algn="ctr"/>
+            <a:r>
+              <a:rPr kumimoji="1" lang="en-US" altLang="zh-CN" sz="1600" dirty="0"/>
+              <a:t>Register</a:t>
+            </a:r>
+            <a:endParaRPr kumimoji="1" lang="zh-CN" altLang="en-US" sz="1600" dirty="0"/>
+          </a:p>
+        </p:txBody>
+      </p:sp>
+      <p:sp>
+        <p:nvSpPr>
+          <p:cNvPr id="16" name="斜纹 15">
+            <a:extLst>
+              <a:ext uri="{FF2B5EF4-FFF2-40B4-BE49-F238E27FC236}">
+                <a16:creationId xmlns:a16="http://schemas.microsoft.com/office/drawing/2014/main" id="{35A09852-88AA-CB9D-9031-0D97EAA670CA}"/>
+              </a:ext>
+            </a:extLst>
+          </p:cNvPr>
+          <p:cNvSpPr/>
+          <p:nvPr/>
+        </p:nvSpPr>
+        <p:spPr>
+          <a:xfrm rot="8100000" flipH="1" flipV="1">
+            <a:off x="10879192" y="2531661"/>
+            <a:ext cx="939657" cy="939657"/>
+          </a:xfrm>
+          <a:prstGeom prst="diagStripe">
+            <a:avLst/>
+          </a:prstGeom>
+          <a:solidFill>
+            <a:schemeClr val="accent1">
+              <a:lumMod val="40000"/>
+              <a:lumOff val="60000"/>
+            </a:schemeClr>
+          </a:solidFill>
+        </p:spPr>
+        <p:style>
+          <a:lnRef idx="2">
+            <a:schemeClr val="accent3">
+              <a:shade val="15000"/>
+            </a:schemeClr>
+          </a:lnRef>
+          <a:fillRef idx="1">
+            <a:schemeClr val="accent3"/>
+          </a:fillRef>
+          <a:effectRef idx="0">
+            <a:schemeClr val="accent3"/>
+          </a:effectRef>
+          <a:fontRef idx="minor">
+            <a:schemeClr val="lt1"/>
+          </a:fontRef>
+        </p:style>
+        <p:txBody>
+          <a:bodyPr rtlCol="0" anchor="ctr"/>
+          <a:lstStyle/>
+          <a:p>
+            <a:pPr algn="ctr"/>
+            <a:endParaRPr kumimoji="1" lang="zh-CN" altLang="en-US" sz="1600" dirty="0">
+              <a:solidFill>
+                <a:schemeClr val="tx1"/>
+              </a:solidFill>
+            </a:endParaRPr>
+          </a:p>
+        </p:txBody>
+      </p:sp>
+      <p:sp>
+        <p:nvSpPr>
+          <p:cNvPr id="21" name="下箭头 20">
+            <a:extLst>
+              <a:ext uri="{FF2B5EF4-FFF2-40B4-BE49-F238E27FC236}">
+                <a16:creationId xmlns:a16="http://schemas.microsoft.com/office/drawing/2014/main" id="{96424ECE-27BC-B300-4B5C-543C5A07C43D}"/>
+              </a:ext>
+            </a:extLst>
+          </p:cNvPr>
+          <p:cNvSpPr/>
+          <p:nvPr/>
+        </p:nvSpPr>
+        <p:spPr>
+          <a:xfrm>
+            <a:off x="6343819" y="3235494"/>
+            <a:ext cx="222532" cy="230969"/>
+          </a:xfrm>
+          <a:prstGeom prst="downArrow">
+            <a:avLst/>
+          </a:prstGeom>
+        </p:spPr>
+        <p:style>
+          <a:lnRef idx="2">
+            <a:schemeClr val="accent3">
+              <a:shade val="15000"/>
+            </a:schemeClr>
+          </a:lnRef>
+          <a:fillRef idx="1">
+            <a:schemeClr val="accent3"/>
+          </a:fillRef>
+          <a:effectRef idx="0">
+            <a:schemeClr val="accent3"/>
+          </a:effectRef>
+          <a:fontRef idx="minor">
+            <a:schemeClr val="lt1"/>
+          </a:fontRef>
+        </p:style>
+        <p:txBody>
+          <a:bodyPr rtlCol="0" anchor="ctr"/>
+          <a:lstStyle/>
+          <a:p>
+            <a:pPr algn="ctr"/>
+            <a:endParaRPr kumimoji="1" lang="zh-CN" altLang="en-US" sz="1600" dirty="0"/>
+          </a:p>
+        </p:txBody>
+      </p:sp>
+      <p:sp>
+        <p:nvSpPr>
+          <p:cNvPr id="22" name="右箭头 21">
+            <a:extLst>
+              <a:ext uri="{FF2B5EF4-FFF2-40B4-BE49-F238E27FC236}">
+                <a16:creationId xmlns:a16="http://schemas.microsoft.com/office/drawing/2014/main" id="{A47A3A2F-2089-A6C3-0A86-0218597DDD64}"/>
+              </a:ext>
+            </a:extLst>
+          </p:cNvPr>
+          <p:cNvSpPr/>
+          <p:nvPr/>
+        </p:nvSpPr>
+        <p:spPr>
+          <a:xfrm>
+            <a:off x="7365927" y="2172694"/>
+            <a:ext cx="864484" cy="236502"/>
+          </a:xfrm>
+          <a:prstGeom prst="rightArrow">
+            <a:avLst/>
+          </a:prstGeom>
+          <a:solidFill>
+            <a:schemeClr val="accent2">
+              <a:lumMod val="60000"/>
+              <a:lumOff val="40000"/>
+            </a:schemeClr>
+          </a:solidFill>
+        </p:spPr>
+        <p:style>
+          <a:lnRef idx="2">
+            <a:schemeClr val="accent2">
+              <a:shade val="15000"/>
+            </a:schemeClr>
+          </a:lnRef>
+          <a:fillRef idx="1">
+            <a:schemeClr val="accent2"/>
+          </a:fillRef>
+          <a:effectRef idx="0">
+            <a:schemeClr val="accent2"/>
+          </a:effectRef>
+          <a:fontRef idx="minor">
+            <a:schemeClr val="lt1"/>
+          </a:fontRef>
+        </p:style>
+        <p:txBody>
+          <a:bodyPr rtlCol="0" anchor="ctr"/>
+          <a:lstStyle/>
+          <a:p>
+            <a:pPr algn="ctr"/>
+            <a:endParaRPr kumimoji="1" lang="zh-CN" altLang="en-US" sz="1600"/>
+          </a:p>
+        </p:txBody>
+      </p:sp>
+      <p:sp>
+        <p:nvSpPr>
+          <p:cNvPr id="23" name="右箭头 22">
+            <a:extLst>
+              <a:ext uri="{FF2B5EF4-FFF2-40B4-BE49-F238E27FC236}">
+                <a16:creationId xmlns:a16="http://schemas.microsoft.com/office/drawing/2014/main" id="{E44A3680-35DC-B4B5-A934-3289ACB2B00B}"/>
+              </a:ext>
+            </a:extLst>
+          </p:cNvPr>
+          <p:cNvSpPr/>
+          <p:nvPr/>
+        </p:nvSpPr>
+        <p:spPr>
+          <a:xfrm>
+            <a:off x="7365927" y="2812784"/>
+            <a:ext cx="864484" cy="236502"/>
+          </a:xfrm>
+          <a:prstGeom prst="rightArrow">
+            <a:avLst/>
+          </a:prstGeom>
+          <a:solidFill>
+            <a:schemeClr val="accent2">
+              <a:lumMod val="60000"/>
+              <a:lumOff val="40000"/>
+            </a:schemeClr>
+          </a:solidFill>
+        </p:spPr>
+        <p:style>
+          <a:lnRef idx="2">
+            <a:schemeClr val="accent1">
+              <a:shade val="15000"/>
+            </a:schemeClr>
+          </a:lnRef>
+          <a:fillRef idx="1">
+            <a:schemeClr val="accent1"/>
+          </a:fillRef>
+          <a:effectRef idx="0">
+            <a:schemeClr val="accent1"/>
+          </a:effectRef>
+          <a:fontRef idx="minor">
+            <a:schemeClr val="lt1"/>
+          </a:fontRef>
+        </p:style>
+        <p:txBody>
+          <a:bodyPr rtlCol="0" anchor="ctr"/>
+          <a:lstStyle/>
+          <a:p>
+            <a:pPr algn="ctr"/>
+            <a:endParaRPr kumimoji="1" lang="zh-CN" altLang="en-US" sz="1600"/>
+          </a:p>
+        </p:txBody>
+      </p:sp>
+      <p:sp>
+        <p:nvSpPr>
+          <p:cNvPr id="25" name="直角上箭头 24">
+            <a:extLst>
+              <a:ext uri="{FF2B5EF4-FFF2-40B4-BE49-F238E27FC236}">
+                <a16:creationId xmlns:a16="http://schemas.microsoft.com/office/drawing/2014/main" id="{906F9826-70E7-0CCA-F4F1-0CA0849B2866}"/>
+              </a:ext>
+            </a:extLst>
+          </p:cNvPr>
+          <p:cNvSpPr/>
+          <p:nvPr/>
+        </p:nvSpPr>
+        <p:spPr>
+          <a:xfrm flipV="1">
+            <a:off x="7244149" y="1395277"/>
+            <a:ext cx="1436334" cy="452426"/>
+          </a:xfrm>
+          <a:prstGeom prst="bentUpArrow">
+            <a:avLst/>
+          </a:prstGeom>
+          <a:solidFill>
+            <a:schemeClr val="accent1">
+              <a:lumMod val="20000"/>
+              <a:lumOff val="80000"/>
+            </a:schemeClr>
+          </a:solidFill>
+        </p:spPr>
+        <p:style>
+          <a:lnRef idx="2">
+            <a:schemeClr val="accent1">
+              <a:shade val="15000"/>
+            </a:schemeClr>
+          </a:lnRef>
+          <a:fillRef idx="1">
+            <a:schemeClr val="accent1"/>
+          </a:fillRef>
+          <a:effectRef idx="0">
+            <a:schemeClr val="accent1"/>
+          </a:effectRef>
+          <a:fontRef idx="minor">
+            <a:schemeClr val="lt1"/>
+          </a:fontRef>
+        </p:style>
+        <p:txBody>
+          <a:bodyPr rtlCol="0" anchor="ctr"/>
+          <a:lstStyle/>
+          <a:p>
+            <a:pPr algn="ctr"/>
+            <a:endParaRPr kumimoji="1" lang="zh-CN" altLang="en-US" sz="1600"/>
+          </a:p>
+        </p:txBody>
+      </p:sp>
+      <p:sp>
+        <p:nvSpPr>
+          <p:cNvPr id="26" name="右箭头 25">
+            <a:extLst>
+              <a:ext uri="{FF2B5EF4-FFF2-40B4-BE49-F238E27FC236}">
+                <a16:creationId xmlns:a16="http://schemas.microsoft.com/office/drawing/2014/main" id="{1AA0EC3A-02A9-98EF-46BD-B60602EB4423}"/>
+              </a:ext>
+            </a:extLst>
+          </p:cNvPr>
+          <p:cNvSpPr/>
+          <p:nvPr/>
+        </p:nvSpPr>
+        <p:spPr>
+          <a:xfrm>
+            <a:off x="1197044" y="1439605"/>
+            <a:ext cx="253105" cy="171232"/>
+          </a:xfrm>
+          <a:prstGeom prst="rightArrow">
+            <a:avLst/>
+          </a:prstGeom>
+          <a:solidFill>
+            <a:schemeClr val="accent1">
+              <a:lumMod val="75000"/>
+            </a:schemeClr>
+          </a:solidFill>
+        </p:spPr>
+        <p:style>
+          <a:lnRef idx="2">
+            <a:schemeClr val="accent1">
+              <a:shade val="15000"/>
+            </a:schemeClr>
+          </a:lnRef>
+          <a:fillRef idx="1">
+            <a:schemeClr val="accent1"/>
+          </a:fillRef>
+          <a:effectRef idx="0">
+            <a:schemeClr val="accent1"/>
+          </a:effectRef>
+          <a:fontRef idx="minor">
+            <a:schemeClr val="lt1"/>
+          </a:fontRef>
+        </p:style>
+        <p:txBody>
+          <a:bodyPr rtlCol="0" anchor="ctr"/>
+          <a:lstStyle/>
+          <a:p>
+            <a:pPr algn="ctr"/>
+            <a:endParaRPr kumimoji="1" lang="zh-CN" altLang="en-US" sz="1600"/>
+          </a:p>
+        </p:txBody>
+      </p:sp>
+      <p:sp>
+        <p:nvSpPr>
+          <p:cNvPr id="27" name="右箭头 26">
+            <a:extLst>
+              <a:ext uri="{FF2B5EF4-FFF2-40B4-BE49-F238E27FC236}">
+                <a16:creationId xmlns:a16="http://schemas.microsoft.com/office/drawing/2014/main" id="{0A3EDF68-26B8-3687-1B04-C78A066E1509}"/>
+              </a:ext>
+            </a:extLst>
+          </p:cNvPr>
+          <p:cNvSpPr/>
+          <p:nvPr/>
+        </p:nvSpPr>
+        <p:spPr>
+          <a:xfrm>
+            <a:off x="2841456" y="655646"/>
+            <a:ext cx="505263" cy="208811"/>
+          </a:xfrm>
+          <a:prstGeom prst="rightArrow">
+            <a:avLst/>
+          </a:prstGeom>
+          <a:solidFill>
+            <a:schemeClr val="accent1">
+              <a:lumMod val="75000"/>
+            </a:schemeClr>
+          </a:solidFill>
+        </p:spPr>
+        <p:style>
+          <a:lnRef idx="2">
+            <a:schemeClr val="accent1">
+              <a:shade val="15000"/>
+            </a:schemeClr>
+          </a:lnRef>
+          <a:fillRef idx="1">
+            <a:schemeClr val="accent1"/>
+          </a:fillRef>
+          <a:effectRef idx="0">
+            <a:schemeClr val="accent1"/>
+          </a:effectRef>
+          <a:fontRef idx="minor">
+            <a:schemeClr val="lt1"/>
+          </a:fontRef>
+        </p:style>
+        <p:txBody>
+          <a:bodyPr rtlCol="0" anchor="ctr"/>
+          <a:lstStyle/>
+          <a:p>
+            <a:pPr algn="ctr"/>
+            <a:endParaRPr kumimoji="1" lang="zh-CN" altLang="en-US" sz="1600"/>
+          </a:p>
+        </p:txBody>
+      </p:sp>
+      <p:sp>
+        <p:nvSpPr>
+          <p:cNvPr id="28" name="直角上箭头 27">
+            <a:extLst>
+              <a:ext uri="{FF2B5EF4-FFF2-40B4-BE49-F238E27FC236}">
+                <a16:creationId xmlns:a16="http://schemas.microsoft.com/office/drawing/2014/main" id="{DF1EAD87-E199-80E4-FD72-13A2B3DA8CF1}"/>
+              </a:ext>
+            </a:extLst>
+          </p:cNvPr>
+          <p:cNvSpPr/>
+          <p:nvPr/>
+        </p:nvSpPr>
+        <p:spPr>
+          <a:xfrm rot="5400000">
+            <a:off x="5025283" y="713351"/>
+            <a:ext cx="944776" cy="829368"/>
+          </a:xfrm>
+          <a:prstGeom prst="bentUpArrow">
+            <a:avLst>
+              <a:gd name="adj1" fmla="val 13781"/>
+              <a:gd name="adj2" fmla="val 13919"/>
+              <a:gd name="adj3" fmla="val 12802"/>
+            </a:avLst>
+          </a:prstGeom>
+          <a:solidFill>
+            <a:schemeClr val="accent1">
+              <a:lumMod val="60000"/>
+              <a:lumOff val="40000"/>
+            </a:schemeClr>
+          </a:solidFill>
+        </p:spPr>
+        <p:style>
+          <a:lnRef idx="2">
+            <a:schemeClr val="accent1">
+              <a:shade val="15000"/>
+            </a:schemeClr>
+          </a:lnRef>
+          <a:fillRef idx="1">
+            <a:schemeClr val="accent1"/>
+          </a:fillRef>
+          <a:effectRef idx="0">
+            <a:schemeClr val="accent1"/>
+          </a:effectRef>
+          <a:fontRef idx="minor">
+            <a:schemeClr val="lt1"/>
+          </a:fontRef>
+        </p:style>
+        <p:txBody>
+          <a:bodyPr rtlCol="0" anchor="ctr"/>
+          <a:lstStyle/>
+          <a:p>
+            <a:pPr algn="ctr"/>
+            <a:endParaRPr kumimoji="1" lang="zh-CN" altLang="en-US" sz="1600"/>
+          </a:p>
+        </p:txBody>
+      </p:sp>
+      <p:sp>
+        <p:nvSpPr>
+          <p:cNvPr id="29" name="直角上箭头 28">
+            <a:extLst>
+              <a:ext uri="{FF2B5EF4-FFF2-40B4-BE49-F238E27FC236}">
+                <a16:creationId xmlns:a16="http://schemas.microsoft.com/office/drawing/2014/main" id="{80DD8FF6-7B76-9616-B8E3-CEF89718323F}"/>
+              </a:ext>
+            </a:extLst>
+          </p:cNvPr>
+          <p:cNvSpPr/>
+          <p:nvPr/>
+        </p:nvSpPr>
+        <p:spPr>
+          <a:xfrm flipV="1">
+            <a:off x="7581030" y="594840"/>
+            <a:ext cx="3746960" cy="452426"/>
+          </a:xfrm>
+          <a:prstGeom prst="bentUpArrow">
+            <a:avLst/>
+          </a:prstGeom>
+          <a:solidFill>
+            <a:schemeClr val="accent1">
+              <a:lumMod val="60000"/>
+              <a:lumOff val="40000"/>
+            </a:schemeClr>
+          </a:solidFill>
+        </p:spPr>
+        <p:style>
+          <a:lnRef idx="2">
+            <a:schemeClr val="accent1">
+              <a:shade val="15000"/>
+            </a:schemeClr>
+          </a:lnRef>
+          <a:fillRef idx="1">
+            <a:schemeClr val="accent1"/>
+          </a:fillRef>
+          <a:effectRef idx="0">
+            <a:schemeClr val="accent1"/>
+          </a:effectRef>
+          <a:fontRef idx="minor">
+            <a:schemeClr val="lt1"/>
+          </a:fontRef>
+        </p:style>
+        <p:txBody>
+          <a:bodyPr rtlCol="0" anchor="ctr"/>
+          <a:lstStyle/>
+          <a:p>
+            <a:pPr algn="ctr"/>
+            <a:endParaRPr kumimoji="1" lang="zh-CN" altLang="en-US" sz="1600"/>
+          </a:p>
+        </p:txBody>
+      </p:sp>
+      <p:sp>
+        <p:nvSpPr>
+          <p:cNvPr id="31" name="右箭头 30">
+            <a:extLst>
+              <a:ext uri="{FF2B5EF4-FFF2-40B4-BE49-F238E27FC236}">
+                <a16:creationId xmlns:a16="http://schemas.microsoft.com/office/drawing/2014/main" id="{DA9E45BF-EBA4-DE69-4AA1-CC6E2B78B24F}"/>
+              </a:ext>
+            </a:extLst>
+          </p:cNvPr>
+          <p:cNvSpPr/>
+          <p:nvPr/>
+        </p:nvSpPr>
+        <p:spPr>
+          <a:xfrm>
+            <a:off x="7365926" y="3690464"/>
+            <a:ext cx="864484" cy="236502"/>
+          </a:xfrm>
+          <a:prstGeom prst="rightArrow">
+            <a:avLst/>
+          </a:prstGeom>
+          <a:solidFill>
+            <a:schemeClr val="accent2">
+              <a:lumMod val="60000"/>
+              <a:lumOff val="40000"/>
+            </a:schemeClr>
+          </a:solidFill>
+        </p:spPr>
+        <p:style>
+          <a:lnRef idx="2">
+            <a:schemeClr val="accent1">
+              <a:shade val="15000"/>
+            </a:schemeClr>
+          </a:lnRef>
+          <a:fillRef idx="1">
+            <a:schemeClr val="accent1"/>
+          </a:fillRef>
+          <a:effectRef idx="0">
+            <a:schemeClr val="accent1"/>
+          </a:effectRef>
+          <a:fontRef idx="minor">
+            <a:schemeClr val="lt1"/>
+          </a:fontRef>
+        </p:style>
+        <p:txBody>
+          <a:bodyPr rtlCol="0" anchor="ctr"/>
+          <a:lstStyle/>
+          <a:p>
+            <a:pPr algn="ctr"/>
+            <a:endParaRPr kumimoji="1" lang="zh-CN" altLang="en-US" sz="1600"/>
+          </a:p>
+        </p:txBody>
+      </p:sp>
+      <p:sp>
+        <p:nvSpPr>
+          <p:cNvPr id="32" name="下箭头 31">
+            <a:extLst>
+              <a:ext uri="{FF2B5EF4-FFF2-40B4-BE49-F238E27FC236}">
+                <a16:creationId xmlns:a16="http://schemas.microsoft.com/office/drawing/2014/main" id="{200DD7E0-4657-CDE6-6B40-4B2DB53ADDFC}"/>
+              </a:ext>
+            </a:extLst>
+          </p:cNvPr>
+          <p:cNvSpPr/>
+          <p:nvPr/>
+        </p:nvSpPr>
+        <p:spPr>
+          <a:xfrm>
+            <a:off x="11105458" y="2057209"/>
+            <a:ext cx="222532" cy="230969"/>
+          </a:xfrm>
+          <a:prstGeom prst="downArrow">
+            <a:avLst/>
+          </a:prstGeom>
+          <a:solidFill>
+            <a:schemeClr val="accent1">
+              <a:lumMod val="40000"/>
+              <a:lumOff val="60000"/>
+            </a:schemeClr>
+          </a:solidFill>
+        </p:spPr>
+        <p:style>
+          <a:lnRef idx="2">
+            <a:schemeClr val="accent1">
+              <a:shade val="15000"/>
+            </a:schemeClr>
+          </a:lnRef>
+          <a:fillRef idx="1">
+            <a:schemeClr val="accent1"/>
+          </a:fillRef>
+          <a:effectRef idx="0">
+            <a:schemeClr val="accent1"/>
+          </a:effectRef>
+          <a:fontRef idx="minor">
+            <a:schemeClr val="lt1"/>
+          </a:fontRef>
+        </p:style>
+        <p:txBody>
+          <a:bodyPr rtlCol="0" anchor="ctr"/>
+          <a:lstStyle/>
+          <a:p>
+            <a:pPr algn="ctr"/>
+            <a:endParaRPr kumimoji="1" lang="zh-CN" altLang="en-US" sz="1600" dirty="0"/>
+          </a:p>
+        </p:txBody>
+      </p:sp>
+      <p:sp>
+        <p:nvSpPr>
+          <p:cNvPr id="49" name="右箭头 48">
+            <a:extLst>
+              <a:ext uri="{FF2B5EF4-FFF2-40B4-BE49-F238E27FC236}">
+                <a16:creationId xmlns:a16="http://schemas.microsoft.com/office/drawing/2014/main" id="{2E874A21-0E96-1999-B1A0-991608343D0E}"/>
+              </a:ext>
+            </a:extLst>
+          </p:cNvPr>
+          <p:cNvSpPr/>
+          <p:nvPr/>
+        </p:nvSpPr>
+        <p:spPr>
+          <a:xfrm>
+            <a:off x="5296012" y="2172695"/>
+            <a:ext cx="456060" cy="259094"/>
+          </a:xfrm>
+          <a:prstGeom prst="rightArrow">
+            <a:avLst/>
+          </a:prstGeom>
+          <a:solidFill>
+            <a:schemeClr val="accent1">
+              <a:lumMod val="40000"/>
+              <a:lumOff val="60000"/>
+            </a:schemeClr>
+          </a:solidFill>
+        </p:spPr>
+        <p:style>
+          <a:lnRef idx="2">
+            <a:schemeClr val="accent2">
+              <a:shade val="15000"/>
+            </a:schemeClr>
+          </a:lnRef>
+          <a:fillRef idx="1">
+            <a:schemeClr val="accent2"/>
+          </a:fillRef>
+          <a:effectRef idx="0">
+            <a:schemeClr val="accent2"/>
+          </a:effectRef>
+          <a:fontRef idx="minor">
+            <a:schemeClr val="lt1"/>
+          </a:fontRef>
+        </p:style>
+        <p:txBody>
+          <a:bodyPr rtlCol="0" anchor="ctr"/>
+          <a:lstStyle/>
+          <a:p>
+            <a:pPr algn="ctr"/>
+            <a:endParaRPr kumimoji="1" lang="zh-CN" altLang="en-US" sz="1600"/>
+          </a:p>
+        </p:txBody>
+      </p:sp>
+      <p:sp>
+        <p:nvSpPr>
+          <p:cNvPr id="50" name="右箭头 49">
+            <a:extLst>
+              <a:ext uri="{FF2B5EF4-FFF2-40B4-BE49-F238E27FC236}">
+                <a16:creationId xmlns:a16="http://schemas.microsoft.com/office/drawing/2014/main" id="{B6CEA51F-7EF9-88B8-1E6A-3886039A76E4}"/>
+              </a:ext>
+            </a:extLst>
+          </p:cNvPr>
+          <p:cNvSpPr/>
+          <p:nvPr/>
+        </p:nvSpPr>
+        <p:spPr>
+          <a:xfrm>
+            <a:off x="5296012" y="2784396"/>
+            <a:ext cx="456972" cy="259094"/>
+          </a:xfrm>
+          <a:prstGeom prst="rightArrow">
+            <a:avLst/>
+          </a:prstGeom>
+          <a:solidFill>
+            <a:schemeClr val="accent1">
+              <a:lumMod val="40000"/>
+              <a:lumOff val="60000"/>
+            </a:schemeClr>
+          </a:solidFill>
+        </p:spPr>
+        <p:style>
+          <a:lnRef idx="2">
+            <a:schemeClr val="accent2">
+              <a:shade val="15000"/>
+            </a:schemeClr>
+          </a:lnRef>
+          <a:fillRef idx="1">
+            <a:schemeClr val="accent2"/>
+          </a:fillRef>
+          <a:effectRef idx="0">
+            <a:schemeClr val="accent2"/>
+          </a:effectRef>
+          <a:fontRef idx="minor">
+            <a:schemeClr val="lt1"/>
+          </a:fontRef>
+        </p:style>
+        <p:txBody>
+          <a:bodyPr rtlCol="0" anchor="ctr"/>
+          <a:lstStyle/>
+          <a:p>
+            <a:pPr algn="ctr"/>
+            <a:endParaRPr kumimoji="1" lang="zh-CN" altLang="en-US" sz="1600"/>
+          </a:p>
+        </p:txBody>
+      </p:sp>
+      <p:sp>
+        <p:nvSpPr>
+          <p:cNvPr id="51" name="右箭头 50">
+            <a:extLst>
+              <a:ext uri="{FF2B5EF4-FFF2-40B4-BE49-F238E27FC236}">
+                <a16:creationId xmlns:a16="http://schemas.microsoft.com/office/drawing/2014/main" id="{2215579E-67AC-EFF1-07D9-91C59284C08B}"/>
+              </a:ext>
+            </a:extLst>
+          </p:cNvPr>
+          <p:cNvSpPr/>
+          <p:nvPr/>
+        </p:nvSpPr>
+        <p:spPr>
+          <a:xfrm>
+            <a:off x="5294866" y="4506822"/>
+            <a:ext cx="456972" cy="259094"/>
+          </a:xfrm>
+          <a:prstGeom prst="rightArrow">
+            <a:avLst/>
+          </a:prstGeom>
+          <a:solidFill>
+            <a:schemeClr val="accent1">
+              <a:lumMod val="40000"/>
+              <a:lumOff val="60000"/>
+            </a:schemeClr>
+          </a:solidFill>
+        </p:spPr>
+        <p:style>
+          <a:lnRef idx="2">
+            <a:schemeClr val="accent2">
+              <a:shade val="15000"/>
+            </a:schemeClr>
+          </a:lnRef>
+          <a:fillRef idx="1">
+            <a:schemeClr val="accent2"/>
+          </a:fillRef>
+          <a:effectRef idx="0">
+            <a:schemeClr val="accent2"/>
+          </a:effectRef>
+          <a:fontRef idx="minor">
+            <a:schemeClr val="lt1"/>
+          </a:fontRef>
+        </p:style>
+        <p:txBody>
+          <a:bodyPr rtlCol="0" anchor="ctr"/>
+          <a:lstStyle/>
+          <a:p>
+            <a:pPr algn="ctr"/>
+            <a:endParaRPr kumimoji="1" lang="zh-CN" altLang="en-US" sz="1600"/>
+          </a:p>
+        </p:txBody>
+      </p:sp>
+      <p:sp>
+        <p:nvSpPr>
+          <p:cNvPr id="53" name="右箭头 52">
+            <a:extLst>
+              <a:ext uri="{FF2B5EF4-FFF2-40B4-BE49-F238E27FC236}">
+                <a16:creationId xmlns:a16="http://schemas.microsoft.com/office/drawing/2014/main" id="{2C6883A9-A341-0C3B-928A-A12620099DED}"/>
+              </a:ext>
+            </a:extLst>
+          </p:cNvPr>
+          <p:cNvSpPr/>
+          <p:nvPr/>
+        </p:nvSpPr>
+        <p:spPr>
+          <a:xfrm>
+            <a:off x="11539881" y="2934854"/>
+            <a:ext cx="241732" cy="134747"/>
+          </a:xfrm>
+          <a:prstGeom prst="rightArrow">
+            <a:avLst>
+              <a:gd name="adj1" fmla="val 99557"/>
+              <a:gd name="adj2" fmla="val 50000"/>
+            </a:avLst>
+          </a:prstGeom>
+          <a:solidFill>
+            <a:schemeClr val="accent1">
+              <a:lumMod val="40000"/>
+              <a:lumOff val="60000"/>
+            </a:schemeClr>
+          </a:solidFill>
+        </p:spPr>
+        <p:style>
+          <a:lnRef idx="2">
+            <a:schemeClr val="accent2">
+              <a:shade val="15000"/>
+            </a:schemeClr>
+          </a:lnRef>
+          <a:fillRef idx="1">
+            <a:schemeClr val="accent2"/>
+          </a:fillRef>
+          <a:effectRef idx="0">
+            <a:schemeClr val="accent2"/>
+          </a:effectRef>
+          <a:fontRef idx="minor">
+            <a:schemeClr val="lt1"/>
+          </a:fontRef>
+        </p:style>
+        <p:txBody>
+          <a:bodyPr rtlCol="0" anchor="ctr"/>
+          <a:lstStyle/>
+          <a:p>
+            <a:pPr algn="ctr"/>
+            <a:endParaRPr kumimoji="1" lang="zh-CN" altLang="en-US" sz="1600"/>
+          </a:p>
+        </p:txBody>
+      </p:sp>
+      <p:sp>
+        <p:nvSpPr>
+          <p:cNvPr id="52" name="直角上箭头 51">
+            <a:extLst>
+              <a:ext uri="{FF2B5EF4-FFF2-40B4-BE49-F238E27FC236}">
+                <a16:creationId xmlns:a16="http://schemas.microsoft.com/office/drawing/2014/main" id="{3DFCAABD-CE53-A040-FC52-36AA71EA057E}"/>
+              </a:ext>
+            </a:extLst>
+          </p:cNvPr>
+          <p:cNvSpPr/>
+          <p:nvPr/>
+        </p:nvSpPr>
+        <p:spPr>
+          <a:xfrm rot="5400000" flipV="1">
+            <a:off x="7174187" y="1055536"/>
+            <a:ext cx="2728108" cy="6486744"/>
+          </a:xfrm>
+          <a:prstGeom prst="bentUpArrow">
+            <a:avLst>
+              <a:gd name="adj1" fmla="val 4948"/>
+              <a:gd name="adj2" fmla="val 2594"/>
+              <a:gd name="adj3" fmla="val 0"/>
+            </a:avLst>
+          </a:prstGeom>
+          <a:solidFill>
+            <a:schemeClr val="accent1">
+              <a:lumMod val="40000"/>
+              <a:lumOff val="60000"/>
+            </a:schemeClr>
+          </a:solidFill>
+        </p:spPr>
+        <p:style>
+          <a:lnRef idx="2">
+            <a:schemeClr val="accent2">
+              <a:shade val="15000"/>
+            </a:schemeClr>
+          </a:lnRef>
+          <a:fillRef idx="1">
+            <a:schemeClr val="accent2"/>
+          </a:fillRef>
+          <a:effectRef idx="0">
+            <a:schemeClr val="accent2"/>
+          </a:effectRef>
+          <a:fontRef idx="minor">
+            <a:schemeClr val="lt1"/>
+          </a:fontRef>
+        </p:style>
+        <p:txBody>
+          <a:bodyPr rtlCol="0" anchor="ctr"/>
+          <a:lstStyle/>
+          <a:p>
+            <a:pPr algn="ctr"/>
+            <a:endParaRPr kumimoji="1" lang="zh-CN" altLang="en-US" sz="1600"/>
+          </a:p>
+        </p:txBody>
+      </p:sp>
+      <p:sp>
+        <p:nvSpPr>
+          <p:cNvPr id="48" name="上下箭头 47">
+            <a:extLst>
+              <a:ext uri="{FF2B5EF4-FFF2-40B4-BE49-F238E27FC236}">
+                <a16:creationId xmlns:a16="http://schemas.microsoft.com/office/drawing/2014/main" id="{8937D603-D699-9E0F-69F8-4ADE47CFE5BD}"/>
+              </a:ext>
+            </a:extLst>
+          </p:cNvPr>
+          <p:cNvSpPr/>
+          <p:nvPr/>
+        </p:nvSpPr>
+        <p:spPr>
+          <a:xfrm>
+            <a:off x="5177626" y="2232232"/>
+            <a:ext cx="149766" cy="3430730"/>
+          </a:xfrm>
+          <a:prstGeom prst="upDownArrow">
+            <a:avLst>
+              <a:gd name="adj1" fmla="val 96352"/>
+              <a:gd name="adj2" fmla="val 0"/>
+            </a:avLst>
+          </a:prstGeom>
+          <a:solidFill>
+            <a:schemeClr val="accent1">
+              <a:lumMod val="40000"/>
+              <a:lumOff val="60000"/>
+            </a:schemeClr>
+          </a:solidFill>
+        </p:spPr>
+        <p:style>
+          <a:lnRef idx="2">
+            <a:schemeClr val="accent2">
+              <a:shade val="15000"/>
+            </a:schemeClr>
+          </a:lnRef>
+          <a:fillRef idx="1">
+            <a:schemeClr val="accent2"/>
+          </a:fillRef>
+          <a:effectRef idx="0">
+            <a:schemeClr val="accent2"/>
+          </a:effectRef>
+          <a:fontRef idx="minor">
+            <a:schemeClr val="lt1"/>
+          </a:fontRef>
+        </p:style>
+        <p:txBody>
+          <a:bodyPr rtlCol="0" anchor="ctr"/>
+          <a:lstStyle/>
+          <a:p>
+            <a:pPr algn="ctr"/>
+            <a:endParaRPr kumimoji="1" lang="zh-CN" altLang="en-US" sz="1600"/>
+          </a:p>
+        </p:txBody>
+      </p:sp>
+      <p:sp>
+        <p:nvSpPr>
+          <p:cNvPr id="54" name="圆角矩形 53">
+            <a:extLst>
+              <a:ext uri="{FF2B5EF4-FFF2-40B4-BE49-F238E27FC236}">
+                <a16:creationId xmlns:a16="http://schemas.microsoft.com/office/drawing/2014/main" id="{2633C9B6-124E-A86B-C35C-6EB8A69513F5}"/>
+              </a:ext>
+            </a:extLst>
+          </p:cNvPr>
+          <p:cNvSpPr/>
+          <p:nvPr/>
+        </p:nvSpPr>
+        <p:spPr>
+          <a:xfrm>
+            <a:off x="3206333" y="1470402"/>
+            <a:ext cx="959405" cy="727678"/>
+          </a:xfrm>
+          <a:prstGeom prst="roundRect">
+            <a:avLst/>
+          </a:prstGeom>
+        </p:spPr>
+        <p:style>
+          <a:lnRef idx="2">
+            <a:schemeClr val="accent1">
+              <a:shade val="15000"/>
+            </a:schemeClr>
+          </a:lnRef>
+          <a:fillRef idx="1">
+            <a:schemeClr val="accent1"/>
+          </a:fillRef>
+          <a:effectRef idx="0">
+            <a:schemeClr val="accent1"/>
+          </a:effectRef>
+          <a:fontRef idx="minor">
+            <a:schemeClr val="lt1"/>
+          </a:fontRef>
+        </p:style>
+        <p:txBody>
+          <a:bodyPr rtlCol="0" anchor="ctr"/>
+          <a:lstStyle/>
+          <a:p>
+            <a:pPr algn="ctr"/>
+            <a:r>
+              <a:rPr kumimoji="1" lang="en-US" altLang="zh-CN" sz="1400" dirty="0"/>
+              <a:t>Cond</a:t>
+            </a:r>
+          </a:p>
+          <a:p>
+            <a:pPr algn="ctr"/>
+            <a:r>
+              <a:rPr kumimoji="1" lang="en-US" altLang="zh-CN" sz="1400" dirty="0"/>
+              <a:t>Register</a:t>
+            </a:r>
+            <a:endParaRPr kumimoji="1" lang="zh-CN" altLang="en-US" sz="1400" dirty="0"/>
+          </a:p>
+        </p:txBody>
+      </p:sp>
+      <p:sp>
+        <p:nvSpPr>
+          <p:cNvPr id="55" name="下箭头 54">
+            <a:extLst>
+              <a:ext uri="{FF2B5EF4-FFF2-40B4-BE49-F238E27FC236}">
+                <a16:creationId xmlns:a16="http://schemas.microsoft.com/office/drawing/2014/main" id="{104572D0-4DFD-E2A6-5267-82CB6C00DC48}"/>
+              </a:ext>
+            </a:extLst>
+          </p:cNvPr>
+          <p:cNvSpPr/>
+          <p:nvPr/>
+        </p:nvSpPr>
+        <p:spPr>
+          <a:xfrm>
+            <a:off x="3585711" y="1164308"/>
+            <a:ext cx="222532" cy="230969"/>
+          </a:xfrm>
+          <a:prstGeom prst="downArrow">
+            <a:avLst/>
+          </a:prstGeom>
+          <a:solidFill>
+            <a:schemeClr val="accent1">
+              <a:lumMod val="60000"/>
+              <a:lumOff val="40000"/>
+            </a:schemeClr>
+          </a:solidFill>
+        </p:spPr>
+        <p:style>
+          <a:lnRef idx="2">
+            <a:schemeClr val="accent1">
+              <a:shade val="15000"/>
+            </a:schemeClr>
+          </a:lnRef>
+          <a:fillRef idx="1">
+            <a:schemeClr val="accent1"/>
+          </a:fillRef>
+          <a:effectRef idx="0">
+            <a:schemeClr val="accent1"/>
+          </a:effectRef>
+          <a:fontRef idx="minor">
+            <a:schemeClr val="lt1"/>
+          </a:fontRef>
+        </p:style>
+        <p:txBody>
+          <a:bodyPr rtlCol="0" anchor="ctr"/>
+          <a:lstStyle/>
+          <a:p>
+            <a:pPr algn="ctr"/>
+            <a:endParaRPr kumimoji="1" lang="zh-CN" altLang="en-US" sz="1600" dirty="0"/>
+          </a:p>
+        </p:txBody>
+      </p:sp>
+      <p:sp>
+        <p:nvSpPr>
+          <p:cNvPr id="56" name="下箭头 55">
+            <a:extLst>
+              <a:ext uri="{FF2B5EF4-FFF2-40B4-BE49-F238E27FC236}">
+                <a16:creationId xmlns:a16="http://schemas.microsoft.com/office/drawing/2014/main" id="{BF85882F-3E46-22B4-FA25-4F1F83DFFAD4}"/>
+              </a:ext>
+            </a:extLst>
+          </p:cNvPr>
+          <p:cNvSpPr/>
+          <p:nvPr/>
+        </p:nvSpPr>
+        <p:spPr>
+          <a:xfrm>
+            <a:off x="3583962" y="2282217"/>
+            <a:ext cx="222532" cy="230969"/>
+          </a:xfrm>
+          <a:prstGeom prst="downArrow">
+            <a:avLst/>
+          </a:prstGeom>
+          <a:solidFill>
+            <a:schemeClr val="accent1">
+              <a:lumMod val="20000"/>
+              <a:lumOff val="80000"/>
+            </a:schemeClr>
+          </a:solidFill>
+        </p:spPr>
+        <p:style>
+          <a:lnRef idx="2">
+            <a:schemeClr val="accent1">
+              <a:shade val="15000"/>
+            </a:schemeClr>
+          </a:lnRef>
+          <a:fillRef idx="1">
+            <a:schemeClr val="accent1"/>
+          </a:fillRef>
+          <a:effectRef idx="0">
+            <a:schemeClr val="accent1"/>
+          </a:effectRef>
+          <a:fontRef idx="minor">
+            <a:schemeClr val="lt1"/>
+          </a:fontRef>
+        </p:style>
+        <p:txBody>
+          <a:bodyPr rtlCol="0" anchor="ctr"/>
+          <a:lstStyle/>
+          <a:p>
+            <a:pPr algn="ctr"/>
+            <a:endParaRPr kumimoji="1" lang="zh-CN" altLang="en-US" sz="1600" dirty="0"/>
+          </a:p>
+        </p:txBody>
+      </p:sp>
+      <p:sp>
+        <p:nvSpPr>
+          <p:cNvPr id="57" name="直角上箭头 56">
+            <a:extLst>
+              <a:ext uri="{FF2B5EF4-FFF2-40B4-BE49-F238E27FC236}">
+                <a16:creationId xmlns:a16="http://schemas.microsoft.com/office/drawing/2014/main" id="{9288F40F-D754-E153-ECA7-9BCB0FCF2ACF}"/>
+              </a:ext>
+            </a:extLst>
+          </p:cNvPr>
+          <p:cNvSpPr/>
+          <p:nvPr/>
+        </p:nvSpPr>
+        <p:spPr>
+          <a:xfrm flipH="1">
+            <a:off x="498763" y="1976386"/>
+            <a:ext cx="2577703" cy="1168657"/>
+          </a:xfrm>
+          <a:prstGeom prst="bentUpArrow">
+            <a:avLst>
+              <a:gd name="adj1" fmla="val 9749"/>
+              <a:gd name="adj2" fmla="val 12217"/>
+              <a:gd name="adj3" fmla="val 14683"/>
+            </a:avLst>
+          </a:prstGeom>
+        </p:spPr>
+        <p:style>
+          <a:lnRef idx="2">
+            <a:schemeClr val="accent1">
+              <a:shade val="15000"/>
+            </a:schemeClr>
+          </a:lnRef>
+          <a:fillRef idx="1">
+            <a:schemeClr val="accent1"/>
+          </a:fillRef>
+          <a:effectRef idx="0">
+            <a:schemeClr val="accent1"/>
+          </a:effectRef>
+          <a:fontRef idx="minor">
+            <a:schemeClr val="lt1"/>
+          </a:fontRef>
+        </p:style>
+        <p:txBody>
+          <a:bodyPr rtlCol="0" anchor="ctr"/>
+          <a:lstStyle/>
+          <a:p>
+            <a:pPr algn="ctr"/>
+            <a:endParaRPr kumimoji="1" lang="zh-CN" altLang="en-US" sz="1600"/>
+          </a:p>
+        </p:txBody>
+      </p:sp>
+      <p:sp>
+        <p:nvSpPr>
+          <p:cNvPr id="58" name="圆角矩形 57">
+            <a:extLst>
+              <a:ext uri="{FF2B5EF4-FFF2-40B4-BE49-F238E27FC236}">
+                <a16:creationId xmlns:a16="http://schemas.microsoft.com/office/drawing/2014/main" id="{AD336440-AF7C-BB44-D2DC-8131F05B5C12}"/>
+              </a:ext>
+            </a:extLst>
+          </p:cNvPr>
+          <p:cNvSpPr/>
+          <p:nvPr/>
+        </p:nvSpPr>
+        <p:spPr>
+          <a:xfrm>
+            <a:off x="663072" y="3690464"/>
+            <a:ext cx="1268365" cy="520386"/>
+          </a:xfrm>
+          <a:prstGeom prst="roundRect">
+            <a:avLst/>
+          </a:prstGeom>
+          <a:solidFill>
+            <a:schemeClr val="accent1">
+              <a:lumMod val="75000"/>
+            </a:schemeClr>
+          </a:solidFill>
+        </p:spPr>
+        <p:style>
+          <a:lnRef idx="2">
+            <a:schemeClr val="accent5">
+              <a:shade val="15000"/>
+            </a:schemeClr>
+          </a:lnRef>
+          <a:fillRef idx="1">
+            <a:schemeClr val="accent5"/>
+          </a:fillRef>
+          <a:effectRef idx="0">
+            <a:schemeClr val="accent5"/>
+          </a:effectRef>
+          <a:fontRef idx="minor">
+            <a:schemeClr val="lt1"/>
+          </a:fontRef>
+        </p:style>
+        <p:txBody>
+          <a:bodyPr rtlCol="0" anchor="ctr"/>
+          <a:lstStyle/>
+          <a:p>
+            <a:pPr algn="ctr"/>
+            <a:r>
+              <a:rPr kumimoji="1" lang="en-US" altLang="zh-CN" sz="1600" dirty="0"/>
+              <a:t>FETCH</a:t>
+            </a:r>
+            <a:endParaRPr kumimoji="1" lang="zh-CN" altLang="en-US" sz="1600" dirty="0"/>
+          </a:p>
+        </p:txBody>
+      </p:sp>
+      <p:sp>
+        <p:nvSpPr>
+          <p:cNvPr id="59" name="圆角矩形 58">
+            <a:extLst>
+              <a:ext uri="{FF2B5EF4-FFF2-40B4-BE49-F238E27FC236}">
+                <a16:creationId xmlns:a16="http://schemas.microsoft.com/office/drawing/2014/main" id="{B0DF9041-D241-0976-AF3A-B5B98248222C}"/>
+              </a:ext>
+            </a:extLst>
+          </p:cNvPr>
+          <p:cNvSpPr/>
+          <p:nvPr/>
+        </p:nvSpPr>
+        <p:spPr>
+          <a:xfrm>
+            <a:off x="650151" y="4355886"/>
+            <a:ext cx="1281662" cy="520386"/>
+          </a:xfrm>
+          <a:prstGeom prst="roundRect">
+            <a:avLst/>
+          </a:prstGeom>
+        </p:spPr>
+        <p:style>
+          <a:lnRef idx="2">
+            <a:schemeClr val="accent1">
+              <a:shade val="15000"/>
+            </a:schemeClr>
+          </a:lnRef>
+          <a:fillRef idx="1">
+            <a:schemeClr val="accent1"/>
+          </a:fillRef>
+          <a:effectRef idx="0">
+            <a:schemeClr val="accent1"/>
+          </a:effectRef>
+          <a:fontRef idx="minor">
+            <a:schemeClr val="lt1"/>
+          </a:fontRef>
+        </p:style>
+        <p:txBody>
+          <a:bodyPr rtlCol="0" anchor="ctr"/>
+          <a:lstStyle/>
+          <a:p>
+            <a:pPr algn="ctr"/>
+            <a:r>
+              <a:rPr kumimoji="1" lang="en-US" altLang="zh-CN" sz="1600" dirty="0"/>
+              <a:t>DECODE</a:t>
+            </a:r>
+            <a:endParaRPr kumimoji="1" lang="zh-CN" altLang="en-US" sz="1600" dirty="0"/>
+          </a:p>
+        </p:txBody>
+      </p:sp>
+      <p:sp>
+        <p:nvSpPr>
+          <p:cNvPr id="60" name="圆角矩形 59">
+            <a:extLst>
+              <a:ext uri="{FF2B5EF4-FFF2-40B4-BE49-F238E27FC236}">
+                <a16:creationId xmlns:a16="http://schemas.microsoft.com/office/drawing/2014/main" id="{2801F6CF-7B59-C916-714F-C4E300E92934}"/>
+              </a:ext>
+            </a:extLst>
+          </p:cNvPr>
+          <p:cNvSpPr/>
+          <p:nvPr/>
+        </p:nvSpPr>
+        <p:spPr>
+          <a:xfrm>
+            <a:off x="650151" y="5016679"/>
+            <a:ext cx="1281662" cy="520386"/>
+          </a:xfrm>
+          <a:prstGeom prst="roundRect">
+            <a:avLst/>
+          </a:prstGeom>
+          <a:solidFill>
+            <a:schemeClr val="accent1">
+              <a:lumMod val="60000"/>
+              <a:lumOff val="40000"/>
+            </a:schemeClr>
+          </a:solidFill>
+        </p:spPr>
+        <p:style>
+          <a:lnRef idx="2">
+            <a:schemeClr val="accent1">
+              <a:shade val="15000"/>
+            </a:schemeClr>
+          </a:lnRef>
+          <a:fillRef idx="1">
+            <a:schemeClr val="accent1"/>
+          </a:fillRef>
+          <a:effectRef idx="0">
+            <a:schemeClr val="accent1"/>
+          </a:effectRef>
+          <a:fontRef idx="minor">
+            <a:schemeClr val="lt1"/>
+          </a:fontRef>
+        </p:style>
+        <p:txBody>
+          <a:bodyPr rtlCol="0" anchor="ctr"/>
+          <a:lstStyle/>
+          <a:p>
+            <a:pPr algn="ctr"/>
+            <a:r>
+              <a:rPr kumimoji="1" lang="en-US" altLang="zh-CN" sz="1600" dirty="0"/>
+              <a:t>EXECUTE</a:t>
+            </a:r>
+            <a:endParaRPr kumimoji="1" lang="zh-CN" altLang="en-US" sz="1600" dirty="0"/>
+          </a:p>
+        </p:txBody>
+      </p:sp>
+      <p:sp>
+        <p:nvSpPr>
+          <p:cNvPr id="61" name="矩形 60">
+            <a:extLst>
+              <a:ext uri="{FF2B5EF4-FFF2-40B4-BE49-F238E27FC236}">
+                <a16:creationId xmlns:a16="http://schemas.microsoft.com/office/drawing/2014/main" id="{AE887016-CA9A-32B6-E74D-494FBA1BE03C}"/>
+              </a:ext>
+            </a:extLst>
+          </p:cNvPr>
+          <p:cNvSpPr/>
+          <p:nvPr/>
+        </p:nvSpPr>
+        <p:spPr>
+          <a:xfrm>
+            <a:off x="8871214" y="2409196"/>
+            <a:ext cx="357623" cy="1184586"/>
+          </a:xfrm>
+          <a:prstGeom prst="rect">
+            <a:avLst/>
+          </a:prstGeom>
+          <a:solidFill>
+            <a:schemeClr val="bg1"/>
+          </a:solidFill>
+        </p:spPr>
+        <p:style>
+          <a:lnRef idx="3">
+            <a:schemeClr val="lt1"/>
+          </a:lnRef>
+          <a:fillRef idx="1">
+            <a:schemeClr val="accent1"/>
+          </a:fillRef>
+          <a:effectRef idx="1">
+            <a:schemeClr val="accent1"/>
+          </a:effectRef>
+          <a:fontRef idx="minor">
+            <a:schemeClr val="lt1"/>
+          </a:fontRef>
+        </p:style>
+        <p:txBody>
+          <a:bodyPr rtlCol="0" anchor="ctr"/>
+          <a:lstStyle/>
+          <a:p>
+            <a:pPr algn="ctr"/>
+            <a:endParaRPr kumimoji="1" lang="zh-CN" altLang="en-US" sz="1600"/>
+          </a:p>
+        </p:txBody>
+      </p:sp>
+      <p:sp>
+        <p:nvSpPr>
+          <p:cNvPr id="33" name="右箭头 32">
+            <a:extLst>
+              <a:ext uri="{FF2B5EF4-FFF2-40B4-BE49-F238E27FC236}">
+                <a16:creationId xmlns:a16="http://schemas.microsoft.com/office/drawing/2014/main" id="{47451B99-58EF-D292-0003-797EFB06876D}"/>
+              </a:ext>
+            </a:extLst>
+          </p:cNvPr>
+          <p:cNvSpPr/>
+          <p:nvPr/>
+        </p:nvSpPr>
+        <p:spPr>
+          <a:xfrm>
+            <a:off x="8966631" y="3069601"/>
+            <a:ext cx="367809" cy="236502"/>
+          </a:xfrm>
+          <a:prstGeom prst="rightArrow">
+            <a:avLst/>
+          </a:prstGeom>
+          <a:solidFill>
+            <a:schemeClr val="accent2">
+              <a:lumMod val="60000"/>
+              <a:lumOff val="40000"/>
+            </a:schemeClr>
+          </a:solidFill>
+        </p:spPr>
+        <p:style>
+          <a:lnRef idx="2">
+            <a:schemeClr val="accent1">
+              <a:shade val="15000"/>
+            </a:schemeClr>
+          </a:lnRef>
+          <a:fillRef idx="1">
+            <a:schemeClr val="accent1"/>
+          </a:fillRef>
+          <a:effectRef idx="0">
+            <a:schemeClr val="accent1"/>
+          </a:effectRef>
+          <a:fontRef idx="minor">
+            <a:schemeClr val="lt1"/>
+          </a:fontRef>
+        </p:style>
+        <p:txBody>
+          <a:bodyPr rtlCol="0" anchor="ctr"/>
+          <a:lstStyle/>
+          <a:p>
+            <a:pPr algn="ctr"/>
+            <a:endParaRPr kumimoji="1" lang="zh-CN" altLang="en-US" sz="1600" dirty="0"/>
+          </a:p>
+        </p:txBody>
+      </p:sp>
+      <p:sp>
+        <p:nvSpPr>
+          <p:cNvPr id="2" name="圆角矩形 13">
+            <a:extLst>
+              <a:ext uri="{FF2B5EF4-FFF2-40B4-BE49-F238E27FC236}">
+                <a16:creationId xmlns:a16="http://schemas.microsoft.com/office/drawing/2014/main" id="{D77272C4-C7F3-362F-5C4B-90A06E5FE0F7}"/>
+              </a:ext>
+            </a:extLst>
+          </p:cNvPr>
+          <p:cNvSpPr/>
+          <p:nvPr/>
+        </p:nvSpPr>
+        <p:spPr>
+          <a:xfrm>
+            <a:off x="9382811" y="2643992"/>
+            <a:ext cx="995672" cy="727678"/>
+          </a:xfrm>
+          <a:prstGeom prst="roundRect">
+            <a:avLst/>
+          </a:prstGeom>
+          <a:solidFill>
+            <a:schemeClr val="accent1">
+              <a:lumMod val="60000"/>
+              <a:lumOff val="40000"/>
+            </a:schemeClr>
+          </a:solidFill>
+          <a:ln>
+            <a:solidFill>
+              <a:schemeClr val="accent1">
+                <a:lumMod val="40000"/>
+                <a:lumOff val="60000"/>
+              </a:schemeClr>
+            </a:solidFill>
+          </a:ln>
+        </p:spPr>
+        <p:style>
+          <a:lnRef idx="2">
+            <a:schemeClr val="accent1">
+              <a:shade val="15000"/>
+            </a:schemeClr>
+          </a:lnRef>
+          <a:fillRef idx="1">
+            <a:schemeClr val="accent1"/>
+          </a:fillRef>
+          <a:effectRef idx="0">
+            <a:schemeClr val="accent1"/>
+          </a:effectRef>
+          <a:fontRef idx="minor">
+            <a:schemeClr val="lt1"/>
+          </a:fontRef>
+        </p:style>
+        <p:txBody>
+          <a:bodyPr rtlCol="0" anchor="ctr"/>
+          <a:lstStyle/>
+          <a:p>
+            <a:pPr algn="ctr"/>
+            <a:r>
+              <a:rPr kumimoji="1" lang="en-US" altLang="zh-CN" sz="1400" dirty="0"/>
+              <a:t>Output</a:t>
+            </a:r>
+          </a:p>
+          <a:p>
+            <a:pPr algn="ctr"/>
+            <a:r>
+              <a:rPr kumimoji="1" lang="en-US" altLang="zh-CN" sz="1400" dirty="0"/>
+              <a:t>Register</a:t>
+            </a:r>
+            <a:endParaRPr kumimoji="1" lang="zh-CN" altLang="en-US" sz="1400" dirty="0"/>
+          </a:p>
+        </p:txBody>
+      </p:sp>
+      <p:sp>
+        <p:nvSpPr>
+          <p:cNvPr id="3" name="右箭头 32">
+            <a:extLst>
+              <a:ext uri="{FF2B5EF4-FFF2-40B4-BE49-F238E27FC236}">
+                <a16:creationId xmlns:a16="http://schemas.microsoft.com/office/drawing/2014/main" id="{D459AEC6-0D03-DFC8-92B1-B35D75D44356}"/>
+              </a:ext>
+            </a:extLst>
+          </p:cNvPr>
+          <p:cNvSpPr/>
+          <p:nvPr/>
+        </p:nvSpPr>
+        <p:spPr>
+          <a:xfrm>
+            <a:off x="10500679" y="2900482"/>
+            <a:ext cx="367809" cy="236502"/>
+          </a:xfrm>
+          <a:prstGeom prst="rightArrow">
+            <a:avLst/>
+          </a:prstGeom>
+          <a:solidFill>
+            <a:schemeClr val="accent2">
+              <a:lumMod val="60000"/>
+              <a:lumOff val="40000"/>
+            </a:schemeClr>
+          </a:solidFill>
+        </p:spPr>
+        <p:style>
+          <a:lnRef idx="2">
+            <a:schemeClr val="accent1">
+              <a:shade val="15000"/>
+            </a:schemeClr>
+          </a:lnRef>
+          <a:fillRef idx="1">
+            <a:schemeClr val="accent1"/>
+          </a:fillRef>
+          <a:effectRef idx="0">
+            <a:schemeClr val="accent1"/>
+          </a:effectRef>
+          <a:fontRef idx="minor">
+            <a:schemeClr val="lt1"/>
+          </a:fontRef>
+        </p:style>
+        <p:txBody>
+          <a:bodyPr rtlCol="0" anchor="ctr"/>
+          <a:lstStyle/>
+          <a:p>
+            <a:pPr algn="ctr"/>
+            <a:endParaRPr kumimoji="1" lang="zh-CN" altLang="en-US" sz="1600" dirty="0"/>
+          </a:p>
+        </p:txBody>
+      </p:sp>
+      <p:sp>
+        <p:nvSpPr>
+          <p:cNvPr id="5" name="圆角矩形 12">
+            <a:extLst>
+              <a:ext uri="{FF2B5EF4-FFF2-40B4-BE49-F238E27FC236}">
+                <a16:creationId xmlns:a16="http://schemas.microsoft.com/office/drawing/2014/main" id="{CB76FFCB-E446-C96C-6FC0-F56EDDD3763F}"/>
+              </a:ext>
+            </a:extLst>
+          </p:cNvPr>
+          <p:cNvSpPr/>
+          <p:nvPr/>
+        </p:nvSpPr>
+        <p:spPr>
+          <a:xfrm>
+            <a:off x="6028526" y="202657"/>
+            <a:ext cx="1436334" cy="727678"/>
+          </a:xfrm>
+          <a:prstGeom prst="roundRect">
+            <a:avLst/>
+          </a:prstGeom>
+          <a:solidFill>
+            <a:schemeClr val="accent1"/>
+          </a:solidFill>
+        </p:spPr>
+        <p:style>
+          <a:lnRef idx="2">
+            <a:schemeClr val="accent1">
+              <a:shade val="15000"/>
+            </a:schemeClr>
+          </a:lnRef>
+          <a:fillRef idx="1">
+            <a:schemeClr val="accent1"/>
+          </a:fillRef>
+          <a:effectRef idx="0">
+            <a:schemeClr val="accent1"/>
+          </a:effectRef>
+          <a:fontRef idx="minor">
+            <a:schemeClr val="lt1"/>
+          </a:fontRef>
+        </p:style>
+        <p:txBody>
+          <a:bodyPr rtlCol="0" anchor="ctr"/>
+          <a:lstStyle/>
+          <a:p>
+            <a:pPr algn="ctr"/>
+            <a:r>
+              <a:rPr kumimoji="1" lang="en-US" altLang="zh-CN" sz="1600" dirty="0" err="1"/>
+              <a:t>Write_Enable</a:t>
+            </a:r>
+            <a:endParaRPr kumimoji="1" lang="en-US" altLang="zh-CN" sz="1600" dirty="0"/>
+          </a:p>
+          <a:p>
+            <a:pPr algn="ctr"/>
+            <a:r>
+              <a:rPr kumimoji="1" lang="zh-CN" altLang="en-US" sz="1600" dirty="0"/>
+              <a:t>（</a:t>
+            </a:r>
+            <a:r>
+              <a:rPr kumimoji="1" lang="en-US" altLang="zh-CN" sz="1600" dirty="0"/>
+              <a:t>Risk</a:t>
+            </a:r>
+            <a:r>
+              <a:rPr kumimoji="1" lang="zh-CN" altLang="en-US" sz="1600" dirty="0"/>
+              <a:t>）</a:t>
+            </a:r>
+            <a:endParaRPr kumimoji="1" lang="en-US" altLang="zh-CN" sz="1600" dirty="0"/>
+          </a:p>
+          <a:p>
+            <a:pPr algn="ctr"/>
+            <a:r>
+              <a:rPr kumimoji="1" lang="en-US" altLang="zh-CN" sz="1600" dirty="0"/>
+              <a:t>Register</a:t>
+            </a:r>
+            <a:endParaRPr kumimoji="1" lang="zh-CN" altLang="en-US" sz="1600" dirty="0"/>
+          </a:p>
+        </p:txBody>
+      </p:sp>
+      <p:sp>
+        <p:nvSpPr>
+          <p:cNvPr id="11" name="右箭头 26">
+            <a:extLst>
+              <a:ext uri="{FF2B5EF4-FFF2-40B4-BE49-F238E27FC236}">
+                <a16:creationId xmlns:a16="http://schemas.microsoft.com/office/drawing/2014/main" id="{BEF6784B-65F5-BE67-8CC2-F1530F260A36}"/>
+              </a:ext>
+            </a:extLst>
+          </p:cNvPr>
+          <p:cNvSpPr/>
+          <p:nvPr/>
+        </p:nvSpPr>
+        <p:spPr>
+          <a:xfrm>
+            <a:off x="4672363" y="536724"/>
+            <a:ext cx="1239993" cy="208811"/>
+          </a:xfrm>
+          <a:prstGeom prst="rightArrow">
+            <a:avLst/>
+          </a:prstGeom>
+          <a:solidFill>
+            <a:schemeClr val="accent1">
+              <a:lumMod val="60000"/>
+              <a:lumOff val="40000"/>
+            </a:schemeClr>
+          </a:solidFill>
+        </p:spPr>
+        <p:style>
+          <a:lnRef idx="2">
+            <a:schemeClr val="accent1">
+              <a:shade val="15000"/>
+            </a:schemeClr>
+          </a:lnRef>
+          <a:fillRef idx="1">
+            <a:schemeClr val="accent1"/>
+          </a:fillRef>
+          <a:effectRef idx="0">
+            <a:schemeClr val="accent1"/>
+          </a:effectRef>
+          <a:fontRef idx="minor">
+            <a:schemeClr val="lt1"/>
+          </a:fontRef>
+        </p:style>
+        <p:txBody>
+          <a:bodyPr rtlCol="0" anchor="ctr"/>
+          <a:lstStyle/>
+          <a:p>
+            <a:pPr algn="ctr"/>
+            <a:endParaRPr kumimoji="1" lang="zh-CN" altLang="en-US" sz="1600"/>
+          </a:p>
+        </p:txBody>
+      </p:sp>
+      <p:cxnSp>
+        <p:nvCxnSpPr>
+          <p:cNvPr id="36" name="Curved Connector 35">
+            <a:extLst>
+              <a:ext uri="{FF2B5EF4-FFF2-40B4-BE49-F238E27FC236}">
+                <a16:creationId xmlns:a16="http://schemas.microsoft.com/office/drawing/2014/main" id="{6F1CEE31-DEC5-638D-8E35-0D5355A6DA84}"/>
+              </a:ext>
+            </a:extLst>
+          </p:cNvPr>
+          <p:cNvCxnSpPr>
+            <a:cxnSpLocks/>
+            <a:endCxn id="40" idx="0"/>
+          </p:cNvCxnSpPr>
+          <p:nvPr/>
+        </p:nvCxnSpPr>
+        <p:spPr>
+          <a:xfrm rot="16200000" flipH="1">
+            <a:off x="4497050" y="1123109"/>
+            <a:ext cx="546422" cy="441044"/>
+          </a:xfrm>
+          <a:prstGeom prst="curvedConnector3">
+            <a:avLst/>
+          </a:prstGeom>
+          <a:ln>
+            <a:tailEnd type="triangle"/>
+          </a:ln>
+        </p:spPr>
+        <p:style>
+          <a:lnRef idx="1">
+            <a:schemeClr val="accent1"/>
+          </a:lnRef>
+          <a:fillRef idx="0">
+            <a:schemeClr val="accent1"/>
+          </a:fillRef>
+          <a:effectRef idx="0">
+            <a:schemeClr val="accent1"/>
+          </a:effectRef>
+          <a:fontRef idx="minor">
+            <a:schemeClr val="tx1"/>
+          </a:fontRef>
+        </p:style>
+      </p:cxnSp>
+      <p:sp>
+        <p:nvSpPr>
+          <p:cNvPr id="39" name="右箭头 32">
+            <a:extLst>
+              <a:ext uri="{FF2B5EF4-FFF2-40B4-BE49-F238E27FC236}">
+                <a16:creationId xmlns:a16="http://schemas.microsoft.com/office/drawing/2014/main" id="{297810E7-18A7-7889-568F-02D8C985909D}"/>
+              </a:ext>
+            </a:extLst>
+          </p:cNvPr>
+          <p:cNvSpPr/>
+          <p:nvPr/>
+        </p:nvSpPr>
+        <p:spPr>
+          <a:xfrm rot="10800000">
+            <a:off x="8953904" y="2755568"/>
+            <a:ext cx="367809" cy="236502"/>
+          </a:xfrm>
+          <a:prstGeom prst="rightArrow">
+            <a:avLst/>
+          </a:prstGeom>
+          <a:solidFill>
+            <a:schemeClr val="accent2">
+              <a:lumMod val="60000"/>
+              <a:lumOff val="40000"/>
+            </a:schemeClr>
+          </a:solidFill>
+        </p:spPr>
+        <p:style>
+          <a:lnRef idx="2">
+            <a:schemeClr val="accent1">
+              <a:shade val="15000"/>
+            </a:schemeClr>
+          </a:lnRef>
+          <a:fillRef idx="1">
+            <a:schemeClr val="accent1"/>
+          </a:fillRef>
+          <a:effectRef idx="0">
+            <a:schemeClr val="accent1"/>
+          </a:effectRef>
+          <a:fontRef idx="minor">
+            <a:schemeClr val="lt1"/>
+          </a:fontRef>
+        </p:style>
+        <p:txBody>
+          <a:bodyPr rtlCol="0" anchor="ctr"/>
+          <a:lstStyle/>
+          <a:p>
+            <a:pPr algn="ctr"/>
+            <a:endParaRPr kumimoji="1" lang="zh-CN" altLang="en-US" sz="1600" dirty="0"/>
+          </a:p>
+        </p:txBody>
+      </p:sp>
+      <p:sp>
+        <p:nvSpPr>
+          <p:cNvPr id="40" name="圆角矩形 8">
+            <a:extLst>
+              <a:ext uri="{FF2B5EF4-FFF2-40B4-BE49-F238E27FC236}">
+                <a16:creationId xmlns:a16="http://schemas.microsoft.com/office/drawing/2014/main" id="{E512ABC3-57AA-0997-4662-492283F5010E}"/>
+              </a:ext>
+            </a:extLst>
+          </p:cNvPr>
+          <p:cNvSpPr/>
+          <p:nvPr/>
+        </p:nvSpPr>
+        <p:spPr>
+          <a:xfrm>
+            <a:off x="4349681" y="1616842"/>
+            <a:ext cx="1282203" cy="525865"/>
+          </a:xfrm>
+          <a:prstGeom prst="roundRect">
+            <a:avLst/>
+          </a:prstGeom>
+          <a:solidFill>
+            <a:schemeClr val="accent1"/>
+          </a:solidFill>
+        </p:spPr>
+        <p:style>
+          <a:lnRef idx="1">
+            <a:schemeClr val="accent4"/>
+          </a:lnRef>
+          <a:fillRef idx="2">
+            <a:schemeClr val="accent4"/>
+          </a:fillRef>
+          <a:effectRef idx="1">
+            <a:schemeClr val="accent4"/>
+          </a:effectRef>
+          <a:fontRef idx="minor">
+            <a:schemeClr val="dk1"/>
+          </a:fontRef>
+        </p:style>
+        <p:txBody>
+          <a:bodyPr rtlCol="0" anchor="ctr"/>
+          <a:lstStyle/>
+          <a:p>
+            <a:pPr algn="ctr"/>
+            <a:r>
+              <a:rPr kumimoji="1" lang="en-US" altLang="zh-CN" sz="1100" dirty="0" err="1">
+                <a:solidFill>
+                  <a:schemeClr val="lt1"/>
+                </a:solidFill>
+              </a:rPr>
+              <a:t>Instruction_Delay</a:t>
+            </a:r>
+            <a:endParaRPr kumimoji="1" lang="en-US" altLang="zh-CN" sz="1100" dirty="0">
+              <a:solidFill>
+                <a:schemeClr val="lt1"/>
+              </a:solidFill>
+            </a:endParaRPr>
+          </a:p>
+          <a:p>
+            <a:pPr algn="ctr"/>
+            <a:r>
+              <a:rPr kumimoji="1" lang="en-US" altLang="zh-CN" sz="1100" dirty="0">
+                <a:solidFill>
+                  <a:schemeClr val="lt1"/>
+                </a:solidFill>
+              </a:rPr>
+              <a:t>Register</a:t>
+            </a:r>
+            <a:endParaRPr kumimoji="1" lang="zh-CN" altLang="en-US" sz="1100" dirty="0">
+              <a:solidFill>
+                <a:schemeClr val="lt1"/>
+              </a:solidFill>
+            </a:endParaRPr>
+          </a:p>
+        </p:txBody>
+      </p:sp>
+      <p:sp>
+        <p:nvSpPr>
+          <p:cNvPr id="45" name="圆角矩形 59">
+            <a:extLst>
+              <a:ext uri="{FF2B5EF4-FFF2-40B4-BE49-F238E27FC236}">
+                <a16:creationId xmlns:a16="http://schemas.microsoft.com/office/drawing/2014/main" id="{EF7C7A67-DCCB-65F7-ECC7-70614BAEA874}"/>
+              </a:ext>
+            </a:extLst>
+          </p:cNvPr>
+          <p:cNvSpPr/>
+          <p:nvPr/>
+        </p:nvSpPr>
+        <p:spPr>
+          <a:xfrm>
+            <a:off x="642907" y="5662962"/>
+            <a:ext cx="1281662" cy="520386"/>
+          </a:xfrm>
+          <a:prstGeom prst="roundRect">
+            <a:avLst/>
+          </a:prstGeom>
+          <a:solidFill>
+            <a:schemeClr val="accent1">
+              <a:lumMod val="40000"/>
+              <a:lumOff val="60000"/>
+            </a:schemeClr>
+          </a:solidFill>
+        </p:spPr>
+        <p:style>
+          <a:lnRef idx="2">
+            <a:schemeClr val="accent1">
+              <a:shade val="15000"/>
+            </a:schemeClr>
+          </a:lnRef>
+          <a:fillRef idx="1">
+            <a:schemeClr val="accent1"/>
+          </a:fillRef>
+          <a:effectRef idx="0">
+            <a:schemeClr val="accent1"/>
+          </a:effectRef>
+          <a:fontRef idx="minor">
+            <a:schemeClr val="lt1"/>
+          </a:fontRef>
+        </p:style>
+        <p:txBody>
+          <a:bodyPr rtlCol="0" anchor="ctr"/>
+          <a:lstStyle/>
+          <a:p>
+            <a:pPr algn="ctr"/>
+            <a:r>
+              <a:rPr kumimoji="1" lang="en-US" altLang="zh-CN" sz="1600" dirty="0"/>
+              <a:t>WRITEBACK</a:t>
+            </a:r>
+            <a:endParaRPr kumimoji="1" lang="zh-CN" altLang="en-US" sz="1600" dirty="0"/>
+          </a:p>
+        </p:txBody>
+      </p:sp>
+      <p:cxnSp>
+        <p:nvCxnSpPr>
+          <p:cNvPr id="18" name="Curved Connector 17">
+            <a:extLst>
+              <a:ext uri="{FF2B5EF4-FFF2-40B4-BE49-F238E27FC236}">
+                <a16:creationId xmlns:a16="http://schemas.microsoft.com/office/drawing/2014/main" id="{BCD475D5-3EEB-858C-D2E0-C17B6CF9BD70}"/>
+              </a:ext>
+            </a:extLst>
+          </p:cNvPr>
+          <p:cNvCxnSpPr>
+            <a:cxnSpLocks/>
+            <a:stCxn id="40" idx="3"/>
+            <a:endCxn id="2" idx="0"/>
+          </p:cNvCxnSpPr>
+          <p:nvPr/>
+        </p:nvCxnSpPr>
+        <p:spPr>
+          <a:xfrm>
+            <a:off x="5631884" y="1879775"/>
+            <a:ext cx="4248763" cy="764217"/>
+          </a:xfrm>
+          <a:prstGeom prst="curvedConnector2">
+            <a:avLst/>
+          </a:prstGeom>
+          <a:ln>
+            <a:tailEnd type="triangle"/>
+          </a:ln>
+        </p:spPr>
+        <p:style>
+          <a:lnRef idx="1">
+            <a:schemeClr val="accent1"/>
+          </a:lnRef>
+          <a:fillRef idx="0">
+            <a:schemeClr val="accent1"/>
+          </a:fillRef>
+          <a:effectRef idx="0">
+            <a:schemeClr val="accent1"/>
+          </a:effectRef>
+          <a:fontRef idx="minor">
+            <a:schemeClr val="tx1"/>
+          </a:fontRef>
+        </p:style>
+      </p:cxnSp>
+      <p:cxnSp>
+        <p:nvCxnSpPr>
+          <p:cNvPr id="35" name="Curved Connector 34">
+            <a:extLst>
+              <a:ext uri="{FF2B5EF4-FFF2-40B4-BE49-F238E27FC236}">
+                <a16:creationId xmlns:a16="http://schemas.microsoft.com/office/drawing/2014/main" id="{41B4E2AC-B31E-3CE6-05C3-0BA3F1E8F503}"/>
+              </a:ext>
+            </a:extLst>
+          </p:cNvPr>
+          <p:cNvCxnSpPr>
+            <a:cxnSpLocks/>
+          </p:cNvCxnSpPr>
+          <p:nvPr/>
+        </p:nvCxnSpPr>
+        <p:spPr>
+          <a:xfrm rot="16200000" flipH="1">
+            <a:off x="7401678" y="1004920"/>
+            <a:ext cx="1854063" cy="1704892"/>
+          </a:xfrm>
+          <a:prstGeom prst="curvedConnector3">
+            <a:avLst/>
+          </a:prstGeom>
+          <a:ln>
+            <a:tailEnd type="triangle"/>
+          </a:ln>
+        </p:spPr>
+        <p:style>
+          <a:lnRef idx="1">
+            <a:schemeClr val="accent1"/>
+          </a:lnRef>
+          <a:fillRef idx="0">
+            <a:schemeClr val="accent1"/>
+          </a:fillRef>
+          <a:effectRef idx="0">
+            <a:schemeClr val="accent1"/>
+          </a:effectRef>
+          <a:fontRef idx="minor">
+            <a:schemeClr val="tx1"/>
+          </a:fontRef>
+        </p:style>
+      </p:cxnSp>
+      <p:sp>
+        <p:nvSpPr>
+          <p:cNvPr id="17" name="TextBox 16">
+            <a:extLst>
+              <a:ext uri="{FF2B5EF4-FFF2-40B4-BE49-F238E27FC236}">
+                <a16:creationId xmlns:a16="http://schemas.microsoft.com/office/drawing/2014/main" id="{7C7D82B1-F5BF-2D54-824D-55D914BAE024}"/>
+              </a:ext>
+            </a:extLst>
+          </p:cNvPr>
+          <p:cNvSpPr txBox="1"/>
+          <p:nvPr/>
+        </p:nvSpPr>
+        <p:spPr>
+          <a:xfrm>
+            <a:off x="2285096" y="5604269"/>
+            <a:ext cx="9841156" cy="923330"/>
+          </a:xfrm>
+          <a:prstGeom prst="rect">
+            <a:avLst/>
+          </a:prstGeom>
+          <a:noFill/>
+        </p:spPr>
+        <p:txBody>
+          <a:bodyPr wrap="none" rtlCol="0">
+            <a:spAutoFit/>
+          </a:bodyPr>
+          <a:lstStyle/>
+          <a:p>
+            <a:r>
+              <a:rPr lang="en-CN" dirty="0"/>
+              <a:t>现方案</a:t>
+            </a:r>
+          </a:p>
+          <a:p>
+            <a:r>
+              <a:rPr lang="en-CN" dirty="0"/>
+              <a:t>备注</a:t>
+            </a:r>
+            <a:r>
+              <a:rPr lang="zh-CN" altLang="en-US" dirty="0"/>
+              <a:t>：</a:t>
+            </a:r>
+            <a:r>
+              <a:rPr lang="en-US" altLang="zh-CN" dirty="0"/>
+              <a:t>ctrl</a:t>
+            </a:r>
+            <a:r>
+              <a:rPr lang="zh-CN" altLang="en-US" dirty="0"/>
+              <a:t>除了指挥将</a:t>
+            </a:r>
+            <a:r>
+              <a:rPr lang="en-US" altLang="zh-CN" dirty="0"/>
+              <a:t>B</a:t>
+            </a:r>
+            <a:r>
+              <a:rPr lang="zh-CN" altLang="en-US" dirty="0"/>
+              <a:t>寄存器数值写入</a:t>
+            </a:r>
+            <a:r>
+              <a:rPr lang="en-US" altLang="zh-CN" dirty="0"/>
+              <a:t>PC</a:t>
+            </a:r>
+            <a:r>
+              <a:rPr lang="zh-CN" altLang="en-US" dirty="0"/>
+              <a:t>以外，还会清空</a:t>
+            </a:r>
+            <a:r>
+              <a:rPr lang="en-US" altLang="zh-CN" dirty="0"/>
+              <a:t>Instruction</a:t>
+            </a:r>
+            <a:r>
+              <a:rPr lang="zh-CN" altLang="en-US" dirty="0"/>
+              <a:t>、</a:t>
+            </a:r>
+            <a:r>
+              <a:rPr lang="en-US" altLang="zh-CN" dirty="0"/>
+              <a:t>Cond</a:t>
+            </a:r>
+            <a:r>
+              <a:rPr lang="zh-CN" altLang="en-US" dirty="0"/>
+              <a:t>、</a:t>
+            </a:r>
+            <a:r>
+              <a:rPr lang="en-US" altLang="zh-CN" dirty="0" err="1"/>
+              <a:t>InstructionDelay</a:t>
+            </a:r>
+            <a:r>
+              <a:rPr lang="zh-CN" altLang="en-US" dirty="0"/>
+              <a:t>、</a:t>
+            </a:r>
+            <a:endParaRPr lang="en-US" altLang="zh-CN" dirty="0"/>
+          </a:p>
+          <a:p>
+            <a:r>
+              <a:rPr lang="en-US" altLang="zh-CN" dirty="0" err="1"/>
+              <a:t>WriteEnable</a:t>
+            </a:r>
+            <a:r>
+              <a:rPr lang="zh-CN" altLang="en-US" dirty="0"/>
+              <a:t>寄存器，即清空流水线。</a:t>
+            </a:r>
+            <a:endParaRPr lang="en-CN" dirty="0"/>
+          </a:p>
+        </p:txBody>
+      </p:sp>
+    </p:spTree>
+    <p:extLst>
+      <p:ext uri="{BB962C8B-B14F-4D97-AF65-F5344CB8AC3E}">
+        <p14:creationId xmlns:p14="http://schemas.microsoft.com/office/powerpoint/2010/main" val="3592926566"/>
+      </p:ext>
+    </p:extLst>
+  </p:cSld>
+  <p:clrMapOvr>
+    <a:masterClrMapping/>
+  </p:clrMapOvr>
+</p:sld>
+</file>
+
+<file path=ppt/slides/slide4.xml><?xml version="1.0" encoding="utf-8"?>
+<p:sld xmlns:a="http://schemas.openxmlformats.org/drawingml/2006/main" xmlns:r="http://schemas.openxmlformats.org/officeDocument/2006/relationships" xmlns:p="http://schemas.openxmlformats.org/presentationml/2006/main">
+  <p:cSld>
+    <p:spTree>
+      <p:nvGrpSpPr>
+        <p:cNvPr id="1" name=""/>
+        <p:cNvGrpSpPr/>
+        <p:nvPr/>
+      </p:nvGrpSpPr>
+      <p:grpSpPr>
+        <a:xfrm>
+          <a:off x="0" y="0"/>
+          <a:ext cx="0" cy="0"/>
+          <a:chOff x="0" y="0"/>
+          <a:chExt cx="0" cy="0"/>
+        </a:xfrm>
+      </p:grpSpPr>
+      <p:graphicFrame>
+        <p:nvGraphicFramePr>
+          <p:cNvPr id="2" name="Table 1">
+            <a:extLst>
+              <a:ext uri="{FF2B5EF4-FFF2-40B4-BE49-F238E27FC236}">
+                <a16:creationId xmlns:a16="http://schemas.microsoft.com/office/drawing/2014/main" id="{B032C1A4-F1B0-E5E5-7E55-6D76DFC27D2C}"/>
+              </a:ext>
+            </a:extLst>
+          </p:cNvPr>
+          <p:cNvGraphicFramePr>
+            <a:graphicFrameLocks noGrp="1"/>
+          </p:cNvGraphicFramePr>
+          <p:nvPr>
+            <p:extLst>
+              <p:ext uri="{D42A27DB-BD31-4B8C-83A1-F6EECF244321}">
+                <p14:modId xmlns:p14="http://schemas.microsoft.com/office/powerpoint/2010/main" val="3147077657"/>
+              </p:ext>
+            </p:extLst>
+          </p:nvPr>
+        </p:nvGraphicFramePr>
+        <p:xfrm>
+          <a:off x="1842812" y="630620"/>
+          <a:ext cx="3475422" cy="1478280"/>
+        </p:xfrm>
+        <a:graphic>
+          <a:graphicData uri="http://schemas.openxmlformats.org/drawingml/2006/table">
+            <a:tbl>
+              <a:tblPr firstRow="1" bandRow="1">
+                <a:tableStyleId>{5C22544A-7EE6-4342-B048-85BDC9FD1C3A}</a:tableStyleId>
+              </a:tblPr>
+              <a:tblGrid>
+                <a:gridCol w="1325906">
+                  <a:extLst>
+                    <a:ext uri="{9D8B030D-6E8A-4147-A177-3AD203B41FA5}">
+                      <a16:colId xmlns:a16="http://schemas.microsoft.com/office/drawing/2014/main" val="2459382653"/>
+                    </a:ext>
+                  </a:extLst>
+                </a:gridCol>
+                <a:gridCol w="991042">
+                  <a:extLst>
+                    <a:ext uri="{9D8B030D-6E8A-4147-A177-3AD203B41FA5}">
+                      <a16:colId xmlns:a16="http://schemas.microsoft.com/office/drawing/2014/main" val="1042919707"/>
+                    </a:ext>
+                  </a:extLst>
+                </a:gridCol>
+                <a:gridCol w="1158474">
+                  <a:extLst>
+                    <a:ext uri="{9D8B030D-6E8A-4147-A177-3AD203B41FA5}">
+                      <a16:colId xmlns:a16="http://schemas.microsoft.com/office/drawing/2014/main" val="4188676412"/>
+                    </a:ext>
+                  </a:extLst>
+                </a:gridCol>
+              </a:tblGrid>
+              <a:tr h="270699">
+                <a:tc>
+                  <a:txBody>
+                    <a:bodyPr/>
+                    <a:lstStyle/>
+                    <a:p>
+                      <a:pPr algn="ctr"/>
+                      <a:r>
+                        <a:rPr lang="en-CN" dirty="0"/>
+                        <a:t>ACTIVATE</a:t>
+                      </a:r>
+                    </a:p>
+                  </a:txBody>
+                  <a:tcPr/>
+                </a:tc>
+                <a:tc>
+                  <a:txBody>
+                    <a:bodyPr/>
+                    <a:lstStyle/>
+                    <a:p>
+                      <a:pPr algn="ctr"/>
+                      <a:r>
+                        <a:rPr lang="en-CN" dirty="0"/>
+                        <a:t>CS</a:t>
+                      </a:r>
+                    </a:p>
+                  </a:txBody>
+                  <a:tcPr/>
+                </a:tc>
+                <a:tc>
+                  <a:txBody>
+                    <a:bodyPr/>
+                    <a:lstStyle/>
+                    <a:p>
+                      <a:pPr algn="ctr"/>
+                      <a:r>
+                        <a:rPr lang="en-CN" dirty="0"/>
+                        <a:t>BTA</a:t>
+                      </a:r>
+                    </a:p>
+                  </a:txBody>
+                  <a:tcPr/>
+                </a:tc>
+                <a:extLst>
+                  <a:ext uri="{0D108BD9-81ED-4DB2-BD59-A6C34878D82A}">
+                    <a16:rowId xmlns:a16="http://schemas.microsoft.com/office/drawing/2014/main" val="2396642285"/>
+                  </a:ext>
+                </a:extLst>
+              </a:tr>
+              <a:tr h="370840">
+                <a:tc>
+                  <a:txBody>
+                    <a:bodyPr/>
+                    <a:lstStyle/>
+                    <a:p>
+                      <a:pPr algn="ctr"/>
+                      <a:r>
+                        <a:rPr lang="en-US" altLang="zh-CN" dirty="0"/>
+                        <a:t>0</a:t>
+                      </a:r>
+                      <a:endParaRPr lang="en-CN" dirty="0"/>
+                    </a:p>
+                  </a:txBody>
+                  <a:tcPr/>
+                </a:tc>
+                <a:tc>
+                  <a:txBody>
+                    <a:bodyPr/>
+                    <a:lstStyle/>
+                    <a:p>
+                      <a:pPr algn="ctr"/>
+                      <a:r>
+                        <a:rPr lang="en-US" altLang="zh-CN" dirty="0"/>
+                        <a:t>11</a:t>
+                      </a:r>
+                      <a:endParaRPr lang="en-CN" dirty="0"/>
+                    </a:p>
+                  </a:txBody>
+                  <a:tcPr/>
+                </a:tc>
+                <a:tc>
+                  <a:txBody>
+                    <a:bodyPr/>
+                    <a:lstStyle/>
+                    <a:p>
+                      <a:pPr algn="ctr"/>
+                      <a:r>
+                        <a:rPr lang="en-US" altLang="zh-CN" dirty="0"/>
+                        <a:t>00000000</a:t>
+                      </a:r>
+                      <a:endParaRPr lang="en-CN" dirty="0"/>
+                    </a:p>
+                  </a:txBody>
+                  <a:tcPr/>
+                </a:tc>
+                <a:extLst>
+                  <a:ext uri="{0D108BD9-81ED-4DB2-BD59-A6C34878D82A}">
+                    <a16:rowId xmlns:a16="http://schemas.microsoft.com/office/drawing/2014/main" val="751872452"/>
+                  </a:ext>
+                </a:extLst>
+              </a:tr>
+              <a:tr h="370840">
+                <a:tc>
+                  <a:txBody>
+                    <a:bodyPr/>
+                    <a:lstStyle/>
+                    <a:p>
+                      <a:pPr algn="ctr"/>
+                      <a:r>
+                        <a:rPr lang="en-US" altLang="zh-CN" dirty="0"/>
+                        <a:t>1</a:t>
+                      </a:r>
+                      <a:endParaRPr lang="en-CN" dirty="0"/>
+                    </a:p>
+                  </a:txBody>
+                  <a:tcPr/>
+                </a:tc>
+                <a:tc>
+                  <a:txBody>
+                    <a:bodyPr/>
+                    <a:lstStyle/>
+                    <a:p>
+                      <a:pPr algn="ctr"/>
+                      <a:r>
+                        <a:rPr lang="en-US" altLang="zh-CN" dirty="0"/>
+                        <a:t>01</a:t>
+                      </a:r>
+                      <a:endParaRPr lang="en-CN" dirty="0"/>
+                    </a:p>
+                  </a:txBody>
+                  <a:tcPr/>
+                </a:tc>
+                <a:tc>
+                  <a:txBody>
+                    <a:bodyPr/>
+                    <a:lstStyle/>
+                    <a:p>
+                      <a:pPr algn="ctr"/>
+                      <a:r>
+                        <a:rPr lang="en-US" altLang="zh-CN" dirty="0"/>
+                        <a:t>01010011</a:t>
+                      </a:r>
+                      <a:endParaRPr lang="en-CN" dirty="0"/>
+                    </a:p>
+                  </a:txBody>
+                  <a:tcPr/>
+                </a:tc>
+                <a:extLst>
+                  <a:ext uri="{0D108BD9-81ED-4DB2-BD59-A6C34878D82A}">
+                    <a16:rowId xmlns:a16="http://schemas.microsoft.com/office/drawing/2014/main" val="3503078896"/>
+                  </a:ext>
+                </a:extLst>
+              </a:tr>
+              <a:tr h="370840">
+                <a:tc>
+                  <a:txBody>
+                    <a:bodyPr/>
+                    <a:lstStyle/>
+                    <a:p>
+                      <a:endParaRPr lang="en-CN"/>
+                    </a:p>
+                  </a:txBody>
+                  <a:tcPr/>
+                </a:tc>
+                <a:tc>
+                  <a:txBody>
+                    <a:bodyPr/>
+                    <a:lstStyle/>
+                    <a:p>
+                      <a:endParaRPr lang="en-CN"/>
+                    </a:p>
+                  </a:txBody>
+                  <a:tcPr/>
+                </a:tc>
+                <a:tc>
+                  <a:txBody>
+                    <a:bodyPr/>
+                    <a:lstStyle/>
+                    <a:p>
+                      <a:endParaRPr lang="en-CN" dirty="0"/>
+                    </a:p>
+                  </a:txBody>
+                  <a:tcPr/>
+                </a:tc>
+                <a:extLst>
+                  <a:ext uri="{0D108BD9-81ED-4DB2-BD59-A6C34878D82A}">
+                    <a16:rowId xmlns:a16="http://schemas.microsoft.com/office/drawing/2014/main" val="1586949569"/>
+                  </a:ext>
+                </a:extLst>
+              </a:tr>
+            </a:tbl>
+          </a:graphicData>
+        </a:graphic>
+      </p:graphicFrame>
+      <p:sp>
+        <p:nvSpPr>
+          <p:cNvPr id="3" name="TextBox 2">
+            <a:extLst>
+              <a:ext uri="{FF2B5EF4-FFF2-40B4-BE49-F238E27FC236}">
+                <a16:creationId xmlns:a16="http://schemas.microsoft.com/office/drawing/2014/main" id="{F3D3F098-6A62-1F52-90D7-A835F50D058B}"/>
+              </a:ext>
+            </a:extLst>
+          </p:cNvPr>
+          <p:cNvSpPr txBox="1"/>
+          <p:nvPr/>
+        </p:nvSpPr>
+        <p:spPr>
+          <a:xfrm>
+            <a:off x="2617387" y="261288"/>
+            <a:ext cx="1747594" cy="369332"/>
+          </a:xfrm>
+          <a:prstGeom prst="rect">
+            <a:avLst/>
+          </a:prstGeom>
+          <a:noFill/>
+        </p:spPr>
+        <p:txBody>
+          <a:bodyPr wrap="none" rtlCol="0">
+            <a:spAutoFit/>
+          </a:bodyPr>
+          <a:lstStyle/>
+          <a:p>
+            <a:r>
+              <a:rPr lang="en-CN" dirty="0"/>
+              <a:t>分支历史表BHT</a:t>
+            </a:r>
+          </a:p>
+        </p:txBody>
+      </p:sp>
+      <p:sp>
+        <p:nvSpPr>
+          <p:cNvPr id="4" name="TextBox 3">
+            <a:extLst>
+              <a:ext uri="{FF2B5EF4-FFF2-40B4-BE49-F238E27FC236}">
+                <a16:creationId xmlns:a16="http://schemas.microsoft.com/office/drawing/2014/main" id="{DA72BEDF-530B-F66F-1F57-BEA9836C920D}"/>
+              </a:ext>
+            </a:extLst>
+          </p:cNvPr>
+          <p:cNvSpPr txBox="1"/>
+          <p:nvPr/>
+        </p:nvSpPr>
+        <p:spPr>
+          <a:xfrm>
+            <a:off x="248427" y="630620"/>
+            <a:ext cx="1779654" cy="369332"/>
+          </a:xfrm>
+          <a:prstGeom prst="rect">
+            <a:avLst/>
+          </a:prstGeom>
+          <a:noFill/>
+        </p:spPr>
+        <p:txBody>
+          <a:bodyPr wrap="none" rtlCol="0">
+            <a:spAutoFit/>
+          </a:bodyPr>
+          <a:lstStyle/>
+          <a:p>
+            <a:r>
+              <a:rPr lang="en-CN" dirty="0"/>
+              <a:t>BIA</a:t>
+            </a:r>
+            <a:r>
+              <a:rPr lang="zh-CN" altLang="en-US" dirty="0"/>
+              <a:t>（</a:t>
+            </a:r>
+            <a:r>
+              <a:rPr lang="en-US" altLang="zh-CN" dirty="0"/>
+              <a:t>Address</a:t>
+            </a:r>
+            <a:r>
+              <a:rPr lang="zh-CN" altLang="en-US" dirty="0"/>
+              <a:t>）</a:t>
+            </a:r>
+            <a:endParaRPr lang="en-US" altLang="zh-CN" dirty="0"/>
+          </a:p>
+        </p:txBody>
+      </p:sp>
+      <p:sp>
+        <p:nvSpPr>
+          <p:cNvPr id="5" name="TextBox 4">
+            <a:extLst>
+              <a:ext uri="{FF2B5EF4-FFF2-40B4-BE49-F238E27FC236}">
+                <a16:creationId xmlns:a16="http://schemas.microsoft.com/office/drawing/2014/main" id="{4074D1EE-6E90-9692-39CB-4054EF567AAF}"/>
+              </a:ext>
+            </a:extLst>
+          </p:cNvPr>
+          <p:cNvSpPr txBox="1"/>
+          <p:nvPr/>
+        </p:nvSpPr>
+        <p:spPr>
+          <a:xfrm>
+            <a:off x="7830207" y="445954"/>
+            <a:ext cx="4280339" cy="3139321"/>
+          </a:xfrm>
+          <a:prstGeom prst="rect">
+            <a:avLst/>
+          </a:prstGeom>
+          <a:noFill/>
+        </p:spPr>
+        <p:txBody>
+          <a:bodyPr wrap="none" rtlCol="0">
+            <a:spAutoFit/>
+          </a:bodyPr>
+          <a:lstStyle/>
+          <a:p>
+            <a:r>
+              <a:rPr lang="en-CN" dirty="0"/>
+              <a:t>BIA</a:t>
+            </a:r>
+            <a:r>
+              <a:rPr lang="zh-CN" altLang="en-US" dirty="0"/>
+              <a:t>：分支指令地址</a:t>
+            </a:r>
+            <a:endParaRPr lang="en-US" altLang="zh-CN" dirty="0"/>
+          </a:p>
+          <a:p>
+            <a:r>
+              <a:rPr lang="en-US" altLang="zh-CN" dirty="0"/>
+              <a:t>BTA</a:t>
+            </a:r>
+            <a:r>
+              <a:rPr lang="zh-CN" altLang="en-US" dirty="0"/>
+              <a:t>：分支目标地址</a:t>
+            </a:r>
+            <a:endParaRPr lang="en-US" altLang="zh-CN" dirty="0"/>
+          </a:p>
+          <a:p>
+            <a:r>
+              <a:rPr lang="en-US" altLang="zh-CN" dirty="0"/>
+              <a:t>CS</a:t>
+            </a:r>
+            <a:r>
+              <a:rPr lang="zh-CN" altLang="en-US" dirty="0"/>
+              <a:t>：</a:t>
+            </a:r>
+            <a:r>
+              <a:rPr lang="en-US" altLang="zh-CN" dirty="0"/>
+              <a:t>2</a:t>
+            </a:r>
+            <a:r>
+              <a:rPr lang="zh-CN" altLang="en-US" dirty="0"/>
+              <a:t>位预测当前状态</a:t>
+            </a:r>
+            <a:endParaRPr lang="en-US" altLang="zh-CN" dirty="0"/>
+          </a:p>
+          <a:p>
+            <a:r>
+              <a:rPr lang="en-US" altLang="zh-CN" dirty="0"/>
+              <a:t>ACTIVATE</a:t>
+            </a:r>
+            <a:r>
+              <a:rPr lang="zh-CN" altLang="en-US" dirty="0"/>
+              <a:t>：该</a:t>
+            </a:r>
+            <a:r>
+              <a:rPr lang="en-US" altLang="zh-CN" dirty="0"/>
+              <a:t>BIA</a:t>
+            </a:r>
+            <a:r>
+              <a:rPr lang="zh-CN" altLang="en-US" dirty="0"/>
+              <a:t>是否被激活为分支指令</a:t>
+            </a:r>
+            <a:endParaRPr lang="en-US" altLang="zh-CN" dirty="0"/>
+          </a:p>
+          <a:p>
+            <a:endParaRPr lang="en-US" altLang="zh-CN" dirty="0"/>
+          </a:p>
+          <a:p>
+            <a:r>
+              <a:rPr lang="en-US" altLang="zh-CN" dirty="0"/>
+              <a:t>BIA</a:t>
+            </a:r>
+            <a:r>
+              <a:rPr lang="zh-CN" altLang="en-US" dirty="0"/>
+              <a:t>与分支历史表地址绑定，</a:t>
+            </a:r>
+            <a:endParaRPr lang="en-US" altLang="zh-CN" dirty="0"/>
+          </a:p>
+          <a:p>
+            <a:r>
+              <a:rPr lang="en-US" altLang="zh-CN" dirty="0"/>
+              <a:t>Activate</a:t>
+            </a:r>
+            <a:r>
+              <a:rPr lang="zh-CN" altLang="en-US" dirty="0"/>
+              <a:t>说明该地址是否是分支指令，</a:t>
+            </a:r>
+            <a:endParaRPr lang="en-US" altLang="zh-CN" dirty="0"/>
+          </a:p>
+          <a:p>
+            <a:r>
+              <a:rPr lang="en-US" altLang="zh-CN" dirty="0"/>
+              <a:t>CS</a:t>
+            </a:r>
+            <a:r>
+              <a:rPr lang="zh-CN" altLang="en-US" dirty="0"/>
+              <a:t>由如下图的</a:t>
+            </a:r>
+            <a:r>
+              <a:rPr lang="en-US" altLang="zh-CN" dirty="0"/>
+              <a:t>FSM</a:t>
+            </a:r>
+            <a:r>
+              <a:rPr lang="zh-CN" altLang="en-CN" dirty="0"/>
+              <a:t>状态机</a:t>
+            </a:r>
+            <a:r>
+              <a:rPr lang="zh-CN" altLang="en-US" dirty="0"/>
+              <a:t>控制，当其</a:t>
+            </a:r>
+            <a:endParaRPr lang="en-US" altLang="zh-CN" dirty="0"/>
+          </a:p>
+          <a:p>
+            <a:r>
+              <a:rPr lang="zh-CN" altLang="en-US" dirty="0"/>
+              <a:t>高位为</a:t>
+            </a:r>
+            <a:r>
+              <a:rPr lang="en-US" altLang="zh-CN" dirty="0"/>
+              <a:t>1</a:t>
+            </a:r>
+            <a:r>
+              <a:rPr lang="zh-CN" altLang="en-US" dirty="0"/>
+              <a:t>时执行跳转，跳转的目标是</a:t>
+            </a:r>
+            <a:endParaRPr lang="en-US" altLang="zh-CN" dirty="0"/>
+          </a:p>
+          <a:p>
+            <a:r>
+              <a:rPr lang="en-US" altLang="zh-CN" dirty="0"/>
+              <a:t>BTA</a:t>
+            </a:r>
+            <a:r>
+              <a:rPr lang="zh-CN" altLang="en-US" dirty="0"/>
+              <a:t>。</a:t>
+            </a:r>
+            <a:endParaRPr lang="en-US" altLang="zh-CN" dirty="0"/>
+          </a:p>
+          <a:p>
+            <a:endParaRPr lang="en-CN" dirty="0"/>
+          </a:p>
+        </p:txBody>
+      </p:sp>
+      <p:pic>
+        <p:nvPicPr>
+          <p:cNvPr id="6" name="Picture 5">
+            <a:extLst>
+              <a:ext uri="{FF2B5EF4-FFF2-40B4-BE49-F238E27FC236}">
+                <a16:creationId xmlns:a16="http://schemas.microsoft.com/office/drawing/2014/main" id="{1BA935AF-9058-EDE9-30EF-EDD1DAE0C882}"/>
+              </a:ext>
+            </a:extLst>
+          </p:cNvPr>
+          <p:cNvPicPr>
+            <a:picLocks noChangeAspect="1"/>
+          </p:cNvPicPr>
+          <p:nvPr/>
+        </p:nvPicPr>
+        <p:blipFill>
+          <a:blip r:embed="rId2"/>
+          <a:stretch>
+            <a:fillRect/>
+          </a:stretch>
+        </p:blipFill>
+        <p:spPr>
+          <a:xfrm>
+            <a:off x="2028081" y="2650301"/>
+            <a:ext cx="2771783" cy="3788104"/>
+          </a:xfrm>
+          <a:prstGeom prst="rect">
+            <a:avLst/>
+          </a:prstGeom>
+        </p:spPr>
+      </p:pic>
+      <p:sp>
+        <p:nvSpPr>
+          <p:cNvPr id="7" name="TextBox 6">
+            <a:extLst>
+              <a:ext uri="{FF2B5EF4-FFF2-40B4-BE49-F238E27FC236}">
+                <a16:creationId xmlns:a16="http://schemas.microsoft.com/office/drawing/2014/main" id="{70BEF648-18B5-AD39-B95A-FDF6303DE780}"/>
+              </a:ext>
+            </a:extLst>
+          </p:cNvPr>
+          <p:cNvSpPr txBox="1"/>
+          <p:nvPr/>
+        </p:nvSpPr>
+        <p:spPr>
+          <a:xfrm>
+            <a:off x="2276477" y="3670738"/>
+            <a:ext cx="428322" cy="369332"/>
+          </a:xfrm>
+          <a:prstGeom prst="rect">
+            <a:avLst/>
+          </a:prstGeom>
+          <a:noFill/>
+        </p:spPr>
+        <p:txBody>
+          <a:bodyPr wrap="none" rtlCol="0">
+            <a:spAutoFit/>
+          </a:bodyPr>
+          <a:lstStyle/>
+          <a:p>
+            <a:r>
+              <a:rPr lang="en-US" altLang="zh-CN" dirty="0"/>
+              <a:t>11</a:t>
+            </a:r>
+            <a:endParaRPr lang="en-CN" dirty="0"/>
+          </a:p>
+        </p:txBody>
+      </p:sp>
+      <p:sp>
+        <p:nvSpPr>
+          <p:cNvPr id="8" name="TextBox 7">
+            <a:extLst>
+              <a:ext uri="{FF2B5EF4-FFF2-40B4-BE49-F238E27FC236}">
+                <a16:creationId xmlns:a16="http://schemas.microsoft.com/office/drawing/2014/main" id="{970D93C3-1216-1E47-1452-5E49234C0EE0}"/>
+              </a:ext>
+            </a:extLst>
+          </p:cNvPr>
+          <p:cNvSpPr txBox="1"/>
+          <p:nvPr/>
+        </p:nvSpPr>
+        <p:spPr>
+          <a:xfrm>
+            <a:off x="4596065" y="3670738"/>
+            <a:ext cx="428322" cy="369332"/>
+          </a:xfrm>
+          <a:prstGeom prst="rect">
+            <a:avLst/>
+          </a:prstGeom>
+          <a:noFill/>
+        </p:spPr>
+        <p:txBody>
+          <a:bodyPr wrap="none" rtlCol="0">
+            <a:spAutoFit/>
+          </a:bodyPr>
+          <a:lstStyle/>
+          <a:p>
+            <a:r>
+              <a:rPr lang="en-US" altLang="zh-CN" dirty="0"/>
+              <a:t>10</a:t>
+            </a:r>
+            <a:endParaRPr lang="en-CN" dirty="0"/>
+          </a:p>
+        </p:txBody>
+      </p:sp>
+      <p:sp>
+        <p:nvSpPr>
+          <p:cNvPr id="9" name="TextBox 8">
+            <a:extLst>
+              <a:ext uri="{FF2B5EF4-FFF2-40B4-BE49-F238E27FC236}">
+                <a16:creationId xmlns:a16="http://schemas.microsoft.com/office/drawing/2014/main" id="{67ED9B6F-850A-0766-095E-2088D60257AA}"/>
+              </a:ext>
+            </a:extLst>
+          </p:cNvPr>
+          <p:cNvSpPr txBox="1"/>
+          <p:nvPr/>
+        </p:nvSpPr>
+        <p:spPr>
+          <a:xfrm>
+            <a:off x="2276477" y="5481092"/>
+            <a:ext cx="428322" cy="369332"/>
+          </a:xfrm>
+          <a:prstGeom prst="rect">
+            <a:avLst/>
+          </a:prstGeom>
+          <a:noFill/>
+        </p:spPr>
+        <p:txBody>
+          <a:bodyPr wrap="none" rtlCol="0">
+            <a:spAutoFit/>
+          </a:bodyPr>
+          <a:lstStyle/>
+          <a:p>
+            <a:r>
+              <a:rPr lang="en-US" altLang="zh-CN" dirty="0"/>
+              <a:t>01</a:t>
+            </a:r>
+            <a:endParaRPr lang="en-CN" dirty="0"/>
+          </a:p>
+        </p:txBody>
+      </p:sp>
+      <p:sp>
+        <p:nvSpPr>
+          <p:cNvPr id="10" name="TextBox 9">
+            <a:extLst>
+              <a:ext uri="{FF2B5EF4-FFF2-40B4-BE49-F238E27FC236}">
+                <a16:creationId xmlns:a16="http://schemas.microsoft.com/office/drawing/2014/main" id="{D12446DD-4DA9-FCD2-3C6F-A5DADA243247}"/>
+              </a:ext>
+            </a:extLst>
+          </p:cNvPr>
+          <p:cNvSpPr txBox="1"/>
+          <p:nvPr/>
+        </p:nvSpPr>
+        <p:spPr>
+          <a:xfrm>
+            <a:off x="4683301" y="4994872"/>
+            <a:ext cx="428322" cy="369332"/>
+          </a:xfrm>
+          <a:prstGeom prst="rect">
+            <a:avLst/>
+          </a:prstGeom>
+          <a:noFill/>
+        </p:spPr>
+        <p:txBody>
+          <a:bodyPr wrap="none" rtlCol="0">
+            <a:spAutoFit/>
+          </a:bodyPr>
+          <a:lstStyle/>
+          <a:p>
+            <a:r>
+              <a:rPr lang="en-US" altLang="zh-CN" dirty="0"/>
+              <a:t>00</a:t>
+            </a:r>
+            <a:endParaRPr lang="en-CN" dirty="0"/>
+          </a:p>
+        </p:txBody>
+      </p:sp>
+      <p:sp>
+        <p:nvSpPr>
+          <p:cNvPr id="12" name="TextBox 11">
+            <a:extLst>
+              <a:ext uri="{FF2B5EF4-FFF2-40B4-BE49-F238E27FC236}">
+                <a16:creationId xmlns:a16="http://schemas.microsoft.com/office/drawing/2014/main" id="{B6418748-E119-E641-D0C1-8E8760B6F12E}"/>
+              </a:ext>
+            </a:extLst>
+          </p:cNvPr>
+          <p:cNvSpPr txBox="1"/>
+          <p:nvPr/>
+        </p:nvSpPr>
+        <p:spPr>
+          <a:xfrm>
+            <a:off x="558608" y="999952"/>
+            <a:ext cx="1159292" cy="646331"/>
+          </a:xfrm>
+          <a:prstGeom prst="rect">
+            <a:avLst/>
+          </a:prstGeom>
+          <a:noFill/>
+        </p:spPr>
+        <p:txBody>
+          <a:bodyPr wrap="none" rtlCol="0">
+            <a:spAutoFit/>
+          </a:bodyPr>
+          <a:lstStyle/>
+          <a:p>
+            <a:r>
+              <a:rPr lang="en-US" altLang="zh-CN" dirty="0"/>
+              <a:t>00000000</a:t>
+            </a:r>
+          </a:p>
+          <a:p>
+            <a:endParaRPr lang="en-CN" dirty="0"/>
+          </a:p>
+        </p:txBody>
+      </p:sp>
+      <p:sp>
+        <p:nvSpPr>
+          <p:cNvPr id="13" name="TextBox 12">
+            <a:extLst>
+              <a:ext uri="{FF2B5EF4-FFF2-40B4-BE49-F238E27FC236}">
+                <a16:creationId xmlns:a16="http://schemas.microsoft.com/office/drawing/2014/main" id="{E9642F65-A205-F0E1-A699-12DC8BD942FE}"/>
+              </a:ext>
+            </a:extLst>
+          </p:cNvPr>
+          <p:cNvSpPr txBox="1"/>
+          <p:nvPr/>
+        </p:nvSpPr>
+        <p:spPr>
+          <a:xfrm>
+            <a:off x="558608" y="1369284"/>
+            <a:ext cx="1159292" cy="646331"/>
+          </a:xfrm>
+          <a:prstGeom prst="rect">
+            <a:avLst/>
+          </a:prstGeom>
+          <a:noFill/>
+        </p:spPr>
+        <p:txBody>
+          <a:bodyPr wrap="none" rtlCol="0">
+            <a:spAutoFit/>
+          </a:bodyPr>
+          <a:lstStyle/>
+          <a:p>
+            <a:r>
+              <a:rPr lang="en-US" altLang="zh-CN" dirty="0"/>
+              <a:t>00000001</a:t>
+            </a:r>
+            <a:endParaRPr lang="en-CN" dirty="0"/>
+          </a:p>
+          <a:p>
+            <a:endParaRPr lang="en-CN" dirty="0"/>
+          </a:p>
+        </p:txBody>
+      </p:sp>
+      <p:sp>
+        <p:nvSpPr>
+          <p:cNvPr id="14" name="TextBox 13">
+            <a:extLst>
+              <a:ext uri="{FF2B5EF4-FFF2-40B4-BE49-F238E27FC236}">
+                <a16:creationId xmlns:a16="http://schemas.microsoft.com/office/drawing/2014/main" id="{7A306144-872A-0670-94CD-9E14FA9F7015}"/>
+              </a:ext>
+            </a:extLst>
+          </p:cNvPr>
+          <p:cNvSpPr txBox="1"/>
+          <p:nvPr/>
+        </p:nvSpPr>
+        <p:spPr>
+          <a:xfrm>
+            <a:off x="884017" y="1739568"/>
+            <a:ext cx="508473" cy="369332"/>
+          </a:xfrm>
+          <a:prstGeom prst="rect">
+            <a:avLst/>
+          </a:prstGeom>
+          <a:noFill/>
+        </p:spPr>
+        <p:txBody>
+          <a:bodyPr wrap="none" rtlCol="0">
+            <a:spAutoFit/>
+          </a:bodyPr>
+          <a:lstStyle/>
+          <a:p>
+            <a:r>
+              <a:rPr lang="en-US" dirty="0"/>
+              <a:t>……</a:t>
+            </a:r>
+            <a:endParaRPr lang="en-CN" dirty="0"/>
+          </a:p>
+        </p:txBody>
+      </p:sp>
+    </p:spTree>
+    <p:extLst>
+      <p:ext uri="{BB962C8B-B14F-4D97-AF65-F5344CB8AC3E}">
+        <p14:creationId xmlns:p14="http://schemas.microsoft.com/office/powerpoint/2010/main" val="2004947384"/>
       </p:ext>
     </p:extLst>
   </p:cSld>

--- a/8bit_design/CPU.pptx
+++ b/8bit_design/CPU.pptx
@@ -8,7 +8,8 @@
     <p:sldId id="256" r:id="rId2"/>
     <p:sldId id="257" r:id="rId3"/>
     <p:sldId id="258" r:id="rId4"/>
-    <p:sldId id="260" r:id="rId5"/>
+    <p:sldId id="261" r:id="rId5"/>
+    <p:sldId id="260" r:id="rId6"/>
   </p:sldIdLst>
   <p:sldSz cx="12192000" cy="6858000"/>
   <p:notesSz cx="6858000" cy="9144000"/>
@@ -262,7 +263,7 @@
           <a:p>
             <a:fld id="{3DA55360-DDDC-4346-A6FA-426842ECECBE}" type="datetimeFigureOut">
               <a:rPr kumimoji="1" lang="zh-CN" altLang="en-US" smtClean="0"/>
-              <a:t>2024/2/3</a:t>
+              <a:t>2024/2/7</a:t>
             </a:fld>
             <a:endParaRPr kumimoji="1" lang="zh-CN" altLang="en-US"/>
           </a:p>
@@ -460,7 +461,7 @@
           <a:p>
             <a:fld id="{3DA55360-DDDC-4346-A6FA-426842ECECBE}" type="datetimeFigureOut">
               <a:rPr kumimoji="1" lang="zh-CN" altLang="en-US" smtClean="0"/>
-              <a:t>2024/2/3</a:t>
+              <a:t>2024/2/7</a:t>
             </a:fld>
             <a:endParaRPr kumimoji="1" lang="zh-CN" altLang="en-US"/>
           </a:p>
@@ -668,7 +669,7 @@
           <a:p>
             <a:fld id="{3DA55360-DDDC-4346-A6FA-426842ECECBE}" type="datetimeFigureOut">
               <a:rPr kumimoji="1" lang="zh-CN" altLang="en-US" smtClean="0"/>
-              <a:t>2024/2/3</a:t>
+              <a:t>2024/2/7</a:t>
             </a:fld>
             <a:endParaRPr kumimoji="1" lang="zh-CN" altLang="en-US"/>
           </a:p>
@@ -866,7 +867,7 @@
           <a:p>
             <a:fld id="{3DA55360-DDDC-4346-A6FA-426842ECECBE}" type="datetimeFigureOut">
               <a:rPr kumimoji="1" lang="zh-CN" altLang="en-US" smtClean="0"/>
-              <a:t>2024/2/3</a:t>
+              <a:t>2024/2/7</a:t>
             </a:fld>
             <a:endParaRPr kumimoji="1" lang="zh-CN" altLang="en-US"/>
           </a:p>
@@ -1141,7 +1142,7 @@
           <a:p>
             <a:fld id="{3DA55360-DDDC-4346-A6FA-426842ECECBE}" type="datetimeFigureOut">
               <a:rPr kumimoji="1" lang="zh-CN" altLang="en-US" smtClean="0"/>
-              <a:t>2024/2/3</a:t>
+              <a:t>2024/2/7</a:t>
             </a:fld>
             <a:endParaRPr kumimoji="1" lang="zh-CN" altLang="en-US"/>
           </a:p>
@@ -1406,7 +1407,7 @@
           <a:p>
             <a:fld id="{3DA55360-DDDC-4346-A6FA-426842ECECBE}" type="datetimeFigureOut">
               <a:rPr kumimoji="1" lang="zh-CN" altLang="en-US" smtClean="0"/>
-              <a:t>2024/2/3</a:t>
+              <a:t>2024/2/7</a:t>
             </a:fld>
             <a:endParaRPr kumimoji="1" lang="zh-CN" altLang="en-US"/>
           </a:p>
@@ -1818,7 +1819,7 @@
           <a:p>
             <a:fld id="{3DA55360-DDDC-4346-A6FA-426842ECECBE}" type="datetimeFigureOut">
               <a:rPr kumimoji="1" lang="zh-CN" altLang="en-US" smtClean="0"/>
-              <a:t>2024/2/3</a:t>
+              <a:t>2024/2/7</a:t>
             </a:fld>
             <a:endParaRPr kumimoji="1" lang="zh-CN" altLang="en-US"/>
           </a:p>
@@ -1959,7 +1960,7 @@
           <a:p>
             <a:fld id="{3DA55360-DDDC-4346-A6FA-426842ECECBE}" type="datetimeFigureOut">
               <a:rPr kumimoji="1" lang="zh-CN" altLang="en-US" smtClean="0"/>
-              <a:t>2024/2/3</a:t>
+              <a:t>2024/2/7</a:t>
             </a:fld>
             <a:endParaRPr kumimoji="1" lang="zh-CN" altLang="en-US"/>
           </a:p>
@@ -2072,7 +2073,7 @@
           <a:p>
             <a:fld id="{3DA55360-DDDC-4346-A6FA-426842ECECBE}" type="datetimeFigureOut">
               <a:rPr kumimoji="1" lang="zh-CN" altLang="en-US" smtClean="0"/>
-              <a:t>2024/2/3</a:t>
+              <a:t>2024/2/7</a:t>
             </a:fld>
             <a:endParaRPr kumimoji="1" lang="zh-CN" altLang="en-US"/>
           </a:p>
@@ -2383,7 +2384,7 @@
           <a:p>
             <a:fld id="{3DA55360-DDDC-4346-A6FA-426842ECECBE}" type="datetimeFigureOut">
               <a:rPr kumimoji="1" lang="zh-CN" altLang="en-US" smtClean="0"/>
-              <a:t>2024/2/3</a:t>
+              <a:t>2024/2/7</a:t>
             </a:fld>
             <a:endParaRPr kumimoji="1" lang="zh-CN" altLang="en-US"/>
           </a:p>
@@ -2671,7 +2672,7 @@
           <a:p>
             <a:fld id="{3DA55360-DDDC-4346-A6FA-426842ECECBE}" type="datetimeFigureOut">
               <a:rPr kumimoji="1" lang="zh-CN" altLang="en-US" smtClean="0"/>
-              <a:t>2024/2/3</a:t>
+              <a:t>2024/2/7</a:t>
             </a:fld>
             <a:endParaRPr kumimoji="1" lang="zh-CN" altLang="en-US"/>
           </a:p>
@@ -2912,7 +2913,7 @@
           <a:p>
             <a:fld id="{3DA55360-DDDC-4346-A6FA-426842ECECBE}" type="datetimeFigureOut">
               <a:rPr kumimoji="1" lang="zh-CN" altLang="en-US" smtClean="0"/>
-              <a:t>2024/2/3</a:t>
+              <a:t>2024/2/7</a:t>
             </a:fld>
             <a:endParaRPr kumimoji="1" lang="zh-CN" altLang="en-US"/>
           </a:p>
@@ -8289,8 +8290,8 @@
         </p:nvSpPr>
         <p:spPr>
           <a:xfrm>
-            <a:off x="5912828" y="1976385"/>
-            <a:ext cx="1110500" cy="506211"/>
+            <a:off x="5912827" y="1976385"/>
+            <a:ext cx="1139479" cy="506211"/>
           </a:xfrm>
           <a:prstGeom prst="roundRect">
             <a:avLst/>
@@ -8338,7 +8339,7 @@
         <p:spPr>
           <a:xfrm>
             <a:off x="5912828" y="2663682"/>
-            <a:ext cx="1110500" cy="506211"/>
+            <a:ext cx="1159598" cy="506211"/>
           </a:xfrm>
           <a:prstGeom prst="roundRect">
             <a:avLst/>
@@ -10648,6 +10649,3152 @@
 </file>
 
 <file path=ppt/slides/slide4.xml><?xml version="1.0" encoding="utf-8"?>
+<p:sld xmlns:a="http://schemas.openxmlformats.org/drawingml/2006/main" xmlns:r="http://schemas.openxmlformats.org/officeDocument/2006/relationships" xmlns:p="http://schemas.openxmlformats.org/presentationml/2006/main">
+  <p:cSld>
+    <p:spTree>
+      <p:nvGrpSpPr>
+        <p:cNvPr id="1" name=""/>
+        <p:cNvGrpSpPr/>
+        <p:nvPr/>
+      </p:nvGrpSpPr>
+      <p:grpSpPr>
+        <a:xfrm>
+          <a:off x="0" y="0"/>
+          <a:ext cx="0" cy="0"/>
+          <a:chOff x="0" y="0"/>
+          <a:chExt cx="0" cy="0"/>
+        </a:xfrm>
+      </p:grpSpPr>
+      <p:sp>
+        <p:nvSpPr>
+          <p:cNvPr id="34" name="Rounded Rectangle 33">
+            <a:extLst>
+              <a:ext uri="{FF2B5EF4-FFF2-40B4-BE49-F238E27FC236}">
+                <a16:creationId xmlns:a16="http://schemas.microsoft.com/office/drawing/2014/main" id="{CA6FD574-F37C-C89F-F30B-73D4A2174EA5}"/>
+              </a:ext>
+            </a:extLst>
+          </p:cNvPr>
+          <p:cNvSpPr/>
+          <p:nvPr/>
+        </p:nvSpPr>
+        <p:spPr>
+          <a:xfrm>
+            <a:off x="8924822" y="1301185"/>
+            <a:ext cx="2729406" cy="2973103"/>
+          </a:xfrm>
+          <a:prstGeom prst="roundRect">
+            <a:avLst/>
+          </a:prstGeom>
+          <a:noFill/>
+          <a:ln>
+            <a:solidFill>
+              <a:schemeClr val="tx1"/>
+            </a:solidFill>
+          </a:ln>
+        </p:spPr>
+        <p:style>
+          <a:lnRef idx="2">
+            <a:schemeClr val="accent1">
+              <a:shade val="15000"/>
+            </a:schemeClr>
+          </a:lnRef>
+          <a:fillRef idx="1">
+            <a:schemeClr val="accent1"/>
+          </a:fillRef>
+          <a:effectRef idx="0">
+            <a:schemeClr val="accent1"/>
+          </a:effectRef>
+          <a:fontRef idx="minor">
+            <a:schemeClr val="lt1"/>
+          </a:fontRef>
+        </p:style>
+        <p:txBody>
+          <a:bodyPr rtlCol="0" anchor="ctr"/>
+          <a:lstStyle/>
+          <a:p>
+            <a:pPr algn="ctr"/>
+            <a:endParaRPr lang="en-CN"/>
+          </a:p>
+        </p:txBody>
+      </p:sp>
+      <p:sp>
+        <p:nvSpPr>
+          <p:cNvPr id="30" name="Rounded Rectangle 29">
+            <a:extLst>
+              <a:ext uri="{FF2B5EF4-FFF2-40B4-BE49-F238E27FC236}">
+                <a16:creationId xmlns:a16="http://schemas.microsoft.com/office/drawing/2014/main" id="{F39BB848-F505-6DB0-4C7C-3FEFECF3C8E0}"/>
+              </a:ext>
+            </a:extLst>
+          </p:cNvPr>
+          <p:cNvSpPr/>
+          <p:nvPr/>
+        </p:nvSpPr>
+        <p:spPr>
+          <a:xfrm>
+            <a:off x="4999300" y="1295810"/>
+            <a:ext cx="3925522" cy="2978478"/>
+          </a:xfrm>
+          <a:prstGeom prst="roundRect">
+            <a:avLst/>
+          </a:prstGeom>
+          <a:noFill/>
+          <a:ln>
+            <a:solidFill>
+              <a:schemeClr val="tx1"/>
+            </a:solidFill>
+          </a:ln>
+        </p:spPr>
+        <p:style>
+          <a:lnRef idx="2">
+            <a:schemeClr val="accent1">
+              <a:shade val="15000"/>
+            </a:schemeClr>
+          </a:lnRef>
+          <a:fillRef idx="1">
+            <a:schemeClr val="accent1"/>
+          </a:fillRef>
+          <a:effectRef idx="0">
+            <a:schemeClr val="accent1"/>
+          </a:effectRef>
+          <a:fontRef idx="minor">
+            <a:schemeClr val="lt1"/>
+          </a:fontRef>
+        </p:style>
+        <p:txBody>
+          <a:bodyPr rtlCol="0" anchor="ctr"/>
+          <a:lstStyle/>
+          <a:p>
+            <a:pPr algn="ctr"/>
+            <a:endParaRPr lang="en-CN"/>
+          </a:p>
+        </p:txBody>
+      </p:sp>
+      <p:sp>
+        <p:nvSpPr>
+          <p:cNvPr id="16" name="Rounded Rectangle 15">
+            <a:extLst>
+              <a:ext uri="{FF2B5EF4-FFF2-40B4-BE49-F238E27FC236}">
+                <a16:creationId xmlns:a16="http://schemas.microsoft.com/office/drawing/2014/main" id="{096EFFAC-629A-83B4-B3B3-5DA51D3F4EAE}"/>
+              </a:ext>
+            </a:extLst>
+          </p:cNvPr>
+          <p:cNvSpPr/>
+          <p:nvPr/>
+        </p:nvSpPr>
+        <p:spPr>
+          <a:xfrm>
+            <a:off x="3628647" y="1293520"/>
+            <a:ext cx="1375406" cy="2980768"/>
+          </a:xfrm>
+          <a:prstGeom prst="roundRect">
+            <a:avLst/>
+          </a:prstGeom>
+          <a:noFill/>
+          <a:ln>
+            <a:solidFill>
+              <a:schemeClr val="tx1"/>
+            </a:solidFill>
+          </a:ln>
+        </p:spPr>
+        <p:style>
+          <a:lnRef idx="2">
+            <a:schemeClr val="accent1">
+              <a:shade val="15000"/>
+            </a:schemeClr>
+          </a:lnRef>
+          <a:fillRef idx="1">
+            <a:schemeClr val="accent1"/>
+          </a:fillRef>
+          <a:effectRef idx="0">
+            <a:schemeClr val="accent1"/>
+          </a:effectRef>
+          <a:fontRef idx="minor">
+            <a:schemeClr val="lt1"/>
+          </a:fontRef>
+        </p:style>
+        <p:txBody>
+          <a:bodyPr rtlCol="0" anchor="ctr"/>
+          <a:lstStyle/>
+          <a:p>
+            <a:pPr algn="ctr"/>
+            <a:endParaRPr lang="en-CN"/>
+          </a:p>
+        </p:txBody>
+      </p:sp>
+      <p:sp>
+        <p:nvSpPr>
+          <p:cNvPr id="8" name="Rounded Rectangle 7">
+            <a:extLst>
+              <a:ext uri="{FF2B5EF4-FFF2-40B4-BE49-F238E27FC236}">
+                <a16:creationId xmlns:a16="http://schemas.microsoft.com/office/drawing/2014/main" id="{BA64550C-58CB-49CE-425E-8076C619ED1A}"/>
+              </a:ext>
+            </a:extLst>
+          </p:cNvPr>
+          <p:cNvSpPr/>
+          <p:nvPr/>
+        </p:nvSpPr>
+        <p:spPr>
+          <a:xfrm>
+            <a:off x="189184" y="1553621"/>
+            <a:ext cx="3442381" cy="1897723"/>
+          </a:xfrm>
+          <a:prstGeom prst="roundRect">
+            <a:avLst/>
+          </a:prstGeom>
+          <a:noFill/>
+          <a:ln>
+            <a:solidFill>
+              <a:schemeClr val="tx1"/>
+            </a:solidFill>
+          </a:ln>
+        </p:spPr>
+        <p:style>
+          <a:lnRef idx="2">
+            <a:schemeClr val="accent1">
+              <a:shade val="15000"/>
+            </a:schemeClr>
+          </a:lnRef>
+          <a:fillRef idx="1">
+            <a:schemeClr val="accent1"/>
+          </a:fillRef>
+          <a:effectRef idx="0">
+            <a:schemeClr val="accent1"/>
+          </a:effectRef>
+          <a:fontRef idx="minor">
+            <a:schemeClr val="lt1"/>
+          </a:fontRef>
+        </p:style>
+        <p:txBody>
+          <a:bodyPr rtlCol="0" anchor="ctr"/>
+          <a:lstStyle/>
+          <a:p>
+            <a:pPr algn="ctr"/>
+            <a:endParaRPr lang="en-CN"/>
+          </a:p>
+        </p:txBody>
+      </p:sp>
+      <p:sp>
+        <p:nvSpPr>
+          <p:cNvPr id="2" name="圆角矩形 6">
+            <a:extLst>
+              <a:ext uri="{FF2B5EF4-FFF2-40B4-BE49-F238E27FC236}">
+                <a16:creationId xmlns:a16="http://schemas.microsoft.com/office/drawing/2014/main" id="{1BB99B59-1321-3D46-AAF4-1EDBC97B7E8B}"/>
+              </a:ext>
+            </a:extLst>
+          </p:cNvPr>
+          <p:cNvSpPr/>
+          <p:nvPr/>
+        </p:nvSpPr>
+        <p:spPr>
+          <a:xfrm>
+            <a:off x="1480037" y="2047817"/>
+            <a:ext cx="1304185" cy="721909"/>
+          </a:xfrm>
+          <a:prstGeom prst="roundRect">
+            <a:avLst/>
+          </a:prstGeom>
+        </p:spPr>
+        <p:style>
+          <a:lnRef idx="1">
+            <a:schemeClr val="accent4"/>
+          </a:lnRef>
+          <a:fillRef idx="2">
+            <a:schemeClr val="accent4"/>
+          </a:fillRef>
+          <a:effectRef idx="1">
+            <a:schemeClr val="accent4"/>
+          </a:effectRef>
+          <a:fontRef idx="minor">
+            <a:schemeClr val="dk1"/>
+          </a:fontRef>
+        </p:style>
+        <p:txBody>
+          <a:bodyPr rtlCol="0" anchor="ctr"/>
+          <a:lstStyle/>
+          <a:p>
+            <a:pPr algn="ctr"/>
+            <a:r>
+              <a:rPr kumimoji="1" lang="en-US" altLang="zh-CN" sz="1200" dirty="0"/>
+              <a:t>ROM</a:t>
+            </a:r>
+          </a:p>
+          <a:p>
+            <a:pPr algn="ctr"/>
+            <a:r>
+              <a:rPr kumimoji="1" lang="zh-CN" altLang="en-US" sz="1200" dirty="0"/>
+              <a:t>（存储指令）</a:t>
+            </a:r>
+          </a:p>
+        </p:txBody>
+      </p:sp>
+      <p:sp>
+        <p:nvSpPr>
+          <p:cNvPr id="3" name="圆角矩形 5">
+            <a:extLst>
+              <a:ext uri="{FF2B5EF4-FFF2-40B4-BE49-F238E27FC236}">
+                <a16:creationId xmlns:a16="http://schemas.microsoft.com/office/drawing/2014/main" id="{2C746B69-23B5-8DDE-6AB0-E4B603FC9786}"/>
+              </a:ext>
+            </a:extLst>
+          </p:cNvPr>
+          <p:cNvSpPr/>
+          <p:nvPr/>
+        </p:nvSpPr>
+        <p:spPr>
+          <a:xfrm>
+            <a:off x="246683" y="2177933"/>
+            <a:ext cx="722036" cy="458330"/>
+          </a:xfrm>
+          <a:prstGeom prst="roundRect">
+            <a:avLst/>
+          </a:prstGeom>
+          <a:solidFill>
+            <a:schemeClr val="accent1">
+              <a:lumMod val="50000"/>
+            </a:schemeClr>
+          </a:solidFill>
+        </p:spPr>
+        <p:style>
+          <a:lnRef idx="2">
+            <a:schemeClr val="accent5">
+              <a:shade val="15000"/>
+            </a:schemeClr>
+          </a:lnRef>
+          <a:fillRef idx="1">
+            <a:schemeClr val="accent5"/>
+          </a:fillRef>
+          <a:effectRef idx="0">
+            <a:schemeClr val="accent5"/>
+          </a:effectRef>
+          <a:fontRef idx="minor">
+            <a:schemeClr val="lt1"/>
+          </a:fontRef>
+        </p:style>
+        <p:txBody>
+          <a:bodyPr rtlCol="0" anchor="ctr"/>
+          <a:lstStyle/>
+          <a:p>
+            <a:pPr algn="ctr"/>
+            <a:r>
+              <a:rPr kumimoji="1" lang="en-US" altLang="zh-CN" sz="1100" dirty="0"/>
+              <a:t>PC</a:t>
+            </a:r>
+          </a:p>
+          <a:p>
+            <a:pPr algn="ctr"/>
+            <a:r>
+              <a:rPr kumimoji="1" lang="en-US" altLang="zh-CN" sz="1100" dirty="0"/>
+              <a:t>Register</a:t>
+            </a:r>
+            <a:endParaRPr kumimoji="1" lang="zh-CN" altLang="en-US" sz="1100" dirty="0"/>
+          </a:p>
+        </p:txBody>
+      </p:sp>
+      <p:sp>
+        <p:nvSpPr>
+          <p:cNvPr id="4" name="右箭头 25">
+            <a:extLst>
+              <a:ext uri="{FF2B5EF4-FFF2-40B4-BE49-F238E27FC236}">
+                <a16:creationId xmlns:a16="http://schemas.microsoft.com/office/drawing/2014/main" id="{79A6AE8F-DD4E-43C9-43C3-B894F70DAD08}"/>
+              </a:ext>
+            </a:extLst>
+          </p:cNvPr>
+          <p:cNvSpPr/>
+          <p:nvPr/>
+        </p:nvSpPr>
+        <p:spPr>
+          <a:xfrm>
+            <a:off x="1120457" y="2335197"/>
+            <a:ext cx="212558" cy="143801"/>
+          </a:xfrm>
+          <a:prstGeom prst="rightArrow">
+            <a:avLst/>
+          </a:prstGeom>
+          <a:solidFill>
+            <a:schemeClr val="accent1">
+              <a:lumMod val="75000"/>
+            </a:schemeClr>
+          </a:solidFill>
+        </p:spPr>
+        <p:style>
+          <a:lnRef idx="2">
+            <a:schemeClr val="accent1">
+              <a:shade val="15000"/>
+            </a:schemeClr>
+          </a:lnRef>
+          <a:fillRef idx="1">
+            <a:schemeClr val="accent1"/>
+          </a:fillRef>
+          <a:effectRef idx="0">
+            <a:schemeClr val="accent1"/>
+          </a:effectRef>
+          <a:fontRef idx="minor">
+            <a:schemeClr val="lt1"/>
+          </a:fontRef>
+        </p:style>
+        <p:txBody>
+          <a:bodyPr rtlCol="0" anchor="ctr"/>
+          <a:lstStyle/>
+          <a:p>
+            <a:pPr algn="ctr"/>
+            <a:endParaRPr kumimoji="1" lang="zh-CN" altLang="en-US" sz="1600"/>
+          </a:p>
+        </p:txBody>
+      </p:sp>
+      <p:sp>
+        <p:nvSpPr>
+          <p:cNvPr id="5" name="TextBox 4">
+            <a:extLst>
+              <a:ext uri="{FF2B5EF4-FFF2-40B4-BE49-F238E27FC236}">
+                <a16:creationId xmlns:a16="http://schemas.microsoft.com/office/drawing/2014/main" id="{40716A49-0EE6-C595-AE6D-B11749FF1828}"/>
+              </a:ext>
+            </a:extLst>
+          </p:cNvPr>
+          <p:cNvSpPr txBox="1"/>
+          <p:nvPr/>
+        </p:nvSpPr>
+        <p:spPr>
+          <a:xfrm>
+            <a:off x="1637520" y="1222097"/>
+            <a:ext cx="542791" cy="307777"/>
+          </a:xfrm>
+          <a:prstGeom prst="rect">
+            <a:avLst/>
+          </a:prstGeom>
+          <a:noFill/>
+        </p:spPr>
+        <p:txBody>
+          <a:bodyPr wrap="square" rtlCol="0">
+            <a:spAutoFit/>
+          </a:bodyPr>
+          <a:lstStyle/>
+          <a:p>
+            <a:r>
+              <a:rPr lang="en-CN" sz="1400" dirty="0"/>
+              <a:t>取指</a:t>
+            </a:r>
+          </a:p>
+        </p:txBody>
+      </p:sp>
+      <p:sp>
+        <p:nvSpPr>
+          <p:cNvPr id="6" name="圆角矩形 7">
+            <a:extLst>
+              <a:ext uri="{FF2B5EF4-FFF2-40B4-BE49-F238E27FC236}">
+                <a16:creationId xmlns:a16="http://schemas.microsoft.com/office/drawing/2014/main" id="{F6FA8F52-FD80-CB3E-66BF-9F6604D6D2CB}"/>
+              </a:ext>
+            </a:extLst>
+          </p:cNvPr>
+          <p:cNvSpPr/>
+          <p:nvPr/>
+        </p:nvSpPr>
+        <p:spPr>
+          <a:xfrm>
+            <a:off x="3172243" y="2096430"/>
+            <a:ext cx="923301" cy="611106"/>
+          </a:xfrm>
+          <a:prstGeom prst="roundRect">
+            <a:avLst/>
+          </a:prstGeom>
+          <a:solidFill>
+            <a:schemeClr val="accent1">
+              <a:lumMod val="75000"/>
+            </a:schemeClr>
+          </a:solidFill>
+        </p:spPr>
+        <p:style>
+          <a:lnRef idx="2">
+            <a:schemeClr val="accent5">
+              <a:shade val="15000"/>
+            </a:schemeClr>
+          </a:lnRef>
+          <a:fillRef idx="1">
+            <a:schemeClr val="accent5"/>
+          </a:fillRef>
+          <a:effectRef idx="0">
+            <a:schemeClr val="accent5"/>
+          </a:effectRef>
+          <a:fontRef idx="minor">
+            <a:schemeClr val="lt1"/>
+          </a:fontRef>
+        </p:style>
+        <p:txBody>
+          <a:bodyPr rtlCol="0" anchor="ctr"/>
+          <a:lstStyle/>
+          <a:p>
+            <a:pPr algn="ctr"/>
+            <a:r>
+              <a:rPr kumimoji="1" lang="en-US" altLang="zh-CN" sz="1100" dirty="0"/>
+              <a:t>Instruction</a:t>
+            </a:r>
+          </a:p>
+          <a:p>
+            <a:pPr algn="ctr"/>
+            <a:r>
+              <a:rPr kumimoji="1" lang="en-US" altLang="zh-CN" sz="1100" dirty="0"/>
+              <a:t>Register</a:t>
+            </a:r>
+            <a:endParaRPr kumimoji="1" lang="zh-CN" altLang="en-US" sz="1100" dirty="0"/>
+          </a:p>
+        </p:txBody>
+      </p:sp>
+      <p:sp>
+        <p:nvSpPr>
+          <p:cNvPr id="7" name="右箭头 25">
+            <a:extLst>
+              <a:ext uri="{FF2B5EF4-FFF2-40B4-BE49-F238E27FC236}">
+                <a16:creationId xmlns:a16="http://schemas.microsoft.com/office/drawing/2014/main" id="{965AC07D-E82C-8338-D368-8370B20B2DA6}"/>
+              </a:ext>
+            </a:extLst>
+          </p:cNvPr>
+          <p:cNvSpPr/>
+          <p:nvPr/>
+        </p:nvSpPr>
+        <p:spPr>
+          <a:xfrm>
+            <a:off x="2863126" y="2358681"/>
+            <a:ext cx="212558" cy="143801"/>
+          </a:xfrm>
+          <a:prstGeom prst="rightArrow">
+            <a:avLst/>
+          </a:prstGeom>
+          <a:solidFill>
+            <a:schemeClr val="accent1">
+              <a:lumMod val="75000"/>
+            </a:schemeClr>
+          </a:solidFill>
+        </p:spPr>
+        <p:style>
+          <a:lnRef idx="2">
+            <a:schemeClr val="accent1">
+              <a:shade val="15000"/>
+            </a:schemeClr>
+          </a:lnRef>
+          <a:fillRef idx="1">
+            <a:schemeClr val="accent1"/>
+          </a:fillRef>
+          <a:effectRef idx="0">
+            <a:schemeClr val="accent1"/>
+          </a:effectRef>
+          <a:fontRef idx="minor">
+            <a:schemeClr val="lt1"/>
+          </a:fontRef>
+        </p:style>
+        <p:txBody>
+          <a:bodyPr rtlCol="0" anchor="ctr"/>
+          <a:lstStyle/>
+          <a:p>
+            <a:pPr algn="ctr"/>
+            <a:endParaRPr kumimoji="1" lang="zh-CN" altLang="en-US" sz="1600"/>
+          </a:p>
+        </p:txBody>
+      </p:sp>
+      <p:sp>
+        <p:nvSpPr>
+          <p:cNvPr id="9" name="圆角矩形 13">
+            <a:extLst>
+              <a:ext uri="{FF2B5EF4-FFF2-40B4-BE49-F238E27FC236}">
+                <a16:creationId xmlns:a16="http://schemas.microsoft.com/office/drawing/2014/main" id="{045D90CC-15FB-A1FD-4FCB-2A4C7AA7C08A}"/>
+              </a:ext>
+            </a:extLst>
+          </p:cNvPr>
+          <p:cNvSpPr/>
+          <p:nvPr/>
+        </p:nvSpPr>
+        <p:spPr>
+          <a:xfrm>
+            <a:off x="4584787" y="2891630"/>
+            <a:ext cx="836168" cy="606874"/>
+          </a:xfrm>
+          <a:prstGeom prst="roundRect">
+            <a:avLst/>
+          </a:prstGeom>
+        </p:spPr>
+        <p:style>
+          <a:lnRef idx="2">
+            <a:schemeClr val="accent1">
+              <a:shade val="15000"/>
+            </a:schemeClr>
+          </a:lnRef>
+          <a:fillRef idx="1">
+            <a:schemeClr val="accent1"/>
+          </a:fillRef>
+          <a:effectRef idx="0">
+            <a:schemeClr val="accent1"/>
+          </a:effectRef>
+          <a:fontRef idx="minor">
+            <a:schemeClr val="lt1"/>
+          </a:fontRef>
+        </p:style>
+        <p:txBody>
+          <a:bodyPr rtlCol="0" anchor="ctr"/>
+          <a:lstStyle/>
+          <a:p>
+            <a:pPr algn="ctr"/>
+            <a:r>
+              <a:rPr kumimoji="1" lang="en-US" altLang="zh-CN" sz="1100" dirty="0"/>
+              <a:t>Opcode</a:t>
+            </a:r>
+          </a:p>
+          <a:p>
+            <a:pPr algn="ctr"/>
+            <a:r>
+              <a:rPr kumimoji="1" lang="en-US" altLang="zh-CN" sz="1100" dirty="0"/>
+              <a:t>Register</a:t>
+            </a:r>
+            <a:endParaRPr kumimoji="1" lang="zh-CN" altLang="en-US" sz="1100" dirty="0"/>
+          </a:p>
+        </p:txBody>
+      </p:sp>
+      <p:sp>
+        <p:nvSpPr>
+          <p:cNvPr id="10" name="圆角矩形 53">
+            <a:extLst>
+              <a:ext uri="{FF2B5EF4-FFF2-40B4-BE49-F238E27FC236}">
+                <a16:creationId xmlns:a16="http://schemas.microsoft.com/office/drawing/2014/main" id="{47030C91-6D96-9AFD-3AA5-37972F5E1EA6}"/>
+              </a:ext>
+            </a:extLst>
+          </p:cNvPr>
+          <p:cNvSpPr/>
+          <p:nvPr/>
+        </p:nvSpPr>
+        <p:spPr>
+          <a:xfrm>
+            <a:off x="4587212" y="3567636"/>
+            <a:ext cx="805711" cy="611106"/>
+          </a:xfrm>
+          <a:prstGeom prst="roundRect">
+            <a:avLst/>
+          </a:prstGeom>
+        </p:spPr>
+        <p:style>
+          <a:lnRef idx="2">
+            <a:schemeClr val="accent1">
+              <a:shade val="15000"/>
+            </a:schemeClr>
+          </a:lnRef>
+          <a:fillRef idx="1">
+            <a:schemeClr val="accent1"/>
+          </a:fillRef>
+          <a:effectRef idx="0">
+            <a:schemeClr val="accent1"/>
+          </a:effectRef>
+          <a:fontRef idx="minor">
+            <a:schemeClr val="lt1"/>
+          </a:fontRef>
+        </p:style>
+        <p:txBody>
+          <a:bodyPr rtlCol="0" anchor="ctr"/>
+          <a:lstStyle/>
+          <a:p>
+            <a:pPr algn="ctr"/>
+            <a:r>
+              <a:rPr kumimoji="1" lang="en-US" altLang="zh-CN" sz="1100" dirty="0"/>
+              <a:t>Cond</a:t>
+            </a:r>
+          </a:p>
+          <a:p>
+            <a:pPr algn="ctr"/>
+            <a:r>
+              <a:rPr kumimoji="1" lang="en-US" altLang="zh-CN" sz="1100" dirty="0"/>
+              <a:t>Register</a:t>
+            </a:r>
+            <a:endParaRPr kumimoji="1" lang="zh-CN" altLang="en-US" sz="1100" dirty="0"/>
+          </a:p>
+        </p:txBody>
+      </p:sp>
+      <p:sp>
+        <p:nvSpPr>
+          <p:cNvPr id="11" name="圆角矩形 12">
+            <a:extLst>
+              <a:ext uri="{FF2B5EF4-FFF2-40B4-BE49-F238E27FC236}">
+                <a16:creationId xmlns:a16="http://schemas.microsoft.com/office/drawing/2014/main" id="{8038E288-BB1C-7931-B078-432213AA3C60}"/>
+              </a:ext>
+            </a:extLst>
+          </p:cNvPr>
+          <p:cNvSpPr/>
+          <p:nvPr/>
+        </p:nvSpPr>
+        <p:spPr>
+          <a:xfrm>
+            <a:off x="4405637" y="1557318"/>
+            <a:ext cx="1206237" cy="611106"/>
+          </a:xfrm>
+          <a:prstGeom prst="roundRect">
+            <a:avLst/>
+          </a:prstGeom>
+          <a:solidFill>
+            <a:schemeClr val="accent1"/>
+          </a:solidFill>
+        </p:spPr>
+        <p:style>
+          <a:lnRef idx="2">
+            <a:schemeClr val="accent1">
+              <a:shade val="15000"/>
+            </a:schemeClr>
+          </a:lnRef>
+          <a:fillRef idx="1">
+            <a:schemeClr val="accent1"/>
+          </a:fillRef>
+          <a:effectRef idx="0">
+            <a:schemeClr val="accent1"/>
+          </a:effectRef>
+          <a:fontRef idx="minor">
+            <a:schemeClr val="lt1"/>
+          </a:fontRef>
+        </p:style>
+        <p:txBody>
+          <a:bodyPr rtlCol="0" anchor="ctr"/>
+          <a:lstStyle/>
+          <a:p>
+            <a:pPr algn="ctr"/>
+            <a:r>
+              <a:rPr kumimoji="1" lang="en-US" altLang="zh-CN" sz="1200" dirty="0" err="1"/>
+              <a:t>Write_Enable</a:t>
+            </a:r>
+            <a:endParaRPr kumimoji="1" lang="en-US" altLang="zh-CN" sz="1200" dirty="0"/>
+          </a:p>
+          <a:p>
+            <a:pPr algn="ctr"/>
+            <a:r>
+              <a:rPr kumimoji="1" lang="en-US" altLang="zh-CN" sz="1200" dirty="0"/>
+              <a:t>Register</a:t>
+            </a:r>
+            <a:endParaRPr kumimoji="1" lang="zh-CN" altLang="en-US" sz="1200" dirty="0"/>
+          </a:p>
+        </p:txBody>
+      </p:sp>
+      <p:sp>
+        <p:nvSpPr>
+          <p:cNvPr id="13" name="右箭头 26">
+            <a:extLst>
+              <a:ext uri="{FF2B5EF4-FFF2-40B4-BE49-F238E27FC236}">
+                <a16:creationId xmlns:a16="http://schemas.microsoft.com/office/drawing/2014/main" id="{29B4E4BE-C20B-EF75-5EB6-405E46C0E861}"/>
+              </a:ext>
+            </a:extLst>
+          </p:cNvPr>
+          <p:cNvSpPr/>
+          <p:nvPr/>
+        </p:nvSpPr>
+        <p:spPr>
+          <a:xfrm>
+            <a:off x="3981669" y="3082699"/>
+            <a:ext cx="422610" cy="175360"/>
+          </a:xfrm>
+          <a:prstGeom prst="rightArrow">
+            <a:avLst/>
+          </a:prstGeom>
+          <a:solidFill>
+            <a:schemeClr val="accent1">
+              <a:lumMod val="60000"/>
+              <a:lumOff val="40000"/>
+            </a:schemeClr>
+          </a:solidFill>
+        </p:spPr>
+        <p:style>
+          <a:lnRef idx="2">
+            <a:schemeClr val="accent1">
+              <a:shade val="15000"/>
+            </a:schemeClr>
+          </a:lnRef>
+          <a:fillRef idx="1">
+            <a:schemeClr val="accent1"/>
+          </a:fillRef>
+          <a:effectRef idx="0">
+            <a:schemeClr val="accent1"/>
+          </a:effectRef>
+          <a:fontRef idx="minor">
+            <a:schemeClr val="lt1"/>
+          </a:fontRef>
+        </p:style>
+        <p:txBody>
+          <a:bodyPr rtlCol="0" anchor="ctr"/>
+          <a:lstStyle/>
+          <a:p>
+            <a:pPr algn="ctr"/>
+            <a:endParaRPr kumimoji="1" lang="zh-CN" altLang="en-US" sz="1600"/>
+          </a:p>
+        </p:txBody>
+      </p:sp>
+      <p:sp>
+        <p:nvSpPr>
+          <p:cNvPr id="14" name="右箭头 26">
+            <a:extLst>
+              <a:ext uri="{FF2B5EF4-FFF2-40B4-BE49-F238E27FC236}">
+                <a16:creationId xmlns:a16="http://schemas.microsoft.com/office/drawing/2014/main" id="{4B6B36E0-0B7A-A293-7EC1-E88C50734FEA}"/>
+              </a:ext>
+            </a:extLst>
+          </p:cNvPr>
+          <p:cNvSpPr/>
+          <p:nvPr/>
+        </p:nvSpPr>
+        <p:spPr>
+          <a:xfrm>
+            <a:off x="3896871" y="1765705"/>
+            <a:ext cx="422610" cy="175360"/>
+          </a:xfrm>
+          <a:prstGeom prst="rightArrow">
+            <a:avLst/>
+          </a:prstGeom>
+          <a:solidFill>
+            <a:schemeClr val="accent1">
+              <a:lumMod val="60000"/>
+              <a:lumOff val="40000"/>
+            </a:schemeClr>
+          </a:solidFill>
+        </p:spPr>
+        <p:style>
+          <a:lnRef idx="2">
+            <a:schemeClr val="accent1">
+              <a:shade val="15000"/>
+            </a:schemeClr>
+          </a:lnRef>
+          <a:fillRef idx="1">
+            <a:schemeClr val="accent1"/>
+          </a:fillRef>
+          <a:effectRef idx="0">
+            <a:schemeClr val="accent1"/>
+          </a:effectRef>
+          <a:fontRef idx="minor">
+            <a:schemeClr val="lt1"/>
+          </a:fontRef>
+        </p:style>
+        <p:txBody>
+          <a:bodyPr rtlCol="0" anchor="ctr"/>
+          <a:lstStyle/>
+          <a:p>
+            <a:pPr algn="ctr"/>
+            <a:endParaRPr kumimoji="1" lang="zh-CN" altLang="en-US" sz="1600"/>
+          </a:p>
+        </p:txBody>
+      </p:sp>
+      <p:sp>
+        <p:nvSpPr>
+          <p:cNvPr id="15" name="右箭头 26">
+            <a:extLst>
+              <a:ext uri="{FF2B5EF4-FFF2-40B4-BE49-F238E27FC236}">
+                <a16:creationId xmlns:a16="http://schemas.microsoft.com/office/drawing/2014/main" id="{2DFA446E-3047-85E4-38D7-6A6403A48DCF}"/>
+              </a:ext>
+            </a:extLst>
+          </p:cNvPr>
+          <p:cNvSpPr/>
+          <p:nvPr/>
+        </p:nvSpPr>
+        <p:spPr>
+          <a:xfrm>
+            <a:off x="3983027" y="3653056"/>
+            <a:ext cx="422610" cy="175360"/>
+          </a:xfrm>
+          <a:prstGeom prst="rightArrow">
+            <a:avLst/>
+          </a:prstGeom>
+          <a:solidFill>
+            <a:schemeClr val="accent1">
+              <a:lumMod val="60000"/>
+              <a:lumOff val="40000"/>
+            </a:schemeClr>
+          </a:solidFill>
+        </p:spPr>
+        <p:style>
+          <a:lnRef idx="2">
+            <a:schemeClr val="accent1">
+              <a:shade val="15000"/>
+            </a:schemeClr>
+          </a:lnRef>
+          <a:fillRef idx="1">
+            <a:schemeClr val="accent1"/>
+          </a:fillRef>
+          <a:effectRef idx="0">
+            <a:schemeClr val="accent1"/>
+          </a:effectRef>
+          <a:fontRef idx="minor">
+            <a:schemeClr val="lt1"/>
+          </a:fontRef>
+        </p:style>
+        <p:txBody>
+          <a:bodyPr rtlCol="0" anchor="ctr"/>
+          <a:lstStyle/>
+          <a:p>
+            <a:pPr algn="ctr"/>
+            <a:endParaRPr kumimoji="1" lang="zh-CN" altLang="en-US" sz="1600"/>
+          </a:p>
+        </p:txBody>
+      </p:sp>
+      <p:sp>
+        <p:nvSpPr>
+          <p:cNvPr id="17" name="TextBox 16">
+            <a:extLst>
+              <a:ext uri="{FF2B5EF4-FFF2-40B4-BE49-F238E27FC236}">
+                <a16:creationId xmlns:a16="http://schemas.microsoft.com/office/drawing/2014/main" id="{10BAD59C-6FAD-625D-088F-E72103AA9CAB}"/>
+              </a:ext>
+            </a:extLst>
+          </p:cNvPr>
+          <p:cNvSpPr txBox="1"/>
+          <p:nvPr/>
+        </p:nvSpPr>
+        <p:spPr>
+          <a:xfrm>
+            <a:off x="4062318" y="989827"/>
+            <a:ext cx="542791" cy="307777"/>
+          </a:xfrm>
+          <a:prstGeom prst="rect">
+            <a:avLst/>
+          </a:prstGeom>
+          <a:noFill/>
+        </p:spPr>
+        <p:txBody>
+          <a:bodyPr wrap="square" rtlCol="0">
+            <a:spAutoFit/>
+          </a:bodyPr>
+          <a:lstStyle/>
+          <a:p>
+            <a:r>
+              <a:rPr lang="en-CN" sz="1400" dirty="0"/>
+              <a:t>译码</a:t>
+            </a:r>
+          </a:p>
+        </p:txBody>
+      </p:sp>
+      <p:sp>
+        <p:nvSpPr>
+          <p:cNvPr id="21" name="半闭框 3">
+            <a:extLst>
+              <a:ext uri="{FF2B5EF4-FFF2-40B4-BE49-F238E27FC236}">
+                <a16:creationId xmlns:a16="http://schemas.microsoft.com/office/drawing/2014/main" id="{ABD2BB7B-8810-C5F7-7DEB-574D1D421150}"/>
+              </a:ext>
+            </a:extLst>
+          </p:cNvPr>
+          <p:cNvSpPr/>
+          <p:nvPr/>
+        </p:nvSpPr>
+        <p:spPr>
+          <a:xfrm rot="8100000">
+            <a:off x="6978715" y="2277546"/>
+            <a:ext cx="588974" cy="588974"/>
+          </a:xfrm>
+          <a:prstGeom prst="halfFrame">
+            <a:avLst>
+              <a:gd name="adj1" fmla="val 36223"/>
+              <a:gd name="adj2" fmla="val 35637"/>
+            </a:avLst>
+          </a:prstGeom>
+        </p:spPr>
+        <p:style>
+          <a:lnRef idx="2">
+            <a:schemeClr val="accent3">
+              <a:shade val="15000"/>
+            </a:schemeClr>
+          </a:lnRef>
+          <a:fillRef idx="1">
+            <a:schemeClr val="accent3"/>
+          </a:fillRef>
+          <a:effectRef idx="0">
+            <a:schemeClr val="accent3"/>
+          </a:effectRef>
+          <a:fontRef idx="minor">
+            <a:schemeClr val="lt1"/>
+          </a:fontRef>
+        </p:style>
+        <p:txBody>
+          <a:bodyPr rtlCol="0" anchor="ctr"/>
+          <a:lstStyle/>
+          <a:p>
+            <a:pPr algn="ctr"/>
+            <a:endParaRPr kumimoji="1" lang="zh-CN" altLang="en-US" sz="1600" dirty="0">
+              <a:solidFill>
+                <a:schemeClr val="tx1"/>
+              </a:solidFill>
+            </a:endParaRPr>
+          </a:p>
+        </p:txBody>
+      </p:sp>
+      <p:sp>
+        <p:nvSpPr>
+          <p:cNvPr id="25" name="矩形 60">
+            <a:extLst>
+              <a:ext uri="{FF2B5EF4-FFF2-40B4-BE49-F238E27FC236}">
+                <a16:creationId xmlns:a16="http://schemas.microsoft.com/office/drawing/2014/main" id="{1313B119-30F2-9F98-4B19-F0B60C7B6721}"/>
+              </a:ext>
+            </a:extLst>
+          </p:cNvPr>
+          <p:cNvSpPr/>
+          <p:nvPr/>
+        </p:nvSpPr>
+        <p:spPr>
+          <a:xfrm>
+            <a:off x="7482506" y="2313000"/>
+            <a:ext cx="390094" cy="719795"/>
+          </a:xfrm>
+          <a:prstGeom prst="rect">
+            <a:avLst/>
+          </a:prstGeom>
+          <a:solidFill>
+            <a:schemeClr val="bg1"/>
+          </a:solidFill>
+        </p:spPr>
+        <p:style>
+          <a:lnRef idx="3">
+            <a:schemeClr val="lt1"/>
+          </a:lnRef>
+          <a:fillRef idx="1">
+            <a:schemeClr val="accent1"/>
+          </a:fillRef>
+          <a:effectRef idx="1">
+            <a:schemeClr val="accent1"/>
+          </a:effectRef>
+          <a:fontRef idx="minor">
+            <a:schemeClr val="lt1"/>
+          </a:fontRef>
+        </p:style>
+        <p:txBody>
+          <a:bodyPr rtlCol="0" anchor="ctr"/>
+          <a:lstStyle/>
+          <a:p>
+            <a:pPr algn="ctr"/>
+            <a:endParaRPr kumimoji="1" lang="zh-CN" altLang="en-US" sz="1600"/>
+          </a:p>
+        </p:txBody>
+      </p:sp>
+      <p:sp>
+        <p:nvSpPr>
+          <p:cNvPr id="27" name="直角上箭头 28">
+            <a:extLst>
+              <a:ext uri="{FF2B5EF4-FFF2-40B4-BE49-F238E27FC236}">
+                <a16:creationId xmlns:a16="http://schemas.microsoft.com/office/drawing/2014/main" id="{FCFD7067-3A6E-7CC2-7D02-45E44667CBEA}"/>
+              </a:ext>
+            </a:extLst>
+          </p:cNvPr>
+          <p:cNvSpPr/>
+          <p:nvPr/>
+        </p:nvSpPr>
+        <p:spPr>
+          <a:xfrm>
+            <a:off x="5488106" y="3002864"/>
+            <a:ext cx="1958919" cy="407136"/>
+          </a:xfrm>
+          <a:prstGeom prst="bentUpArrow">
+            <a:avLst/>
+          </a:prstGeom>
+          <a:solidFill>
+            <a:schemeClr val="accent1">
+              <a:lumMod val="40000"/>
+              <a:lumOff val="60000"/>
+            </a:schemeClr>
+          </a:solidFill>
+        </p:spPr>
+        <p:style>
+          <a:lnRef idx="2">
+            <a:schemeClr val="accent1">
+              <a:shade val="15000"/>
+            </a:schemeClr>
+          </a:lnRef>
+          <a:fillRef idx="1">
+            <a:schemeClr val="accent1"/>
+          </a:fillRef>
+          <a:effectRef idx="0">
+            <a:schemeClr val="accent1"/>
+          </a:effectRef>
+          <a:fontRef idx="minor">
+            <a:schemeClr val="lt1"/>
+          </a:fontRef>
+        </p:style>
+        <p:txBody>
+          <a:bodyPr rtlCol="0" anchor="ctr"/>
+          <a:lstStyle/>
+          <a:p>
+            <a:pPr algn="ctr"/>
+            <a:endParaRPr kumimoji="1" lang="zh-CN" altLang="en-US" sz="1600"/>
+          </a:p>
+        </p:txBody>
+      </p:sp>
+      <p:sp>
+        <p:nvSpPr>
+          <p:cNvPr id="103" name="Bent-Up Arrow 102">
+            <a:extLst>
+              <a:ext uri="{FF2B5EF4-FFF2-40B4-BE49-F238E27FC236}">
+                <a16:creationId xmlns:a16="http://schemas.microsoft.com/office/drawing/2014/main" id="{557FE99D-F32D-EA32-6376-05F1072FFE9A}"/>
+              </a:ext>
+            </a:extLst>
+          </p:cNvPr>
+          <p:cNvSpPr/>
+          <p:nvPr/>
+        </p:nvSpPr>
+        <p:spPr>
+          <a:xfrm rot="5400000">
+            <a:off x="7360164" y="2960346"/>
+            <a:ext cx="885916" cy="237756"/>
+          </a:xfrm>
+          <a:prstGeom prst="bentUpArrow">
+            <a:avLst/>
+          </a:prstGeom>
+          <a:solidFill>
+            <a:schemeClr val="accent2">
+              <a:lumMod val="60000"/>
+              <a:lumOff val="40000"/>
+            </a:schemeClr>
+          </a:solidFill>
+        </p:spPr>
+        <p:style>
+          <a:lnRef idx="2">
+            <a:schemeClr val="accent1">
+              <a:shade val="15000"/>
+            </a:schemeClr>
+          </a:lnRef>
+          <a:fillRef idx="1">
+            <a:schemeClr val="accent1"/>
+          </a:fillRef>
+          <a:effectRef idx="0">
+            <a:schemeClr val="accent1"/>
+          </a:effectRef>
+          <a:fontRef idx="minor">
+            <a:schemeClr val="lt1"/>
+          </a:fontRef>
+        </p:style>
+        <p:txBody>
+          <a:bodyPr rtlCol="0" anchor="ctr"/>
+          <a:lstStyle/>
+          <a:p>
+            <a:pPr algn="ctr"/>
+            <a:endParaRPr lang="en-CN"/>
+          </a:p>
+        </p:txBody>
+      </p:sp>
+      <p:sp>
+        <p:nvSpPr>
+          <p:cNvPr id="28" name="圆角矩形 13">
+            <a:extLst>
+              <a:ext uri="{FF2B5EF4-FFF2-40B4-BE49-F238E27FC236}">
+                <a16:creationId xmlns:a16="http://schemas.microsoft.com/office/drawing/2014/main" id="{F2802038-F73F-95C7-D743-3CC738F35B18}"/>
+              </a:ext>
+            </a:extLst>
+          </p:cNvPr>
+          <p:cNvSpPr/>
+          <p:nvPr/>
+        </p:nvSpPr>
+        <p:spPr>
+          <a:xfrm>
+            <a:off x="8506738" y="2391758"/>
+            <a:ext cx="836168" cy="611106"/>
+          </a:xfrm>
+          <a:prstGeom prst="roundRect">
+            <a:avLst/>
+          </a:prstGeom>
+          <a:solidFill>
+            <a:schemeClr val="accent1">
+              <a:lumMod val="60000"/>
+              <a:lumOff val="40000"/>
+            </a:schemeClr>
+          </a:solidFill>
+          <a:ln>
+            <a:solidFill>
+              <a:schemeClr val="tx1"/>
+            </a:solidFill>
+          </a:ln>
+        </p:spPr>
+        <p:style>
+          <a:lnRef idx="2">
+            <a:schemeClr val="accent1">
+              <a:shade val="15000"/>
+            </a:schemeClr>
+          </a:lnRef>
+          <a:fillRef idx="1">
+            <a:schemeClr val="accent1"/>
+          </a:fillRef>
+          <a:effectRef idx="0">
+            <a:schemeClr val="accent1"/>
+          </a:effectRef>
+          <a:fontRef idx="minor">
+            <a:schemeClr val="lt1"/>
+          </a:fontRef>
+        </p:style>
+        <p:txBody>
+          <a:bodyPr rtlCol="0" anchor="ctr"/>
+          <a:lstStyle/>
+          <a:p>
+            <a:pPr algn="ctr"/>
+            <a:r>
+              <a:rPr kumimoji="1" lang="en-US" altLang="zh-CN" sz="1100" dirty="0"/>
+              <a:t>Output</a:t>
+            </a:r>
+          </a:p>
+          <a:p>
+            <a:pPr algn="ctr"/>
+            <a:r>
+              <a:rPr kumimoji="1" lang="en-US" altLang="zh-CN" sz="1100" dirty="0"/>
+              <a:t>Register</a:t>
+            </a:r>
+            <a:endParaRPr kumimoji="1" lang="zh-CN" altLang="en-US" sz="1100" dirty="0"/>
+          </a:p>
+        </p:txBody>
+      </p:sp>
+      <p:sp>
+        <p:nvSpPr>
+          <p:cNvPr id="29" name="右箭头 32">
+            <a:extLst>
+              <a:ext uri="{FF2B5EF4-FFF2-40B4-BE49-F238E27FC236}">
+                <a16:creationId xmlns:a16="http://schemas.microsoft.com/office/drawing/2014/main" id="{0743378D-7DD1-99DA-C04F-20D5B25A8E50}"/>
+              </a:ext>
+            </a:extLst>
+          </p:cNvPr>
+          <p:cNvSpPr/>
+          <p:nvPr/>
+        </p:nvSpPr>
+        <p:spPr>
+          <a:xfrm>
+            <a:off x="7626692" y="2586766"/>
+            <a:ext cx="816824" cy="198615"/>
+          </a:xfrm>
+          <a:prstGeom prst="rightArrow">
+            <a:avLst/>
+          </a:prstGeom>
+          <a:solidFill>
+            <a:schemeClr val="accent2">
+              <a:lumMod val="60000"/>
+              <a:lumOff val="40000"/>
+            </a:schemeClr>
+          </a:solidFill>
+        </p:spPr>
+        <p:style>
+          <a:lnRef idx="2">
+            <a:schemeClr val="accent1">
+              <a:shade val="15000"/>
+            </a:schemeClr>
+          </a:lnRef>
+          <a:fillRef idx="1">
+            <a:schemeClr val="accent1"/>
+          </a:fillRef>
+          <a:effectRef idx="0">
+            <a:schemeClr val="accent1"/>
+          </a:effectRef>
+          <a:fontRef idx="minor">
+            <a:schemeClr val="lt1"/>
+          </a:fontRef>
+        </p:style>
+        <p:txBody>
+          <a:bodyPr rtlCol="0" anchor="ctr"/>
+          <a:lstStyle/>
+          <a:p>
+            <a:pPr algn="ctr"/>
+            <a:endParaRPr kumimoji="1" lang="zh-CN" altLang="en-US" sz="1600" dirty="0"/>
+          </a:p>
+        </p:txBody>
+      </p:sp>
+      <p:sp>
+        <p:nvSpPr>
+          <p:cNvPr id="31" name="TextBox 30">
+            <a:extLst>
+              <a:ext uri="{FF2B5EF4-FFF2-40B4-BE49-F238E27FC236}">
+                <a16:creationId xmlns:a16="http://schemas.microsoft.com/office/drawing/2014/main" id="{5EDB38AB-5194-21FC-FF96-2040FE8AA85E}"/>
+              </a:ext>
+            </a:extLst>
+          </p:cNvPr>
+          <p:cNvSpPr txBox="1"/>
+          <p:nvPr/>
+        </p:nvSpPr>
+        <p:spPr>
+          <a:xfrm>
+            <a:off x="6502837" y="982658"/>
+            <a:ext cx="542791" cy="307777"/>
+          </a:xfrm>
+          <a:prstGeom prst="rect">
+            <a:avLst/>
+          </a:prstGeom>
+          <a:noFill/>
+        </p:spPr>
+        <p:txBody>
+          <a:bodyPr wrap="square" rtlCol="0">
+            <a:spAutoFit/>
+          </a:bodyPr>
+          <a:lstStyle/>
+          <a:p>
+            <a:r>
+              <a:rPr lang="en-CN" sz="1400" dirty="0"/>
+              <a:t>执行</a:t>
+            </a:r>
+          </a:p>
+        </p:txBody>
+      </p:sp>
+      <p:sp>
+        <p:nvSpPr>
+          <p:cNvPr id="32" name="圆角矩形 14">
+            <a:extLst>
+              <a:ext uri="{FF2B5EF4-FFF2-40B4-BE49-F238E27FC236}">
+                <a16:creationId xmlns:a16="http://schemas.microsoft.com/office/drawing/2014/main" id="{D5CC7B3D-F311-0521-1651-809083B13F54}"/>
+              </a:ext>
+            </a:extLst>
+          </p:cNvPr>
+          <p:cNvSpPr/>
+          <p:nvPr/>
+        </p:nvSpPr>
+        <p:spPr>
+          <a:xfrm>
+            <a:off x="8511804" y="3462199"/>
+            <a:ext cx="818593" cy="611106"/>
+          </a:xfrm>
+          <a:prstGeom prst="roundRect">
+            <a:avLst/>
+          </a:prstGeom>
+          <a:solidFill>
+            <a:schemeClr val="accent1">
+              <a:lumMod val="60000"/>
+              <a:lumOff val="40000"/>
+            </a:schemeClr>
+          </a:solidFill>
+        </p:spPr>
+        <p:style>
+          <a:lnRef idx="2">
+            <a:schemeClr val="accent5">
+              <a:shade val="15000"/>
+            </a:schemeClr>
+          </a:lnRef>
+          <a:fillRef idx="1">
+            <a:schemeClr val="accent5"/>
+          </a:fillRef>
+          <a:effectRef idx="0">
+            <a:schemeClr val="accent5"/>
+          </a:effectRef>
+          <a:fontRef idx="minor">
+            <a:schemeClr val="lt1"/>
+          </a:fontRef>
+        </p:style>
+        <p:txBody>
+          <a:bodyPr rtlCol="0" anchor="ctr"/>
+          <a:lstStyle/>
+          <a:p>
+            <a:pPr algn="ctr"/>
+            <a:r>
+              <a:rPr kumimoji="1" lang="en-US" altLang="zh-CN" sz="1200" dirty="0"/>
+              <a:t>Ctrl</a:t>
+            </a:r>
+          </a:p>
+          <a:p>
+            <a:pPr algn="ctr"/>
+            <a:r>
+              <a:rPr kumimoji="1" lang="en-US" altLang="zh-CN" sz="1200" dirty="0"/>
+              <a:t>Register</a:t>
+            </a:r>
+            <a:endParaRPr kumimoji="1" lang="zh-CN" altLang="en-US" sz="1200" dirty="0"/>
+          </a:p>
+        </p:txBody>
+      </p:sp>
+      <p:sp>
+        <p:nvSpPr>
+          <p:cNvPr id="33" name="Right Arrow 32">
+            <a:extLst>
+              <a:ext uri="{FF2B5EF4-FFF2-40B4-BE49-F238E27FC236}">
+                <a16:creationId xmlns:a16="http://schemas.microsoft.com/office/drawing/2014/main" id="{6EBC344F-AC95-E6BD-F9D4-A8248748A582}"/>
+              </a:ext>
+            </a:extLst>
+          </p:cNvPr>
+          <p:cNvSpPr/>
+          <p:nvPr/>
+        </p:nvSpPr>
+        <p:spPr>
+          <a:xfrm>
+            <a:off x="5472249" y="3710005"/>
+            <a:ext cx="2446030" cy="215210"/>
+          </a:xfrm>
+          <a:prstGeom prst="rightArrow">
+            <a:avLst/>
+          </a:prstGeom>
+          <a:solidFill>
+            <a:schemeClr val="accent1">
+              <a:lumMod val="40000"/>
+              <a:lumOff val="60000"/>
+            </a:schemeClr>
+          </a:solidFill>
+        </p:spPr>
+        <p:style>
+          <a:lnRef idx="2">
+            <a:schemeClr val="accent1">
+              <a:shade val="15000"/>
+            </a:schemeClr>
+          </a:lnRef>
+          <a:fillRef idx="1">
+            <a:schemeClr val="accent1"/>
+          </a:fillRef>
+          <a:effectRef idx="0">
+            <a:schemeClr val="accent1"/>
+          </a:effectRef>
+          <a:fontRef idx="minor">
+            <a:schemeClr val="lt1"/>
+          </a:fontRef>
+        </p:style>
+        <p:txBody>
+          <a:bodyPr rtlCol="0" anchor="ctr"/>
+          <a:lstStyle/>
+          <a:p>
+            <a:pPr algn="ctr"/>
+            <a:endParaRPr lang="en-CN"/>
+          </a:p>
+        </p:txBody>
+      </p:sp>
+      <p:sp>
+        <p:nvSpPr>
+          <p:cNvPr id="35" name="TextBox 34">
+            <a:extLst>
+              <a:ext uri="{FF2B5EF4-FFF2-40B4-BE49-F238E27FC236}">
+                <a16:creationId xmlns:a16="http://schemas.microsoft.com/office/drawing/2014/main" id="{08AA96EF-EE17-DFE3-2AA2-937B0EAFF7DB}"/>
+              </a:ext>
+            </a:extLst>
+          </p:cNvPr>
+          <p:cNvSpPr txBox="1"/>
+          <p:nvPr/>
+        </p:nvSpPr>
+        <p:spPr>
+          <a:xfrm>
+            <a:off x="10057211" y="980189"/>
+            <a:ext cx="542791" cy="307777"/>
+          </a:xfrm>
+          <a:prstGeom prst="rect">
+            <a:avLst/>
+          </a:prstGeom>
+          <a:noFill/>
+        </p:spPr>
+        <p:txBody>
+          <a:bodyPr wrap="square" rtlCol="0">
+            <a:spAutoFit/>
+          </a:bodyPr>
+          <a:lstStyle/>
+          <a:p>
+            <a:r>
+              <a:rPr lang="en-CN" sz="1400" dirty="0"/>
+              <a:t>写回</a:t>
+            </a:r>
+          </a:p>
+        </p:txBody>
+      </p:sp>
+      <p:sp>
+        <p:nvSpPr>
+          <p:cNvPr id="36" name="Right Arrow 35">
+            <a:extLst>
+              <a:ext uri="{FF2B5EF4-FFF2-40B4-BE49-F238E27FC236}">
+                <a16:creationId xmlns:a16="http://schemas.microsoft.com/office/drawing/2014/main" id="{46A250E1-1031-8E61-BAEC-E0C0EEFA1401}"/>
+              </a:ext>
+            </a:extLst>
+          </p:cNvPr>
+          <p:cNvSpPr/>
+          <p:nvPr/>
+        </p:nvSpPr>
+        <p:spPr>
+          <a:xfrm>
+            <a:off x="5778125" y="1657207"/>
+            <a:ext cx="2225589" cy="215210"/>
+          </a:xfrm>
+          <a:prstGeom prst="rightArrow">
+            <a:avLst/>
+          </a:prstGeom>
+          <a:solidFill>
+            <a:schemeClr val="accent1">
+              <a:lumMod val="40000"/>
+              <a:lumOff val="60000"/>
+            </a:schemeClr>
+          </a:solidFill>
+        </p:spPr>
+        <p:style>
+          <a:lnRef idx="2">
+            <a:schemeClr val="accent1">
+              <a:shade val="15000"/>
+            </a:schemeClr>
+          </a:lnRef>
+          <a:fillRef idx="1">
+            <a:schemeClr val="accent1"/>
+          </a:fillRef>
+          <a:effectRef idx="0">
+            <a:schemeClr val="accent1"/>
+          </a:effectRef>
+          <a:fontRef idx="minor">
+            <a:schemeClr val="lt1"/>
+          </a:fontRef>
+        </p:style>
+        <p:txBody>
+          <a:bodyPr rtlCol="0" anchor="ctr"/>
+          <a:lstStyle/>
+          <a:p>
+            <a:pPr algn="ctr"/>
+            <a:endParaRPr lang="en-CN"/>
+          </a:p>
+        </p:txBody>
+      </p:sp>
+      <p:sp>
+        <p:nvSpPr>
+          <p:cNvPr id="38" name="圆角矩形 12">
+            <a:extLst>
+              <a:ext uri="{FF2B5EF4-FFF2-40B4-BE49-F238E27FC236}">
+                <a16:creationId xmlns:a16="http://schemas.microsoft.com/office/drawing/2014/main" id="{0D57B4C4-0B56-7FC9-ECDA-7CAA22A101FB}"/>
+              </a:ext>
+            </a:extLst>
+          </p:cNvPr>
+          <p:cNvSpPr/>
+          <p:nvPr/>
+        </p:nvSpPr>
+        <p:spPr>
+          <a:xfrm>
+            <a:off x="8103054" y="1528660"/>
+            <a:ext cx="1593839" cy="576016"/>
+          </a:xfrm>
+          <a:prstGeom prst="roundRect">
+            <a:avLst/>
+          </a:prstGeom>
+          <a:solidFill>
+            <a:schemeClr val="accent1">
+              <a:lumMod val="60000"/>
+              <a:lumOff val="40000"/>
+            </a:schemeClr>
+          </a:solidFill>
+        </p:spPr>
+        <p:style>
+          <a:lnRef idx="2">
+            <a:schemeClr val="accent1">
+              <a:shade val="15000"/>
+            </a:schemeClr>
+          </a:lnRef>
+          <a:fillRef idx="1">
+            <a:schemeClr val="accent1"/>
+          </a:fillRef>
+          <a:effectRef idx="0">
+            <a:schemeClr val="accent1"/>
+          </a:effectRef>
+          <a:fontRef idx="minor">
+            <a:schemeClr val="lt1"/>
+          </a:fontRef>
+        </p:style>
+        <p:txBody>
+          <a:bodyPr rtlCol="0" anchor="ctr"/>
+          <a:lstStyle/>
+          <a:p>
+            <a:pPr algn="ctr"/>
+            <a:r>
+              <a:rPr kumimoji="1" lang="en-US" altLang="zh-CN" sz="1200" dirty="0" err="1"/>
+              <a:t>Write_Enable_Delay</a:t>
+            </a:r>
+            <a:endParaRPr kumimoji="1" lang="en-US" altLang="zh-CN" sz="1200" dirty="0"/>
+          </a:p>
+          <a:p>
+            <a:pPr algn="ctr"/>
+            <a:r>
+              <a:rPr kumimoji="1" lang="en-US" altLang="zh-CN" sz="1200" dirty="0"/>
+              <a:t>Register</a:t>
+            </a:r>
+            <a:endParaRPr kumimoji="1" lang="zh-CN" altLang="en-US" sz="1200" dirty="0"/>
+          </a:p>
+        </p:txBody>
+      </p:sp>
+      <p:cxnSp>
+        <p:nvCxnSpPr>
+          <p:cNvPr id="40" name="Elbow Connector 39">
+            <a:extLst>
+              <a:ext uri="{FF2B5EF4-FFF2-40B4-BE49-F238E27FC236}">
+                <a16:creationId xmlns:a16="http://schemas.microsoft.com/office/drawing/2014/main" id="{5D80026F-320C-D49C-06F3-5235B8F41A54}"/>
+              </a:ext>
+            </a:extLst>
+          </p:cNvPr>
+          <p:cNvCxnSpPr>
+            <a:cxnSpLocks/>
+            <a:stCxn id="32" idx="2"/>
+            <a:endCxn id="30" idx="2"/>
+          </p:cNvCxnSpPr>
+          <p:nvPr/>
+        </p:nvCxnSpPr>
+        <p:spPr>
+          <a:xfrm rot="5400000">
+            <a:off x="7841090" y="3194276"/>
+            <a:ext cx="200983" cy="1959040"/>
+          </a:xfrm>
+          <a:prstGeom prst="bentConnector3">
+            <a:avLst>
+              <a:gd name="adj1" fmla="val 213741"/>
+            </a:avLst>
+          </a:prstGeom>
+          <a:ln w="25400">
+            <a:tailEnd type="triangle"/>
+          </a:ln>
+        </p:spPr>
+        <p:style>
+          <a:lnRef idx="1">
+            <a:schemeClr val="accent1"/>
+          </a:lnRef>
+          <a:fillRef idx="0">
+            <a:schemeClr val="accent1"/>
+          </a:fillRef>
+          <a:effectRef idx="0">
+            <a:schemeClr val="accent1"/>
+          </a:effectRef>
+          <a:fontRef idx="minor">
+            <a:schemeClr val="tx1"/>
+          </a:fontRef>
+        </p:style>
+      </p:cxnSp>
+      <p:cxnSp>
+        <p:nvCxnSpPr>
+          <p:cNvPr id="47" name="Elbow Connector 46">
+            <a:extLst>
+              <a:ext uri="{FF2B5EF4-FFF2-40B4-BE49-F238E27FC236}">
+                <a16:creationId xmlns:a16="http://schemas.microsoft.com/office/drawing/2014/main" id="{B5812822-614A-1A72-11E0-D1B09D60E4BA}"/>
+              </a:ext>
+            </a:extLst>
+          </p:cNvPr>
+          <p:cNvCxnSpPr>
+            <a:cxnSpLocks/>
+            <a:stCxn id="32" idx="2"/>
+            <a:endCxn id="16" idx="2"/>
+          </p:cNvCxnSpPr>
+          <p:nvPr/>
+        </p:nvCxnSpPr>
+        <p:spPr>
+          <a:xfrm rot="5400000">
+            <a:off x="6518235" y="1871421"/>
+            <a:ext cx="200983" cy="4604751"/>
+          </a:xfrm>
+          <a:prstGeom prst="bentConnector3">
+            <a:avLst>
+              <a:gd name="adj1" fmla="val 213741"/>
+            </a:avLst>
+          </a:prstGeom>
+          <a:ln w="25400">
+            <a:tailEnd type="triangle"/>
+          </a:ln>
+        </p:spPr>
+        <p:style>
+          <a:lnRef idx="1">
+            <a:schemeClr val="accent1"/>
+          </a:lnRef>
+          <a:fillRef idx="0">
+            <a:schemeClr val="accent1"/>
+          </a:fillRef>
+          <a:effectRef idx="0">
+            <a:schemeClr val="accent1"/>
+          </a:effectRef>
+          <a:fontRef idx="minor">
+            <a:schemeClr val="tx1"/>
+          </a:fontRef>
+        </p:style>
+      </p:cxnSp>
+      <p:cxnSp>
+        <p:nvCxnSpPr>
+          <p:cNvPr id="51" name="Elbow Connector 50">
+            <a:extLst>
+              <a:ext uri="{FF2B5EF4-FFF2-40B4-BE49-F238E27FC236}">
+                <a16:creationId xmlns:a16="http://schemas.microsoft.com/office/drawing/2014/main" id="{DCC96C04-2C13-9B44-AA3C-6039916294BF}"/>
+              </a:ext>
+            </a:extLst>
+          </p:cNvPr>
+          <p:cNvCxnSpPr>
+            <a:cxnSpLocks/>
+            <a:stCxn id="32" idx="2"/>
+            <a:endCxn id="8" idx="2"/>
+          </p:cNvCxnSpPr>
+          <p:nvPr/>
+        </p:nvCxnSpPr>
+        <p:spPr>
+          <a:xfrm rot="5400000" flipH="1">
+            <a:off x="5104757" y="256962"/>
+            <a:ext cx="621961" cy="7010726"/>
+          </a:xfrm>
+          <a:prstGeom prst="bentConnector3">
+            <a:avLst>
+              <a:gd name="adj1" fmla="val -68609"/>
+            </a:avLst>
+          </a:prstGeom>
+          <a:ln w="25400">
+            <a:tailEnd type="triangle"/>
+          </a:ln>
+        </p:spPr>
+        <p:style>
+          <a:lnRef idx="1">
+            <a:schemeClr val="accent1"/>
+          </a:lnRef>
+          <a:fillRef idx="0">
+            <a:schemeClr val="accent1"/>
+          </a:fillRef>
+          <a:effectRef idx="0">
+            <a:schemeClr val="accent1"/>
+          </a:effectRef>
+          <a:fontRef idx="minor">
+            <a:schemeClr val="tx1"/>
+          </a:fontRef>
+        </p:style>
+      </p:cxnSp>
+      <p:sp>
+        <p:nvSpPr>
+          <p:cNvPr id="54" name="圆角矩形 8">
+            <a:extLst>
+              <a:ext uri="{FF2B5EF4-FFF2-40B4-BE49-F238E27FC236}">
+                <a16:creationId xmlns:a16="http://schemas.microsoft.com/office/drawing/2014/main" id="{275657B7-AA02-4C58-6F65-F446E2348970}"/>
+              </a:ext>
+            </a:extLst>
+          </p:cNvPr>
+          <p:cNvSpPr/>
+          <p:nvPr/>
+        </p:nvSpPr>
+        <p:spPr>
+          <a:xfrm>
+            <a:off x="7741340" y="4627299"/>
+            <a:ext cx="958749" cy="407135"/>
+          </a:xfrm>
+          <a:prstGeom prst="roundRect">
+            <a:avLst/>
+          </a:prstGeom>
+        </p:spPr>
+        <p:style>
+          <a:lnRef idx="1">
+            <a:schemeClr val="accent4"/>
+          </a:lnRef>
+          <a:fillRef idx="2">
+            <a:schemeClr val="accent4"/>
+          </a:fillRef>
+          <a:effectRef idx="1">
+            <a:schemeClr val="accent4"/>
+          </a:effectRef>
+          <a:fontRef idx="minor">
+            <a:schemeClr val="dk1"/>
+          </a:fontRef>
+        </p:style>
+        <p:txBody>
+          <a:bodyPr rtlCol="0" anchor="ctr"/>
+          <a:lstStyle/>
+          <a:p>
+            <a:pPr algn="ctr"/>
+            <a:r>
+              <a:rPr kumimoji="1" lang="en-US" altLang="zh-CN" sz="1200" dirty="0"/>
+              <a:t>A</a:t>
+            </a:r>
+            <a:r>
+              <a:rPr kumimoji="1" lang="zh-CN" altLang="en-US" sz="1200" dirty="0"/>
+              <a:t> </a:t>
+            </a:r>
+            <a:r>
+              <a:rPr kumimoji="1" lang="en-US" altLang="zh-CN" sz="1200" dirty="0"/>
+              <a:t>Register</a:t>
+            </a:r>
+            <a:endParaRPr kumimoji="1" lang="zh-CN" altLang="en-US" sz="1200" dirty="0"/>
+          </a:p>
+        </p:txBody>
+      </p:sp>
+      <p:sp>
+        <p:nvSpPr>
+          <p:cNvPr id="55" name="圆角矩形 8">
+            <a:extLst>
+              <a:ext uri="{FF2B5EF4-FFF2-40B4-BE49-F238E27FC236}">
+                <a16:creationId xmlns:a16="http://schemas.microsoft.com/office/drawing/2014/main" id="{7C9A4032-924B-92BF-A1D3-65686E9B579D}"/>
+              </a:ext>
+            </a:extLst>
+          </p:cNvPr>
+          <p:cNvSpPr/>
+          <p:nvPr/>
+        </p:nvSpPr>
+        <p:spPr>
+          <a:xfrm>
+            <a:off x="7741340" y="5152548"/>
+            <a:ext cx="958749" cy="407135"/>
+          </a:xfrm>
+          <a:prstGeom prst="roundRect">
+            <a:avLst/>
+          </a:prstGeom>
+        </p:spPr>
+        <p:style>
+          <a:lnRef idx="1">
+            <a:schemeClr val="accent4"/>
+          </a:lnRef>
+          <a:fillRef idx="2">
+            <a:schemeClr val="accent4"/>
+          </a:fillRef>
+          <a:effectRef idx="1">
+            <a:schemeClr val="accent4"/>
+          </a:effectRef>
+          <a:fontRef idx="minor">
+            <a:schemeClr val="dk1"/>
+          </a:fontRef>
+        </p:style>
+        <p:txBody>
+          <a:bodyPr rtlCol="0" anchor="ctr"/>
+          <a:lstStyle/>
+          <a:p>
+            <a:pPr algn="ctr"/>
+            <a:r>
+              <a:rPr kumimoji="1" lang="en-US" altLang="zh-CN" sz="1200" dirty="0"/>
+              <a:t>B</a:t>
+            </a:r>
+            <a:r>
+              <a:rPr kumimoji="1" lang="zh-CN" altLang="en-US" sz="1200" dirty="0"/>
+              <a:t> </a:t>
+            </a:r>
+            <a:r>
+              <a:rPr kumimoji="1" lang="en-US" altLang="zh-CN" sz="1200" dirty="0"/>
+              <a:t>Register</a:t>
+            </a:r>
+            <a:endParaRPr kumimoji="1" lang="zh-CN" altLang="en-US" sz="1200" dirty="0"/>
+          </a:p>
+        </p:txBody>
+      </p:sp>
+      <p:sp>
+        <p:nvSpPr>
+          <p:cNvPr id="12" name="斜纹 15">
+            <a:extLst>
+              <a:ext uri="{FF2B5EF4-FFF2-40B4-BE49-F238E27FC236}">
+                <a16:creationId xmlns:a16="http://schemas.microsoft.com/office/drawing/2014/main" id="{3864B3AB-888B-9B22-2454-479540DBCCB5}"/>
+              </a:ext>
+            </a:extLst>
+          </p:cNvPr>
+          <p:cNvSpPr/>
+          <p:nvPr/>
+        </p:nvSpPr>
+        <p:spPr>
+          <a:xfrm rot="8100000" flipH="1" flipV="1">
+            <a:off x="10014441" y="2515238"/>
+            <a:ext cx="459930" cy="453915"/>
+          </a:xfrm>
+          <a:prstGeom prst="diagStripe">
+            <a:avLst/>
+          </a:prstGeom>
+          <a:solidFill>
+            <a:schemeClr val="accent1">
+              <a:lumMod val="40000"/>
+              <a:lumOff val="60000"/>
+            </a:schemeClr>
+          </a:solidFill>
+        </p:spPr>
+        <p:style>
+          <a:lnRef idx="2">
+            <a:schemeClr val="accent3">
+              <a:shade val="15000"/>
+            </a:schemeClr>
+          </a:lnRef>
+          <a:fillRef idx="1">
+            <a:schemeClr val="accent3"/>
+          </a:fillRef>
+          <a:effectRef idx="0">
+            <a:schemeClr val="accent3"/>
+          </a:effectRef>
+          <a:fontRef idx="minor">
+            <a:schemeClr val="lt1"/>
+          </a:fontRef>
+        </p:style>
+        <p:txBody>
+          <a:bodyPr rtlCol="0" anchor="ctr"/>
+          <a:lstStyle/>
+          <a:p>
+            <a:pPr algn="ctr"/>
+            <a:endParaRPr kumimoji="1" lang="zh-CN" altLang="en-US" sz="1600" dirty="0">
+              <a:solidFill>
+                <a:schemeClr val="tx1"/>
+              </a:solidFill>
+            </a:endParaRPr>
+          </a:p>
+        </p:txBody>
+      </p:sp>
+      <p:sp>
+        <p:nvSpPr>
+          <p:cNvPr id="19" name="直角上箭头 24">
+            <a:extLst>
+              <a:ext uri="{FF2B5EF4-FFF2-40B4-BE49-F238E27FC236}">
+                <a16:creationId xmlns:a16="http://schemas.microsoft.com/office/drawing/2014/main" id="{EBD032E1-4989-8DD7-F298-0611BC8C284E}"/>
+              </a:ext>
+            </a:extLst>
+          </p:cNvPr>
+          <p:cNvSpPr/>
+          <p:nvPr/>
+        </p:nvSpPr>
+        <p:spPr>
+          <a:xfrm flipV="1">
+            <a:off x="9757396" y="1685730"/>
+            <a:ext cx="529938" cy="706027"/>
+          </a:xfrm>
+          <a:prstGeom prst="bentUpArrow">
+            <a:avLst>
+              <a:gd name="adj1" fmla="val 15210"/>
+              <a:gd name="adj2" fmla="val 17657"/>
+              <a:gd name="adj3" fmla="val 22552"/>
+            </a:avLst>
+          </a:prstGeom>
+          <a:solidFill>
+            <a:schemeClr val="accent1">
+              <a:lumMod val="20000"/>
+              <a:lumOff val="80000"/>
+            </a:schemeClr>
+          </a:solidFill>
+        </p:spPr>
+        <p:style>
+          <a:lnRef idx="2">
+            <a:schemeClr val="accent1">
+              <a:shade val="15000"/>
+            </a:schemeClr>
+          </a:lnRef>
+          <a:fillRef idx="1">
+            <a:schemeClr val="accent1"/>
+          </a:fillRef>
+          <a:effectRef idx="0">
+            <a:schemeClr val="accent1"/>
+          </a:effectRef>
+          <a:fontRef idx="minor">
+            <a:schemeClr val="lt1"/>
+          </a:fontRef>
+        </p:style>
+        <p:txBody>
+          <a:bodyPr rtlCol="0" anchor="ctr"/>
+          <a:lstStyle/>
+          <a:p>
+            <a:pPr algn="ctr"/>
+            <a:endParaRPr kumimoji="1" lang="zh-CN" altLang="en-US" sz="1600"/>
+          </a:p>
+        </p:txBody>
+      </p:sp>
+      <p:sp>
+        <p:nvSpPr>
+          <p:cNvPr id="22" name="右箭头 32">
+            <a:extLst>
+              <a:ext uri="{FF2B5EF4-FFF2-40B4-BE49-F238E27FC236}">
+                <a16:creationId xmlns:a16="http://schemas.microsoft.com/office/drawing/2014/main" id="{3AFD5580-F5D4-D2D1-4CE8-EC069843EFEB}"/>
+              </a:ext>
+            </a:extLst>
+          </p:cNvPr>
+          <p:cNvSpPr/>
+          <p:nvPr/>
+        </p:nvSpPr>
+        <p:spPr>
+          <a:xfrm>
+            <a:off x="9397164" y="2581137"/>
+            <a:ext cx="619604" cy="198615"/>
+          </a:xfrm>
+          <a:prstGeom prst="rightArrow">
+            <a:avLst/>
+          </a:prstGeom>
+          <a:solidFill>
+            <a:schemeClr val="accent2">
+              <a:lumMod val="60000"/>
+              <a:lumOff val="40000"/>
+            </a:schemeClr>
+          </a:solidFill>
+        </p:spPr>
+        <p:style>
+          <a:lnRef idx="2">
+            <a:schemeClr val="accent1">
+              <a:shade val="15000"/>
+            </a:schemeClr>
+          </a:lnRef>
+          <a:fillRef idx="1">
+            <a:schemeClr val="accent1"/>
+          </a:fillRef>
+          <a:effectRef idx="0">
+            <a:schemeClr val="accent1"/>
+          </a:effectRef>
+          <a:fontRef idx="minor">
+            <a:schemeClr val="lt1"/>
+          </a:fontRef>
+        </p:style>
+        <p:txBody>
+          <a:bodyPr rtlCol="0" anchor="ctr"/>
+          <a:lstStyle/>
+          <a:p>
+            <a:pPr algn="ctr"/>
+            <a:endParaRPr kumimoji="1" lang="zh-CN" altLang="en-US" sz="1600" dirty="0"/>
+          </a:p>
+        </p:txBody>
+      </p:sp>
+      <p:sp>
+        <p:nvSpPr>
+          <p:cNvPr id="23" name="圆角矩形 11">
+            <a:extLst>
+              <a:ext uri="{FF2B5EF4-FFF2-40B4-BE49-F238E27FC236}">
+                <a16:creationId xmlns:a16="http://schemas.microsoft.com/office/drawing/2014/main" id="{5897657C-709F-D385-C2E4-768496B69583}"/>
+              </a:ext>
+            </a:extLst>
+          </p:cNvPr>
+          <p:cNvSpPr/>
+          <p:nvPr/>
+        </p:nvSpPr>
+        <p:spPr>
+          <a:xfrm>
+            <a:off x="7666571" y="5752669"/>
+            <a:ext cx="1108286" cy="975922"/>
+          </a:xfrm>
+          <a:prstGeom prst="roundRect">
+            <a:avLst/>
+          </a:prstGeom>
+        </p:spPr>
+        <p:style>
+          <a:lnRef idx="1">
+            <a:schemeClr val="accent4"/>
+          </a:lnRef>
+          <a:fillRef idx="2">
+            <a:schemeClr val="accent4"/>
+          </a:fillRef>
+          <a:effectRef idx="1">
+            <a:schemeClr val="accent4"/>
+          </a:effectRef>
+          <a:fontRef idx="minor">
+            <a:schemeClr val="dk1"/>
+          </a:fontRef>
+        </p:style>
+        <p:txBody>
+          <a:bodyPr rtlCol="0" anchor="ctr"/>
+          <a:lstStyle/>
+          <a:p>
+            <a:pPr algn="ctr"/>
+            <a:r>
+              <a:rPr kumimoji="1" lang="en-US" altLang="zh-CN" sz="1200" dirty="0"/>
+              <a:t>RAM</a:t>
+            </a:r>
+          </a:p>
+          <a:p>
+            <a:pPr algn="ctr"/>
+            <a:r>
+              <a:rPr kumimoji="1" lang="zh-CN" altLang="en-US" sz="1200" dirty="0"/>
+              <a:t>（存储数据）</a:t>
+            </a:r>
+          </a:p>
+        </p:txBody>
+      </p:sp>
+      <p:cxnSp>
+        <p:nvCxnSpPr>
+          <p:cNvPr id="45" name="Elbow Connector 44">
+            <a:extLst>
+              <a:ext uri="{FF2B5EF4-FFF2-40B4-BE49-F238E27FC236}">
+                <a16:creationId xmlns:a16="http://schemas.microsoft.com/office/drawing/2014/main" id="{BF75B48A-0F14-7687-F0DF-52C785320394}"/>
+              </a:ext>
+            </a:extLst>
+          </p:cNvPr>
+          <p:cNvCxnSpPr>
+            <a:cxnSpLocks/>
+            <a:stCxn id="54" idx="1"/>
+          </p:cNvCxnSpPr>
+          <p:nvPr/>
+        </p:nvCxnSpPr>
+        <p:spPr>
+          <a:xfrm rot="10800000">
+            <a:off x="6096000" y="2273041"/>
+            <a:ext cx="1645340" cy="2557827"/>
+          </a:xfrm>
+          <a:prstGeom prst="bentConnector2">
+            <a:avLst/>
+          </a:prstGeom>
+          <a:ln w="38100">
+            <a:solidFill>
+              <a:schemeClr val="accent2">
+                <a:lumMod val="60000"/>
+                <a:lumOff val="40000"/>
+              </a:schemeClr>
+            </a:solidFill>
+          </a:ln>
+        </p:spPr>
+        <p:style>
+          <a:lnRef idx="1">
+            <a:schemeClr val="accent1"/>
+          </a:lnRef>
+          <a:fillRef idx="0">
+            <a:schemeClr val="accent1"/>
+          </a:fillRef>
+          <a:effectRef idx="0">
+            <a:schemeClr val="accent1"/>
+          </a:effectRef>
+          <a:fontRef idx="minor">
+            <a:schemeClr val="tx1"/>
+          </a:fontRef>
+        </p:style>
+      </p:cxnSp>
+      <p:cxnSp>
+        <p:nvCxnSpPr>
+          <p:cNvPr id="49" name="Straight Arrow Connector 48">
+            <a:extLst>
+              <a:ext uri="{FF2B5EF4-FFF2-40B4-BE49-F238E27FC236}">
+                <a16:creationId xmlns:a16="http://schemas.microsoft.com/office/drawing/2014/main" id="{6D8C6F5A-564E-F62C-2AC1-973170ABF55F}"/>
+              </a:ext>
+            </a:extLst>
+          </p:cNvPr>
+          <p:cNvCxnSpPr>
+            <a:cxnSpLocks/>
+          </p:cNvCxnSpPr>
+          <p:nvPr/>
+        </p:nvCxnSpPr>
+        <p:spPr>
+          <a:xfrm flipV="1">
+            <a:off x="6092348" y="2273040"/>
+            <a:ext cx="1098842" cy="17926"/>
+          </a:xfrm>
+          <a:prstGeom prst="straightConnector1">
+            <a:avLst/>
+          </a:prstGeom>
+          <a:ln w="38100">
+            <a:solidFill>
+              <a:schemeClr val="accent2">
+                <a:lumMod val="60000"/>
+                <a:lumOff val="40000"/>
+              </a:schemeClr>
+            </a:solidFill>
+            <a:tailEnd type="triangle"/>
+          </a:ln>
+        </p:spPr>
+        <p:style>
+          <a:lnRef idx="1">
+            <a:schemeClr val="accent1"/>
+          </a:lnRef>
+          <a:fillRef idx="0">
+            <a:schemeClr val="accent1"/>
+          </a:fillRef>
+          <a:effectRef idx="0">
+            <a:schemeClr val="accent1"/>
+          </a:effectRef>
+          <a:fontRef idx="minor">
+            <a:schemeClr val="tx1"/>
+          </a:fontRef>
+        </p:style>
+      </p:cxnSp>
+      <p:cxnSp>
+        <p:nvCxnSpPr>
+          <p:cNvPr id="52" name="Elbow Connector 51">
+            <a:extLst>
+              <a:ext uri="{FF2B5EF4-FFF2-40B4-BE49-F238E27FC236}">
+                <a16:creationId xmlns:a16="http://schemas.microsoft.com/office/drawing/2014/main" id="{7792EEF7-4828-AF71-0F4E-9311893D6E1F}"/>
+              </a:ext>
+            </a:extLst>
+          </p:cNvPr>
+          <p:cNvCxnSpPr>
+            <a:cxnSpLocks/>
+            <a:stCxn id="55" idx="1"/>
+          </p:cNvCxnSpPr>
+          <p:nvPr/>
+        </p:nvCxnSpPr>
+        <p:spPr>
+          <a:xfrm rot="10800000">
+            <a:off x="6351488" y="2543176"/>
+            <a:ext cx="1389852" cy="2812941"/>
+          </a:xfrm>
+          <a:prstGeom prst="bentConnector2">
+            <a:avLst/>
+          </a:prstGeom>
+          <a:ln w="38100">
+            <a:solidFill>
+              <a:schemeClr val="accent2">
+                <a:lumMod val="75000"/>
+              </a:schemeClr>
+            </a:solidFill>
+          </a:ln>
+        </p:spPr>
+        <p:style>
+          <a:lnRef idx="1">
+            <a:schemeClr val="accent1"/>
+          </a:lnRef>
+          <a:fillRef idx="0">
+            <a:schemeClr val="accent1"/>
+          </a:fillRef>
+          <a:effectRef idx="0">
+            <a:schemeClr val="accent1"/>
+          </a:effectRef>
+          <a:fontRef idx="minor">
+            <a:schemeClr val="tx1"/>
+          </a:fontRef>
+        </p:style>
+      </p:cxnSp>
+      <p:cxnSp>
+        <p:nvCxnSpPr>
+          <p:cNvPr id="62" name="Straight Arrow Connector 61">
+            <a:extLst>
+              <a:ext uri="{FF2B5EF4-FFF2-40B4-BE49-F238E27FC236}">
+                <a16:creationId xmlns:a16="http://schemas.microsoft.com/office/drawing/2014/main" id="{41FFE8EF-0BB9-AEB6-CA1E-24217E600E3D}"/>
+              </a:ext>
+            </a:extLst>
+          </p:cNvPr>
+          <p:cNvCxnSpPr>
+            <a:cxnSpLocks/>
+          </p:cNvCxnSpPr>
+          <p:nvPr/>
+        </p:nvCxnSpPr>
+        <p:spPr>
+          <a:xfrm>
+            <a:off x="6342665" y="2556458"/>
+            <a:ext cx="838554" cy="0"/>
+          </a:xfrm>
+          <a:prstGeom prst="straightConnector1">
+            <a:avLst/>
+          </a:prstGeom>
+          <a:ln w="38100">
+            <a:solidFill>
+              <a:schemeClr val="accent2">
+                <a:lumMod val="75000"/>
+              </a:schemeClr>
+            </a:solidFill>
+            <a:tailEnd type="triangle"/>
+          </a:ln>
+        </p:spPr>
+        <p:style>
+          <a:lnRef idx="1">
+            <a:schemeClr val="accent1"/>
+          </a:lnRef>
+          <a:fillRef idx="0">
+            <a:schemeClr val="accent1"/>
+          </a:fillRef>
+          <a:effectRef idx="0">
+            <a:schemeClr val="accent1"/>
+          </a:effectRef>
+          <a:fontRef idx="minor">
+            <a:schemeClr val="tx1"/>
+          </a:fontRef>
+        </p:style>
+      </p:cxnSp>
+      <p:cxnSp>
+        <p:nvCxnSpPr>
+          <p:cNvPr id="64" name="Elbow Connector 63">
+            <a:extLst>
+              <a:ext uri="{FF2B5EF4-FFF2-40B4-BE49-F238E27FC236}">
+                <a16:creationId xmlns:a16="http://schemas.microsoft.com/office/drawing/2014/main" id="{3992A127-EDA2-543A-BCA6-39F25DBB4C5A}"/>
+              </a:ext>
+            </a:extLst>
+          </p:cNvPr>
+          <p:cNvCxnSpPr>
+            <a:cxnSpLocks/>
+            <a:stCxn id="23" idx="1"/>
+          </p:cNvCxnSpPr>
+          <p:nvPr/>
+        </p:nvCxnSpPr>
+        <p:spPr>
+          <a:xfrm rot="10800000">
+            <a:off x="6598429" y="2858480"/>
+            <a:ext cx="1068142" cy="3382150"/>
+          </a:xfrm>
+          <a:prstGeom prst="bentConnector2">
+            <a:avLst/>
+          </a:prstGeom>
+          <a:ln w="38100">
+            <a:solidFill>
+              <a:schemeClr val="accent2">
+                <a:lumMod val="60000"/>
+                <a:lumOff val="40000"/>
+              </a:schemeClr>
+            </a:solidFill>
+          </a:ln>
+        </p:spPr>
+        <p:style>
+          <a:lnRef idx="1">
+            <a:schemeClr val="accent1"/>
+          </a:lnRef>
+          <a:fillRef idx="0">
+            <a:schemeClr val="accent1"/>
+          </a:fillRef>
+          <a:effectRef idx="0">
+            <a:schemeClr val="accent1"/>
+          </a:effectRef>
+          <a:fontRef idx="minor">
+            <a:schemeClr val="tx1"/>
+          </a:fontRef>
+        </p:style>
+      </p:cxnSp>
+      <p:cxnSp>
+        <p:nvCxnSpPr>
+          <p:cNvPr id="67" name="Straight Arrow Connector 66">
+            <a:extLst>
+              <a:ext uri="{FF2B5EF4-FFF2-40B4-BE49-F238E27FC236}">
+                <a16:creationId xmlns:a16="http://schemas.microsoft.com/office/drawing/2014/main" id="{5BF741EA-D9A2-D199-B548-0EFD121126F6}"/>
+              </a:ext>
+            </a:extLst>
+          </p:cNvPr>
+          <p:cNvCxnSpPr>
+            <a:cxnSpLocks/>
+          </p:cNvCxnSpPr>
+          <p:nvPr/>
+        </p:nvCxnSpPr>
+        <p:spPr>
+          <a:xfrm>
+            <a:off x="6584982" y="2858480"/>
+            <a:ext cx="606208" cy="0"/>
+          </a:xfrm>
+          <a:prstGeom prst="straightConnector1">
+            <a:avLst/>
+          </a:prstGeom>
+          <a:ln w="38100">
+            <a:solidFill>
+              <a:schemeClr val="accent2">
+                <a:lumMod val="60000"/>
+                <a:lumOff val="40000"/>
+              </a:schemeClr>
+            </a:solidFill>
+            <a:tailEnd type="triangle"/>
+          </a:ln>
+        </p:spPr>
+        <p:style>
+          <a:lnRef idx="1">
+            <a:schemeClr val="accent1"/>
+          </a:lnRef>
+          <a:fillRef idx="0">
+            <a:schemeClr val="accent1"/>
+          </a:fillRef>
+          <a:effectRef idx="0">
+            <a:schemeClr val="accent1"/>
+          </a:effectRef>
+          <a:fontRef idx="minor">
+            <a:schemeClr val="tx1"/>
+          </a:fontRef>
+        </p:style>
+      </p:cxnSp>
+      <p:cxnSp>
+        <p:nvCxnSpPr>
+          <p:cNvPr id="72" name="Straight Connector 71">
+            <a:extLst>
+              <a:ext uri="{FF2B5EF4-FFF2-40B4-BE49-F238E27FC236}">
+                <a16:creationId xmlns:a16="http://schemas.microsoft.com/office/drawing/2014/main" id="{8FC54A36-15DB-19A6-8E0C-E7BD1BDCB908}"/>
+              </a:ext>
+            </a:extLst>
+          </p:cNvPr>
+          <p:cNvCxnSpPr>
+            <a:cxnSpLocks/>
+          </p:cNvCxnSpPr>
+          <p:nvPr/>
+        </p:nvCxnSpPr>
+        <p:spPr>
+          <a:xfrm>
+            <a:off x="10287334" y="2543176"/>
+            <a:ext cx="996751" cy="0"/>
+          </a:xfrm>
+          <a:prstGeom prst="line">
+            <a:avLst/>
+          </a:prstGeom>
+          <a:ln w="38100">
+            <a:solidFill>
+              <a:schemeClr val="accent2">
+                <a:lumMod val="60000"/>
+                <a:lumOff val="40000"/>
+              </a:schemeClr>
+            </a:solidFill>
+          </a:ln>
+        </p:spPr>
+        <p:style>
+          <a:lnRef idx="1">
+            <a:schemeClr val="accent1"/>
+          </a:lnRef>
+          <a:fillRef idx="0">
+            <a:schemeClr val="accent1"/>
+          </a:fillRef>
+          <a:effectRef idx="0">
+            <a:schemeClr val="accent1"/>
+          </a:effectRef>
+          <a:fontRef idx="minor">
+            <a:schemeClr val="tx1"/>
+          </a:fontRef>
+        </p:style>
+      </p:cxnSp>
+      <p:cxnSp>
+        <p:nvCxnSpPr>
+          <p:cNvPr id="75" name="Elbow Connector 74">
+            <a:extLst>
+              <a:ext uri="{FF2B5EF4-FFF2-40B4-BE49-F238E27FC236}">
+                <a16:creationId xmlns:a16="http://schemas.microsoft.com/office/drawing/2014/main" id="{55AB830F-4BDF-35C6-6F94-3B017704C8A0}"/>
+              </a:ext>
+            </a:extLst>
+          </p:cNvPr>
+          <p:cNvCxnSpPr>
+            <a:cxnSpLocks/>
+            <a:endCxn id="54" idx="3"/>
+          </p:cNvCxnSpPr>
+          <p:nvPr/>
+        </p:nvCxnSpPr>
+        <p:spPr>
+          <a:xfrm rot="10800000" flipV="1">
+            <a:off x="8700089" y="2543173"/>
+            <a:ext cx="2583996" cy="2287693"/>
+          </a:xfrm>
+          <a:prstGeom prst="bentConnector3">
+            <a:avLst>
+              <a:gd name="adj1" fmla="val 559"/>
+            </a:avLst>
+          </a:prstGeom>
+          <a:ln w="38100">
+            <a:solidFill>
+              <a:schemeClr val="accent2">
+                <a:lumMod val="60000"/>
+                <a:lumOff val="40000"/>
+              </a:schemeClr>
+            </a:solidFill>
+            <a:tailEnd type="triangle"/>
+          </a:ln>
+        </p:spPr>
+        <p:style>
+          <a:lnRef idx="1">
+            <a:schemeClr val="accent1"/>
+          </a:lnRef>
+          <a:fillRef idx="0">
+            <a:schemeClr val="accent1"/>
+          </a:fillRef>
+          <a:effectRef idx="0">
+            <a:schemeClr val="accent1"/>
+          </a:effectRef>
+          <a:fontRef idx="minor">
+            <a:schemeClr val="tx1"/>
+          </a:fontRef>
+        </p:style>
+      </p:cxnSp>
+      <p:cxnSp>
+        <p:nvCxnSpPr>
+          <p:cNvPr id="80" name="Straight Connector 79">
+            <a:extLst>
+              <a:ext uri="{FF2B5EF4-FFF2-40B4-BE49-F238E27FC236}">
+                <a16:creationId xmlns:a16="http://schemas.microsoft.com/office/drawing/2014/main" id="{EA10CDF9-7A14-6424-DB58-E4453D5CD8C5}"/>
+              </a:ext>
+            </a:extLst>
+          </p:cNvPr>
+          <p:cNvCxnSpPr>
+            <a:cxnSpLocks/>
+          </p:cNvCxnSpPr>
+          <p:nvPr/>
+        </p:nvCxnSpPr>
+        <p:spPr>
+          <a:xfrm>
+            <a:off x="10287334" y="2746452"/>
+            <a:ext cx="691951" cy="0"/>
+          </a:xfrm>
+          <a:prstGeom prst="line">
+            <a:avLst/>
+          </a:prstGeom>
+          <a:ln w="38100">
+            <a:solidFill>
+              <a:schemeClr val="accent2">
+                <a:lumMod val="75000"/>
+              </a:schemeClr>
+            </a:solidFill>
+          </a:ln>
+        </p:spPr>
+        <p:style>
+          <a:lnRef idx="1">
+            <a:schemeClr val="accent1"/>
+          </a:lnRef>
+          <a:fillRef idx="0">
+            <a:schemeClr val="accent1"/>
+          </a:fillRef>
+          <a:effectRef idx="0">
+            <a:schemeClr val="accent1"/>
+          </a:effectRef>
+          <a:fontRef idx="minor">
+            <a:schemeClr val="tx1"/>
+          </a:fontRef>
+        </p:style>
+      </p:cxnSp>
+      <p:cxnSp>
+        <p:nvCxnSpPr>
+          <p:cNvPr id="82" name="Elbow Connector 81">
+            <a:extLst>
+              <a:ext uri="{FF2B5EF4-FFF2-40B4-BE49-F238E27FC236}">
+                <a16:creationId xmlns:a16="http://schemas.microsoft.com/office/drawing/2014/main" id="{7C2768CC-5FA7-B975-5C3B-42EDF4DFC872}"/>
+              </a:ext>
+            </a:extLst>
+          </p:cNvPr>
+          <p:cNvCxnSpPr>
+            <a:cxnSpLocks/>
+            <a:endCxn id="55" idx="3"/>
+          </p:cNvCxnSpPr>
+          <p:nvPr/>
+        </p:nvCxnSpPr>
+        <p:spPr>
+          <a:xfrm rot="5400000">
+            <a:off x="8529711" y="2906541"/>
+            <a:ext cx="2619953" cy="2279196"/>
+          </a:xfrm>
+          <a:prstGeom prst="bentConnector2">
+            <a:avLst/>
+          </a:prstGeom>
+          <a:ln w="38100">
+            <a:solidFill>
+              <a:schemeClr val="accent2">
+                <a:lumMod val="75000"/>
+              </a:schemeClr>
+            </a:solidFill>
+            <a:tailEnd type="triangle"/>
+          </a:ln>
+        </p:spPr>
+        <p:style>
+          <a:lnRef idx="1">
+            <a:schemeClr val="accent1"/>
+          </a:lnRef>
+          <a:fillRef idx="0">
+            <a:schemeClr val="accent1"/>
+          </a:fillRef>
+          <a:effectRef idx="0">
+            <a:schemeClr val="accent1"/>
+          </a:effectRef>
+          <a:fontRef idx="minor">
+            <a:schemeClr val="tx1"/>
+          </a:fontRef>
+        </p:style>
+      </p:cxnSp>
+      <p:cxnSp>
+        <p:nvCxnSpPr>
+          <p:cNvPr id="86" name="Straight Connector 85">
+            <a:extLst>
+              <a:ext uri="{FF2B5EF4-FFF2-40B4-BE49-F238E27FC236}">
+                <a16:creationId xmlns:a16="http://schemas.microsoft.com/office/drawing/2014/main" id="{940E502A-47AA-5D87-DB49-D2C59AD8CC15}"/>
+              </a:ext>
+            </a:extLst>
+          </p:cNvPr>
+          <p:cNvCxnSpPr>
+            <a:cxnSpLocks/>
+          </p:cNvCxnSpPr>
+          <p:nvPr/>
+        </p:nvCxnSpPr>
+        <p:spPr>
+          <a:xfrm>
+            <a:off x="10287334" y="2975540"/>
+            <a:ext cx="393636" cy="0"/>
+          </a:xfrm>
+          <a:prstGeom prst="line">
+            <a:avLst/>
+          </a:prstGeom>
+          <a:ln w="38100">
+            <a:solidFill>
+              <a:schemeClr val="accent2">
+                <a:lumMod val="60000"/>
+                <a:lumOff val="40000"/>
+              </a:schemeClr>
+            </a:solidFill>
+          </a:ln>
+        </p:spPr>
+        <p:style>
+          <a:lnRef idx="1">
+            <a:schemeClr val="accent1"/>
+          </a:lnRef>
+          <a:fillRef idx="0">
+            <a:schemeClr val="accent1"/>
+          </a:fillRef>
+          <a:effectRef idx="0">
+            <a:schemeClr val="accent1"/>
+          </a:effectRef>
+          <a:fontRef idx="minor">
+            <a:schemeClr val="tx1"/>
+          </a:fontRef>
+        </p:style>
+      </p:cxnSp>
+      <p:cxnSp>
+        <p:nvCxnSpPr>
+          <p:cNvPr id="88" name="Elbow Connector 87">
+            <a:extLst>
+              <a:ext uri="{FF2B5EF4-FFF2-40B4-BE49-F238E27FC236}">
+                <a16:creationId xmlns:a16="http://schemas.microsoft.com/office/drawing/2014/main" id="{DB15278B-F603-7DB3-AE84-D87D560F39F7}"/>
+              </a:ext>
+            </a:extLst>
+          </p:cNvPr>
+          <p:cNvCxnSpPr>
+            <a:cxnSpLocks/>
+            <a:endCxn id="23" idx="3"/>
+          </p:cNvCxnSpPr>
+          <p:nvPr/>
+        </p:nvCxnSpPr>
+        <p:spPr>
+          <a:xfrm rot="5400000">
+            <a:off x="8091302" y="3641737"/>
+            <a:ext cx="3282449" cy="1915337"/>
+          </a:xfrm>
+          <a:prstGeom prst="bentConnector2">
+            <a:avLst/>
+          </a:prstGeom>
+          <a:ln w="38100">
+            <a:solidFill>
+              <a:schemeClr val="accent2">
+                <a:lumMod val="60000"/>
+                <a:lumOff val="40000"/>
+              </a:schemeClr>
+            </a:solidFill>
+            <a:tailEnd type="triangle"/>
+          </a:ln>
+        </p:spPr>
+        <p:style>
+          <a:lnRef idx="1">
+            <a:schemeClr val="accent1"/>
+          </a:lnRef>
+          <a:fillRef idx="0">
+            <a:schemeClr val="accent1"/>
+          </a:fillRef>
+          <a:effectRef idx="0">
+            <a:schemeClr val="accent1"/>
+          </a:effectRef>
+          <a:fontRef idx="minor">
+            <a:schemeClr val="tx1"/>
+          </a:fontRef>
+        </p:style>
+      </p:cxnSp>
+      <p:sp>
+        <p:nvSpPr>
+          <p:cNvPr id="90" name="下箭头 20">
+            <a:extLst>
+              <a:ext uri="{FF2B5EF4-FFF2-40B4-BE49-F238E27FC236}">
+                <a16:creationId xmlns:a16="http://schemas.microsoft.com/office/drawing/2014/main" id="{D90664E4-9569-9AC4-4DFC-6FA08DF1FE3A}"/>
+              </a:ext>
+            </a:extLst>
+          </p:cNvPr>
+          <p:cNvSpPr/>
+          <p:nvPr/>
+        </p:nvSpPr>
+        <p:spPr>
+          <a:xfrm>
+            <a:off x="8109448" y="5609874"/>
+            <a:ext cx="222532" cy="142796"/>
+          </a:xfrm>
+          <a:prstGeom prst="downArrow">
+            <a:avLst/>
+          </a:prstGeom>
+        </p:spPr>
+        <p:style>
+          <a:lnRef idx="2">
+            <a:schemeClr val="accent3">
+              <a:shade val="15000"/>
+            </a:schemeClr>
+          </a:lnRef>
+          <a:fillRef idx="1">
+            <a:schemeClr val="accent3"/>
+          </a:fillRef>
+          <a:effectRef idx="0">
+            <a:schemeClr val="accent3"/>
+          </a:effectRef>
+          <a:fontRef idx="minor">
+            <a:schemeClr val="lt1"/>
+          </a:fontRef>
+        </p:style>
+        <p:txBody>
+          <a:bodyPr rtlCol="0" anchor="ctr"/>
+          <a:lstStyle/>
+          <a:p>
+            <a:pPr algn="ctr"/>
+            <a:endParaRPr kumimoji="1" lang="zh-CN" altLang="en-US" sz="1600" dirty="0"/>
+          </a:p>
+        </p:txBody>
+      </p:sp>
+      <p:sp>
+        <p:nvSpPr>
+          <p:cNvPr id="91" name="TextBox 90">
+            <a:extLst>
+              <a:ext uri="{FF2B5EF4-FFF2-40B4-BE49-F238E27FC236}">
+                <a16:creationId xmlns:a16="http://schemas.microsoft.com/office/drawing/2014/main" id="{A54D9A6D-C849-1938-8D73-42B049FD04B6}"/>
+              </a:ext>
+            </a:extLst>
+          </p:cNvPr>
+          <p:cNvSpPr txBox="1"/>
+          <p:nvPr/>
+        </p:nvSpPr>
+        <p:spPr>
+          <a:xfrm>
+            <a:off x="8283152" y="5565255"/>
+            <a:ext cx="540533" cy="215444"/>
+          </a:xfrm>
+          <a:prstGeom prst="rect">
+            <a:avLst/>
+          </a:prstGeom>
+          <a:noFill/>
+        </p:spPr>
+        <p:txBody>
+          <a:bodyPr wrap="none" rtlCol="0">
+            <a:spAutoFit/>
+          </a:bodyPr>
+          <a:lstStyle/>
+          <a:p>
+            <a:r>
+              <a:rPr lang="en-CN" sz="800" dirty="0"/>
+              <a:t>Address</a:t>
+            </a:r>
+          </a:p>
+        </p:txBody>
+      </p:sp>
+      <p:cxnSp>
+        <p:nvCxnSpPr>
+          <p:cNvPr id="93" name="Elbow Connector 92">
+            <a:extLst>
+              <a:ext uri="{FF2B5EF4-FFF2-40B4-BE49-F238E27FC236}">
+                <a16:creationId xmlns:a16="http://schemas.microsoft.com/office/drawing/2014/main" id="{09802CFD-974E-7273-964E-E9390D5FF5D7}"/>
+              </a:ext>
+            </a:extLst>
+          </p:cNvPr>
+          <p:cNvCxnSpPr>
+            <a:cxnSpLocks/>
+            <a:endCxn id="3" idx="2"/>
+          </p:cNvCxnSpPr>
+          <p:nvPr/>
+        </p:nvCxnSpPr>
+        <p:spPr>
+          <a:xfrm rot="10800000">
+            <a:off x="607701" y="2636263"/>
+            <a:ext cx="5743786" cy="2719852"/>
+          </a:xfrm>
+          <a:prstGeom prst="bentConnector2">
+            <a:avLst/>
+          </a:prstGeom>
+          <a:ln w="38100">
+            <a:solidFill>
+              <a:schemeClr val="accent2">
+                <a:lumMod val="75000"/>
+              </a:schemeClr>
+            </a:solidFill>
+            <a:tailEnd type="triangle"/>
+          </a:ln>
+        </p:spPr>
+        <p:style>
+          <a:lnRef idx="1">
+            <a:schemeClr val="accent1"/>
+          </a:lnRef>
+          <a:fillRef idx="0">
+            <a:schemeClr val="accent1"/>
+          </a:fillRef>
+          <a:effectRef idx="0">
+            <a:schemeClr val="accent1"/>
+          </a:effectRef>
+          <a:fontRef idx="minor">
+            <a:schemeClr val="tx1"/>
+          </a:fontRef>
+        </p:style>
+      </p:cxnSp>
+      <p:sp>
+        <p:nvSpPr>
+          <p:cNvPr id="95" name="TextBox 94">
+            <a:extLst>
+              <a:ext uri="{FF2B5EF4-FFF2-40B4-BE49-F238E27FC236}">
+                <a16:creationId xmlns:a16="http://schemas.microsoft.com/office/drawing/2014/main" id="{6D0EF58E-3526-5A19-A657-4996C548DAF4}"/>
+              </a:ext>
+            </a:extLst>
+          </p:cNvPr>
+          <p:cNvSpPr txBox="1"/>
+          <p:nvPr/>
+        </p:nvSpPr>
+        <p:spPr>
+          <a:xfrm>
+            <a:off x="7204188" y="2305022"/>
+            <a:ext cx="367408" cy="215444"/>
+          </a:xfrm>
+          <a:prstGeom prst="rect">
+            <a:avLst/>
+          </a:prstGeom>
+          <a:noFill/>
+        </p:spPr>
+        <p:txBody>
+          <a:bodyPr wrap="none" rtlCol="0">
+            <a:spAutoFit/>
+          </a:bodyPr>
+          <a:lstStyle/>
+          <a:p>
+            <a:r>
+              <a:rPr lang="en-CN" sz="800" dirty="0"/>
+              <a:t>ALU</a:t>
+            </a:r>
+          </a:p>
+        </p:txBody>
+      </p:sp>
+      <p:sp>
+        <p:nvSpPr>
+          <p:cNvPr id="96" name="TextBox 95">
+            <a:extLst>
+              <a:ext uri="{FF2B5EF4-FFF2-40B4-BE49-F238E27FC236}">
+                <a16:creationId xmlns:a16="http://schemas.microsoft.com/office/drawing/2014/main" id="{7FFF540C-D4F6-F71C-CE80-8B13A35702A1}"/>
+              </a:ext>
+            </a:extLst>
+          </p:cNvPr>
+          <p:cNvSpPr txBox="1"/>
+          <p:nvPr/>
+        </p:nvSpPr>
+        <p:spPr>
+          <a:xfrm>
+            <a:off x="6574744" y="3251441"/>
+            <a:ext cx="877163" cy="215444"/>
+          </a:xfrm>
+          <a:prstGeom prst="rect">
+            <a:avLst/>
+          </a:prstGeom>
+          <a:noFill/>
+        </p:spPr>
+        <p:txBody>
+          <a:bodyPr wrap="none" rtlCol="0">
+            <a:spAutoFit/>
+          </a:bodyPr>
+          <a:lstStyle/>
+          <a:p>
+            <a:r>
+              <a:rPr lang="en-CN" sz="800" dirty="0"/>
+              <a:t>Operation</a:t>
+            </a:r>
+            <a:r>
+              <a:rPr lang="zh-CN" altLang="en-US" sz="800" dirty="0"/>
+              <a:t> </a:t>
+            </a:r>
+            <a:r>
+              <a:rPr lang="en-US" altLang="zh-CN" sz="800" dirty="0"/>
+              <a:t>code</a:t>
+            </a:r>
+            <a:endParaRPr lang="en-CN" sz="800" dirty="0"/>
+          </a:p>
+        </p:txBody>
+      </p:sp>
+      <p:sp>
+        <p:nvSpPr>
+          <p:cNvPr id="102" name="Triangle 101">
+            <a:extLst>
+              <a:ext uri="{FF2B5EF4-FFF2-40B4-BE49-F238E27FC236}">
+                <a16:creationId xmlns:a16="http://schemas.microsoft.com/office/drawing/2014/main" id="{6AB4A947-2EC7-E724-0701-838F5697C92A}"/>
+              </a:ext>
+            </a:extLst>
+          </p:cNvPr>
+          <p:cNvSpPr/>
+          <p:nvPr/>
+        </p:nvSpPr>
+        <p:spPr>
+          <a:xfrm rot="5400000">
+            <a:off x="7746757" y="3523688"/>
+            <a:ext cx="696831" cy="346344"/>
+          </a:xfrm>
+          <a:prstGeom prst="triangle">
+            <a:avLst/>
+          </a:prstGeom>
+          <a:solidFill>
+            <a:schemeClr val="bg2">
+              <a:lumMod val="75000"/>
+            </a:schemeClr>
+          </a:solidFill>
+        </p:spPr>
+        <p:style>
+          <a:lnRef idx="2">
+            <a:schemeClr val="accent1">
+              <a:shade val="15000"/>
+            </a:schemeClr>
+          </a:lnRef>
+          <a:fillRef idx="1">
+            <a:schemeClr val="accent1"/>
+          </a:fillRef>
+          <a:effectRef idx="0">
+            <a:schemeClr val="accent1"/>
+          </a:effectRef>
+          <a:fontRef idx="minor">
+            <a:schemeClr val="lt1"/>
+          </a:fontRef>
+        </p:style>
+        <p:txBody>
+          <a:bodyPr rtlCol="0" anchor="ctr"/>
+          <a:lstStyle/>
+          <a:p>
+            <a:pPr algn="ctr"/>
+            <a:endParaRPr lang="en-CN"/>
+          </a:p>
+        </p:txBody>
+      </p:sp>
+      <p:sp>
+        <p:nvSpPr>
+          <p:cNvPr id="104" name="TextBox 103">
+            <a:extLst>
+              <a:ext uri="{FF2B5EF4-FFF2-40B4-BE49-F238E27FC236}">
+                <a16:creationId xmlns:a16="http://schemas.microsoft.com/office/drawing/2014/main" id="{5EE04CDB-8B6F-F2A4-9639-D5B82C63C73B}"/>
+              </a:ext>
+            </a:extLst>
+          </p:cNvPr>
+          <p:cNvSpPr txBox="1"/>
+          <p:nvPr/>
+        </p:nvSpPr>
+        <p:spPr>
+          <a:xfrm rot="5400000">
+            <a:off x="9939166" y="2618344"/>
+            <a:ext cx="471604" cy="215444"/>
+          </a:xfrm>
+          <a:prstGeom prst="rect">
+            <a:avLst/>
+          </a:prstGeom>
+          <a:noFill/>
+        </p:spPr>
+        <p:txBody>
+          <a:bodyPr wrap="none" rtlCol="0">
+            <a:spAutoFit/>
+          </a:bodyPr>
+          <a:lstStyle/>
+          <a:p>
+            <a:r>
+              <a:rPr lang="en-CN" sz="800" dirty="0"/>
+              <a:t>DMUX</a:t>
+            </a:r>
+          </a:p>
+        </p:txBody>
+      </p:sp>
+      <p:sp>
+        <p:nvSpPr>
+          <p:cNvPr id="105" name="TextBox 104">
+            <a:extLst>
+              <a:ext uri="{FF2B5EF4-FFF2-40B4-BE49-F238E27FC236}">
+                <a16:creationId xmlns:a16="http://schemas.microsoft.com/office/drawing/2014/main" id="{47DEF265-F1B7-E24C-8185-17E5811ACF81}"/>
+              </a:ext>
+            </a:extLst>
+          </p:cNvPr>
+          <p:cNvSpPr txBox="1"/>
+          <p:nvPr/>
+        </p:nvSpPr>
+        <p:spPr>
+          <a:xfrm>
+            <a:off x="7835679" y="3593003"/>
+            <a:ext cx="470000" cy="215444"/>
+          </a:xfrm>
+          <a:prstGeom prst="rect">
+            <a:avLst/>
+          </a:prstGeom>
+          <a:noFill/>
+        </p:spPr>
+        <p:txBody>
+          <a:bodyPr wrap="none" rtlCol="0">
+            <a:spAutoFit/>
+          </a:bodyPr>
+          <a:lstStyle/>
+          <a:p>
+            <a:r>
+              <a:rPr lang="en-CN" sz="800" dirty="0"/>
+              <a:t>COMP</a:t>
+            </a:r>
+          </a:p>
+        </p:txBody>
+      </p:sp>
+      <p:sp>
+        <p:nvSpPr>
+          <p:cNvPr id="106" name="Right Arrow 105">
+            <a:extLst>
+              <a:ext uri="{FF2B5EF4-FFF2-40B4-BE49-F238E27FC236}">
+                <a16:creationId xmlns:a16="http://schemas.microsoft.com/office/drawing/2014/main" id="{81FDDA70-B5C1-3DC3-0AAE-DC4E9F34BC76}"/>
+              </a:ext>
+            </a:extLst>
+          </p:cNvPr>
+          <p:cNvSpPr/>
+          <p:nvPr/>
+        </p:nvSpPr>
+        <p:spPr>
+          <a:xfrm>
+            <a:off x="8302870" y="3602400"/>
+            <a:ext cx="182898" cy="215210"/>
+          </a:xfrm>
+          <a:prstGeom prst="rightArrow">
+            <a:avLst/>
+          </a:prstGeom>
+          <a:solidFill>
+            <a:schemeClr val="accent1">
+              <a:lumMod val="40000"/>
+              <a:lumOff val="60000"/>
+            </a:schemeClr>
+          </a:solidFill>
+        </p:spPr>
+        <p:style>
+          <a:lnRef idx="2">
+            <a:schemeClr val="accent1">
+              <a:shade val="15000"/>
+            </a:schemeClr>
+          </a:lnRef>
+          <a:fillRef idx="1">
+            <a:schemeClr val="accent1"/>
+          </a:fillRef>
+          <a:effectRef idx="0">
+            <a:schemeClr val="accent1"/>
+          </a:effectRef>
+          <a:fontRef idx="minor">
+            <a:schemeClr val="lt1"/>
+          </a:fontRef>
+        </p:style>
+        <p:txBody>
+          <a:bodyPr rtlCol="0" anchor="ctr"/>
+          <a:lstStyle/>
+          <a:p>
+            <a:pPr algn="ctr"/>
+            <a:endParaRPr lang="en-CN"/>
+          </a:p>
+        </p:txBody>
+      </p:sp>
+      <p:sp>
+        <p:nvSpPr>
+          <p:cNvPr id="107" name="TextBox 106">
+            <a:extLst>
+              <a:ext uri="{FF2B5EF4-FFF2-40B4-BE49-F238E27FC236}">
+                <a16:creationId xmlns:a16="http://schemas.microsoft.com/office/drawing/2014/main" id="{93E574F9-F9F1-C3BD-2BD3-D36422E32A58}"/>
+              </a:ext>
+            </a:extLst>
+          </p:cNvPr>
+          <p:cNvSpPr txBox="1"/>
+          <p:nvPr/>
+        </p:nvSpPr>
+        <p:spPr>
+          <a:xfrm>
+            <a:off x="6939377" y="4246332"/>
+            <a:ext cx="410690" cy="215444"/>
+          </a:xfrm>
+          <a:prstGeom prst="rect">
+            <a:avLst/>
+          </a:prstGeom>
+          <a:noFill/>
+        </p:spPr>
+        <p:txBody>
+          <a:bodyPr wrap="none" rtlCol="0">
+            <a:spAutoFit/>
+          </a:bodyPr>
+          <a:lstStyle/>
+          <a:p>
+            <a:r>
+              <a:rPr lang="en-CN" sz="800" dirty="0"/>
+              <a:t>Flush</a:t>
+            </a:r>
+          </a:p>
+        </p:txBody>
+      </p:sp>
+      <p:sp>
+        <p:nvSpPr>
+          <p:cNvPr id="108" name="TextBox 107">
+            <a:extLst>
+              <a:ext uri="{FF2B5EF4-FFF2-40B4-BE49-F238E27FC236}">
+                <a16:creationId xmlns:a16="http://schemas.microsoft.com/office/drawing/2014/main" id="{D409BE98-76DC-EEF8-4474-D8C46D683DE3}"/>
+              </a:ext>
+            </a:extLst>
+          </p:cNvPr>
+          <p:cNvSpPr txBox="1"/>
+          <p:nvPr/>
+        </p:nvSpPr>
+        <p:spPr>
+          <a:xfrm>
+            <a:off x="4270899" y="4258747"/>
+            <a:ext cx="410690" cy="215444"/>
+          </a:xfrm>
+          <a:prstGeom prst="rect">
+            <a:avLst/>
+          </a:prstGeom>
+          <a:noFill/>
+        </p:spPr>
+        <p:txBody>
+          <a:bodyPr wrap="none" rtlCol="0">
+            <a:spAutoFit/>
+          </a:bodyPr>
+          <a:lstStyle/>
+          <a:p>
+            <a:r>
+              <a:rPr lang="en-CN" sz="800" dirty="0"/>
+              <a:t>Flush</a:t>
+            </a:r>
+          </a:p>
+        </p:txBody>
+      </p:sp>
+      <p:sp>
+        <p:nvSpPr>
+          <p:cNvPr id="109" name="TextBox 108">
+            <a:extLst>
+              <a:ext uri="{FF2B5EF4-FFF2-40B4-BE49-F238E27FC236}">
+                <a16:creationId xmlns:a16="http://schemas.microsoft.com/office/drawing/2014/main" id="{8CCA343B-66AE-8D94-36D0-F4CB661A2583}"/>
+              </a:ext>
+            </a:extLst>
+          </p:cNvPr>
+          <p:cNvSpPr txBox="1"/>
+          <p:nvPr/>
+        </p:nvSpPr>
+        <p:spPr>
+          <a:xfrm>
+            <a:off x="1907087" y="3459914"/>
+            <a:ext cx="1151277" cy="215444"/>
+          </a:xfrm>
+          <a:prstGeom prst="rect">
+            <a:avLst/>
+          </a:prstGeom>
+          <a:noFill/>
+        </p:spPr>
+        <p:txBody>
+          <a:bodyPr wrap="none" rtlCol="0">
+            <a:spAutoFit/>
+          </a:bodyPr>
+          <a:lstStyle/>
+          <a:p>
+            <a:r>
+              <a:rPr lang="en-CN" sz="800" dirty="0"/>
+              <a:t>Flush&amp;Update PC_reg</a:t>
+            </a:r>
+          </a:p>
+        </p:txBody>
+      </p:sp>
+      <p:sp>
+        <p:nvSpPr>
+          <p:cNvPr id="110" name="TextBox 109">
+            <a:extLst>
+              <a:ext uri="{FF2B5EF4-FFF2-40B4-BE49-F238E27FC236}">
+                <a16:creationId xmlns:a16="http://schemas.microsoft.com/office/drawing/2014/main" id="{7D08BFB7-8CF6-9044-DD8C-2DFE866A9D9B}"/>
+              </a:ext>
+            </a:extLst>
+          </p:cNvPr>
+          <p:cNvSpPr txBox="1"/>
+          <p:nvPr/>
+        </p:nvSpPr>
+        <p:spPr>
+          <a:xfrm>
+            <a:off x="1120457" y="472273"/>
+            <a:ext cx="3890809" cy="369332"/>
+          </a:xfrm>
+          <a:prstGeom prst="rect">
+            <a:avLst/>
+          </a:prstGeom>
+          <a:noFill/>
+        </p:spPr>
+        <p:txBody>
+          <a:bodyPr wrap="none" rtlCol="0">
+            <a:spAutoFit/>
+          </a:bodyPr>
+          <a:lstStyle/>
+          <a:p>
+            <a:r>
+              <a:rPr lang="en-CN" dirty="0"/>
+              <a:t>Finished on Feb 8. Control Instruction</a:t>
+            </a:r>
+          </a:p>
+        </p:txBody>
+      </p:sp>
+      <p:sp>
+        <p:nvSpPr>
+          <p:cNvPr id="111" name="TextBox 110">
+            <a:extLst>
+              <a:ext uri="{FF2B5EF4-FFF2-40B4-BE49-F238E27FC236}">
+                <a16:creationId xmlns:a16="http://schemas.microsoft.com/office/drawing/2014/main" id="{945846AD-8DBA-E5AB-D081-79458DB4DD9A}"/>
+              </a:ext>
+            </a:extLst>
+          </p:cNvPr>
+          <p:cNvSpPr txBox="1"/>
+          <p:nvPr/>
+        </p:nvSpPr>
+        <p:spPr>
+          <a:xfrm>
+            <a:off x="607700" y="5868237"/>
+            <a:ext cx="6118983" cy="646331"/>
+          </a:xfrm>
+          <a:prstGeom prst="rect">
+            <a:avLst/>
+          </a:prstGeom>
+          <a:noFill/>
+        </p:spPr>
+        <p:txBody>
+          <a:bodyPr wrap="none" rtlCol="0">
+            <a:spAutoFit/>
+          </a:bodyPr>
+          <a:lstStyle/>
+          <a:p>
+            <a:r>
+              <a:rPr lang="en-CN" dirty="0"/>
+              <a:t>该结构图仅展示的是指令集的</a:t>
+            </a:r>
+            <a:r>
+              <a:rPr lang="zh-CN" altLang="en-US" dirty="0"/>
+              <a:t>“控制指令”原理</a:t>
+            </a:r>
+            <a:endParaRPr lang="en-US" altLang="zh-CN" dirty="0"/>
+          </a:p>
+          <a:p>
+            <a:r>
+              <a:rPr lang="zh-CN" altLang="en-US" dirty="0"/>
+              <a:t>对于“数据指令”，简单来说</a:t>
+            </a:r>
+            <a:r>
+              <a:rPr lang="zh-CN" altLang="en-CN" dirty="0"/>
+              <a:t>就是将</a:t>
+            </a:r>
+            <a:r>
+              <a:rPr lang="zh-CN" altLang="en-US" dirty="0"/>
+              <a:t>立即数存入输出寄存器。</a:t>
+            </a:r>
+            <a:endParaRPr lang="en-CN" dirty="0"/>
+          </a:p>
+        </p:txBody>
+      </p:sp>
+    </p:spTree>
+    <p:extLst>
+      <p:ext uri="{BB962C8B-B14F-4D97-AF65-F5344CB8AC3E}">
+        <p14:creationId xmlns:p14="http://schemas.microsoft.com/office/powerpoint/2010/main" val="1427337880"/>
+      </p:ext>
+    </p:extLst>
+  </p:cSld>
+  <p:clrMapOvr>
+    <a:masterClrMapping/>
+  </p:clrMapOvr>
+</p:sld>
+</file>
+
+<file path=ppt/slides/slide5.xml><?xml version="1.0" encoding="utf-8"?>
 <p:sld xmlns:a="http://schemas.openxmlformats.org/drawingml/2006/main" xmlns:r="http://schemas.openxmlformats.org/officeDocument/2006/relationships" xmlns:p="http://schemas.openxmlformats.org/presentationml/2006/main">
   <p:cSld>
     <p:spTree>

--- a/8bit_design/CPU.pptx
+++ b/8bit_design/CPU.pptx
@@ -263,7 +263,7 @@
           <a:p>
             <a:fld id="{3DA55360-DDDC-4346-A6FA-426842ECECBE}" type="datetimeFigureOut">
               <a:rPr kumimoji="1" lang="zh-CN" altLang="en-US" smtClean="0"/>
-              <a:t>2024/2/7</a:t>
+              <a:t>2024/2/13</a:t>
             </a:fld>
             <a:endParaRPr kumimoji="1" lang="zh-CN" altLang="en-US"/>
           </a:p>
@@ -461,7 +461,7 @@
           <a:p>
             <a:fld id="{3DA55360-DDDC-4346-A6FA-426842ECECBE}" type="datetimeFigureOut">
               <a:rPr kumimoji="1" lang="zh-CN" altLang="en-US" smtClean="0"/>
-              <a:t>2024/2/7</a:t>
+              <a:t>2024/2/13</a:t>
             </a:fld>
             <a:endParaRPr kumimoji="1" lang="zh-CN" altLang="en-US"/>
           </a:p>
@@ -669,7 +669,7 @@
           <a:p>
             <a:fld id="{3DA55360-DDDC-4346-A6FA-426842ECECBE}" type="datetimeFigureOut">
               <a:rPr kumimoji="1" lang="zh-CN" altLang="en-US" smtClean="0"/>
-              <a:t>2024/2/7</a:t>
+              <a:t>2024/2/13</a:t>
             </a:fld>
             <a:endParaRPr kumimoji="1" lang="zh-CN" altLang="en-US"/>
           </a:p>
@@ -867,7 +867,7 @@
           <a:p>
             <a:fld id="{3DA55360-DDDC-4346-A6FA-426842ECECBE}" type="datetimeFigureOut">
               <a:rPr kumimoji="1" lang="zh-CN" altLang="en-US" smtClean="0"/>
-              <a:t>2024/2/7</a:t>
+              <a:t>2024/2/13</a:t>
             </a:fld>
             <a:endParaRPr kumimoji="1" lang="zh-CN" altLang="en-US"/>
           </a:p>
@@ -1142,7 +1142,7 @@
           <a:p>
             <a:fld id="{3DA55360-DDDC-4346-A6FA-426842ECECBE}" type="datetimeFigureOut">
               <a:rPr kumimoji="1" lang="zh-CN" altLang="en-US" smtClean="0"/>
-              <a:t>2024/2/7</a:t>
+              <a:t>2024/2/13</a:t>
             </a:fld>
             <a:endParaRPr kumimoji="1" lang="zh-CN" altLang="en-US"/>
           </a:p>
@@ -1407,7 +1407,7 @@
           <a:p>
             <a:fld id="{3DA55360-DDDC-4346-A6FA-426842ECECBE}" type="datetimeFigureOut">
               <a:rPr kumimoji="1" lang="zh-CN" altLang="en-US" smtClean="0"/>
-              <a:t>2024/2/7</a:t>
+              <a:t>2024/2/13</a:t>
             </a:fld>
             <a:endParaRPr kumimoji="1" lang="zh-CN" altLang="en-US"/>
           </a:p>
@@ -1819,7 +1819,7 @@
           <a:p>
             <a:fld id="{3DA55360-DDDC-4346-A6FA-426842ECECBE}" type="datetimeFigureOut">
               <a:rPr kumimoji="1" lang="zh-CN" altLang="en-US" smtClean="0"/>
-              <a:t>2024/2/7</a:t>
+              <a:t>2024/2/13</a:t>
             </a:fld>
             <a:endParaRPr kumimoji="1" lang="zh-CN" altLang="en-US"/>
           </a:p>
@@ -1960,7 +1960,7 @@
           <a:p>
             <a:fld id="{3DA55360-DDDC-4346-A6FA-426842ECECBE}" type="datetimeFigureOut">
               <a:rPr kumimoji="1" lang="zh-CN" altLang="en-US" smtClean="0"/>
-              <a:t>2024/2/7</a:t>
+              <a:t>2024/2/13</a:t>
             </a:fld>
             <a:endParaRPr kumimoji="1" lang="zh-CN" altLang="en-US"/>
           </a:p>
@@ -2073,7 +2073,7 @@
           <a:p>
             <a:fld id="{3DA55360-DDDC-4346-A6FA-426842ECECBE}" type="datetimeFigureOut">
               <a:rPr kumimoji="1" lang="zh-CN" altLang="en-US" smtClean="0"/>
-              <a:t>2024/2/7</a:t>
+              <a:t>2024/2/13</a:t>
             </a:fld>
             <a:endParaRPr kumimoji="1" lang="zh-CN" altLang="en-US"/>
           </a:p>
@@ -2384,7 +2384,7 @@
           <a:p>
             <a:fld id="{3DA55360-DDDC-4346-A6FA-426842ECECBE}" type="datetimeFigureOut">
               <a:rPr kumimoji="1" lang="zh-CN" altLang="en-US" smtClean="0"/>
-              <a:t>2024/2/7</a:t>
+              <a:t>2024/2/13</a:t>
             </a:fld>
             <a:endParaRPr kumimoji="1" lang="zh-CN" altLang="en-US"/>
           </a:p>
@@ -2672,7 +2672,7 @@
           <a:p>
             <a:fld id="{3DA55360-DDDC-4346-A6FA-426842ECECBE}" type="datetimeFigureOut">
               <a:rPr kumimoji="1" lang="zh-CN" altLang="en-US" smtClean="0"/>
-              <a:t>2024/2/7</a:t>
+              <a:t>2024/2/13</a:t>
             </a:fld>
             <a:endParaRPr kumimoji="1" lang="zh-CN" altLang="en-US"/>
           </a:p>
@@ -2913,7 +2913,7 @@
           <a:p>
             <a:fld id="{3DA55360-DDDC-4346-A6FA-426842ECECBE}" type="datetimeFigureOut">
               <a:rPr kumimoji="1" lang="zh-CN" altLang="en-US" smtClean="0"/>
-              <a:t>2024/2/7</a:t>
+              <a:t>2024/2/13</a:t>
             </a:fld>
             <a:endParaRPr kumimoji="1" lang="zh-CN" altLang="en-US"/>
           </a:p>
@@ -8477,6 +8477,22 @@
           <a:p>
             <a:pPr algn="ctr"/>
             <a:r>
+              <a:rPr kumimoji="1" lang="zh-CN" altLang="en-US" sz="1600" dirty="0"/>
+              <a:t>（</a:t>
+            </a:r>
+            <a:r>
+              <a:rPr kumimoji="1" lang="en-US" altLang="zh-CN" sz="1600" dirty="0"/>
+              <a:t>Risk</a:t>
+            </a:r>
+            <a:r>
+              <a:rPr kumimoji="1" lang="zh-CN" altLang="en-US" sz="1600" dirty="0"/>
+              <a:t>）</a:t>
+            </a:r>
+            <a:endParaRPr kumimoji="1" lang="en-US" altLang="zh-CN" sz="1600" dirty="0"/>
+          </a:p>
+          <a:p>
+            <a:pPr algn="ctr"/>
+            <a:r>
               <a:rPr kumimoji="1" lang="en-US" altLang="zh-CN" sz="1600" dirty="0"/>
               <a:t>Register</a:t>
             </a:r>
@@ -10146,22 +10162,6 @@
           <a:p>
             <a:pPr algn="ctr"/>
             <a:r>
-              <a:rPr kumimoji="1" lang="zh-CN" altLang="en-US" sz="1600" dirty="0"/>
-              <a:t>（</a:t>
-            </a:r>
-            <a:r>
-              <a:rPr kumimoji="1" lang="en-US" altLang="zh-CN" sz="1600" dirty="0"/>
-              <a:t>Risk</a:t>
-            </a:r>
-            <a:r>
-              <a:rPr kumimoji="1" lang="zh-CN" altLang="en-US" sz="1600" dirty="0"/>
-              <a:t>）</a:t>
-            </a:r>
-            <a:endParaRPr kumimoji="1" lang="en-US" altLang="zh-CN" sz="1600" dirty="0"/>
-          </a:p>
-          <a:p>
-            <a:pPr algn="ctr"/>
-            <a:r>
               <a:rPr kumimoji="1" lang="en-US" altLang="zh-CN" sz="1600" dirty="0"/>
               <a:t>Register</a:t>
             </a:r>
@@ -10500,15 +10500,16 @@
           </p:cNvPr>
           <p:cNvCxnSpPr>
             <a:cxnSpLocks/>
+            <a:stCxn id="13" idx="1"/>
           </p:cNvCxnSpPr>
           <p:nvPr/>
         </p:nvCxnSpPr>
         <p:spPr>
-          <a:xfrm rot="16200000" flipH="1">
-            <a:off x="7401678" y="1004920"/>
-            <a:ext cx="1854063" cy="1704892"/>
-          </a:xfrm>
-          <a:prstGeom prst="curvedConnector3">
+          <a:xfrm rot="10800000" flipV="1">
+            <a:off x="9181158" y="1547939"/>
+            <a:ext cx="931605" cy="1236458"/>
+          </a:xfrm>
+          <a:prstGeom prst="curvedConnector2">
             <a:avLst/>
           </a:prstGeom>
           <a:ln>
@@ -12706,9 +12707,9 @@
           <p:nvPr/>
         </p:nvCxnSpPr>
         <p:spPr>
-          <a:xfrm flipV="1">
-            <a:off x="6092348" y="2273040"/>
-            <a:ext cx="1098842" cy="17926"/>
+          <a:xfrm>
+            <a:off x="6092348" y="2290966"/>
+            <a:ext cx="1073736" cy="0"/>
           </a:xfrm>
           <a:prstGeom prst="straightConnector1">
             <a:avLst/>
@@ -13781,6 +13782,53 @@
           </a:p>
         </p:txBody>
       </p:sp>
+      <p:cxnSp>
+        <p:nvCxnSpPr>
+          <p:cNvPr id="20" name="Straight Arrow Connector 19">
+            <a:extLst>
+              <a:ext uri="{FF2B5EF4-FFF2-40B4-BE49-F238E27FC236}">
+                <a16:creationId xmlns:a16="http://schemas.microsoft.com/office/drawing/2014/main" id="{5A56AE15-6098-8E08-257F-6DBC19983843}"/>
+              </a:ext>
+            </a:extLst>
+          </p:cNvPr>
+          <p:cNvCxnSpPr>
+            <a:cxnSpLocks/>
+          </p:cNvCxnSpPr>
+          <p:nvPr/>
+        </p:nvCxnSpPr>
+        <p:spPr>
+          <a:xfrm flipH="1" flipV="1">
+            <a:off x="7661429" y="2502967"/>
+            <a:ext cx="722613" cy="2333"/>
+          </a:xfrm>
+          <a:prstGeom prst="straightConnector1">
+            <a:avLst/>
+          </a:prstGeom>
+          <a:ln w="38100">
+            <a:solidFill>
+              <a:schemeClr val="accent2">
+                <a:lumMod val="60000"/>
+                <a:lumOff val="40000"/>
+              </a:schemeClr>
+            </a:solidFill>
+            <a:tailEnd type="triangle"/>
+          </a:ln>
+        </p:spPr>
+        <p:style>
+          <a:lnRef idx="1">
+            <a:schemeClr val="accent1"/>
+          </a:lnRef>
+          <a:fillRef idx="0">
+            <a:schemeClr val="accent1"/>
+          </a:fillRef>
+          <a:effectRef idx="0">
+            <a:schemeClr val="accent1"/>
+          </a:effectRef>
+          <a:fontRef idx="minor">
+            <a:schemeClr val="tx1"/>
+          </a:fontRef>
+        </p:style>
+      </p:cxnSp>
     </p:spTree>
     <p:extLst>
       <p:ext uri="{BB962C8B-B14F-4D97-AF65-F5344CB8AC3E}">
